--- a/images/cloud-native-starter.pptx
+++ b/images/cloud-native-starter.pptx
@@ -5,11 +5,10 @@
     <p:sldMasterId id="2147483648" r:id="rId1"/>
   </p:sldMasterIdLst>
   <p:notesMasterIdLst>
-    <p:notesMasterId r:id="rId4"/>
+    <p:notesMasterId r:id="rId3"/>
   </p:notesMasterIdLst>
   <p:sldIdLst>
     <p:sldId id="336" r:id="rId2"/>
-    <p:sldId id="337" r:id="rId3"/>
   </p:sldIdLst>
   <p:sldSz cx="10058400" cy="7772400"/>
   <p:notesSz cx="6858000" cy="9144000"/>
@@ -89,7 +88,7 @@
   </p:defaultTextStyle>
   <p:extLst>
     <p:ext uri="{EFAFB233-063F-42B5-8137-9DF3F51BA10A}">
-      <p15:sldGuideLst xmlns="" xmlns:p15="http://schemas.microsoft.com/office/powerpoint/2012/main">
+      <p15:sldGuideLst xmlns:p15="http://schemas.microsoft.com/office/powerpoint/2012/main" xmlns="">
         <p15:guide id="1" orient="horz" pos="2112" userDrawn="1">
           <p15:clr>
             <a:srgbClr val="A4A3A4"/>
@@ -2746,47 +2745,6 @@
           <a:chExt cx="0" cy="0"/>
         </a:xfrm>
       </p:grpSpPr>
-      <p:cxnSp>
-        <p:nvCxnSpPr>
-          <p:cNvPr id="95" name="Straight Arrow Connector 62"/>
-          <p:cNvCxnSpPr/>
-          <p:nvPr/>
-        </p:nvCxnSpPr>
-        <p:spPr>
-          <a:xfrm>
-            <a:off x="2988754" y="4029426"/>
-            <a:ext cx="5184964" cy="3103231"/>
-          </a:xfrm>
-          <a:prstGeom prst="straightConnector1">
-            <a:avLst/>
-          </a:prstGeom>
-          <a:noFill/>
-          <a:ln w="12700" cap="flat" cmpd="sng">
-            <a:solidFill>
-              <a:schemeClr val="bg1">
-                <a:lumMod val="85000"/>
-              </a:schemeClr>
-            </a:solidFill>
-            <a:prstDash val="solid"/>
-            <a:miter lim="400000"/>
-            <a:headEnd type="none"/>
-            <a:tailEnd type="none"/>
-          </a:ln>
-          <a:effectLst/>
-        </p:spPr>
-        <p:style>
-          <a:lnRef idx="0">
-            <a:scrgbClr r="0" g="0" b="0"/>
-          </a:lnRef>
-          <a:fillRef idx="0">
-            <a:scrgbClr r="0" g="0" b="0"/>
-          </a:fillRef>
-          <a:effectRef idx="0">
-            <a:scrgbClr r="0" g="0" b="0"/>
-          </a:effectRef>
-          <a:fontRef idx="none"/>
-        </p:style>
-      </p:cxnSp>
       <p:sp>
         <p:nvSpPr>
           <p:cNvPr id="148" name="Shape 62"/>
@@ -2795,8 +2753,8 @@
         </p:nvSpPr>
         <p:spPr>
           <a:xfrm flipV="1">
-            <a:off x="1848138" y="1515657"/>
-            <a:ext cx="0" cy="6140887"/>
+            <a:off x="1848138" y="776062"/>
+            <a:ext cx="0" cy="6667098"/>
           </a:xfrm>
           <a:prstGeom prst="line">
             <a:avLst/>
@@ -2821,30 +2779,6 @@
           </a:p>
         </p:txBody>
       </p:sp>
-      <p:pic>
-        <p:nvPicPr>
-          <p:cNvPr id="166" name="Picture 165"/>
-          <p:cNvPicPr>
-            <a:picLocks noChangeAspect="1"/>
-          </p:cNvPicPr>
-          <p:nvPr/>
-        </p:nvPicPr>
-        <p:blipFill>
-          <a:blip r:embed="rId2"/>
-          <a:stretch>
-            <a:fillRect/>
-          </a:stretch>
-        </p:blipFill>
-        <p:spPr>
-          <a:xfrm>
-            <a:off x="8818459" y="141370"/>
-            <a:ext cx="1098574" cy="996165"/>
-          </a:xfrm>
-          <a:prstGeom prst="rect">
-            <a:avLst/>
-          </a:prstGeom>
-        </p:spPr>
-      </p:pic>
       <p:sp>
         <p:nvSpPr>
           <p:cNvPr id="210" name="Shape 64"/>
@@ -2853,8 +2787,8 @@
         </p:nvSpPr>
         <p:spPr>
           <a:xfrm>
-            <a:off x="1979114" y="1581191"/>
-            <a:ext cx="2074887" cy="246221"/>
+            <a:off x="1979114" y="781579"/>
+            <a:ext cx="5676030" cy="246221"/>
           </a:xfrm>
           <a:prstGeom prst="rect">
             <a:avLst/>
@@ -2869,7 +2803,7 @@
           </a:extLst>
         </p:spPr>
         <p:txBody>
-          <a:bodyPr wrap="none" lIns="0" tIns="0" rIns="0" bIns="0">
+          <a:bodyPr wrap="square" lIns="0" tIns="0" rIns="0" bIns="0">
             <a:spAutoFit/>
           </a:bodyPr>
           <a:lstStyle>
@@ -2886,7 +2820,7 @@
             </a:lvl1pPr>
           </a:lstStyle>
           <a:p>
-            <a:pPr lvl="0">
+            <a:pPr lvl="0" algn="ctr">
               <a:defRPr sz="1800" b="0">
                 <a:solidFill>
                   <a:srgbClr val="000000"/>
@@ -2922,14 +2856,14 @@
           <p:nvPr/>
         </p:nvPicPr>
         <p:blipFill>
-          <a:blip r:embed="rId3"/>
+          <a:blip r:embed="rId2"/>
           <a:stretch>
             <a:fillRect/>
           </a:stretch>
         </p:blipFill>
         <p:spPr>
           <a:xfrm>
-            <a:off x="560056" y="3547212"/>
+            <a:off x="266081" y="3594248"/>
             <a:ext cx="803034" cy="701972"/>
           </a:xfrm>
           <a:prstGeom prst="rect">
@@ -2945,7 +2879,7 @@
         </p:nvSpPr>
         <p:spPr>
           <a:xfrm>
-            <a:off x="375641" y="4256933"/>
+            <a:off x="81666" y="4303969"/>
             <a:ext cx="1181319" cy="264013"/>
           </a:xfrm>
           <a:prstGeom prst="rect">
@@ -2976,45 +2910,23 @@
           </a:bodyPr>
           <a:lstStyle/>
           <a:p>
-            <a:pPr marL="0" marR="0" indent="0" defTabSz="584200" rtl="0" fontAlgn="auto" latinLnBrk="1" hangingPunct="0">
-              <a:lnSpc>
-                <a:spcPct val="100000"/>
-              </a:lnSpc>
-              <a:spcBef>
-                <a:spcPts val="0"/>
-              </a:spcBef>
-              <a:spcAft>
-                <a:spcPts val="0"/>
-              </a:spcAft>
-              <a:buClrTx/>
-              <a:buSzTx/>
-              <a:buFontTx/>
-              <a:buNone/>
-              <a:tabLst/>
-            </a:pPr>
+            <a:pPr rtl="0" latinLnBrk="1" hangingPunct="0"/>
             <a:r>
-              <a:rPr lang="en-US" sz="1200" dirty="0" smtClean="0">
+              <a:rPr lang="en-US" sz="1200" dirty="0">
                 <a:solidFill>
                   <a:srgbClr val="000000"/>
                 </a:solidFill>
                 <a:latin typeface="Arial"/>
                 <a:cs typeface="Arial"/>
               </a:rPr>
-              <a:t>Web App</a:t>
+              <a:t>Web-App</a:t>
             </a:r>
-            <a:endParaRPr kumimoji="0" lang="en-US" sz="1200" b="0" i="0" u="none" strike="noStrike" cap="none" spc="0" normalizeH="0" baseline="0" dirty="0">
-              <a:ln>
-                <a:noFill/>
-              </a:ln>
+            <a:endParaRPr lang="en-US" sz="1200" dirty="0">
               <a:solidFill>
                 <a:srgbClr val="000000"/>
               </a:solidFill>
-              <a:effectLst/>
-              <a:uFillTx/>
               <a:latin typeface="Arial"/>
-              <a:ea typeface="+mn-ea"/>
               <a:cs typeface="Arial"/>
-              <a:sym typeface="Helvetica Light"/>
             </a:endParaRPr>
           </a:p>
         </p:txBody>
@@ -3028,103 +2940,21 @@
           <p:nvPr/>
         </p:nvPicPr>
         <p:blipFill>
-          <a:blip r:embed="rId4"/>
+          <a:blip r:embed="rId3"/>
           <a:stretch>
             <a:fillRect/>
           </a:stretch>
         </p:blipFill>
         <p:spPr>
           <a:xfrm>
-            <a:off x="3878234" y="2787325"/>
-            <a:ext cx="819405" cy="786629"/>
+            <a:off x="3255007" y="1705499"/>
+            <a:ext cx="895939" cy="860102"/>
           </a:xfrm>
           <a:prstGeom prst="rect">
             <a:avLst/>
           </a:prstGeom>
         </p:spPr>
       </p:pic>
-      <p:cxnSp>
-        <p:nvCxnSpPr>
-          <p:cNvPr id="223" name="Straight Arrow Connector 62"/>
-          <p:cNvCxnSpPr/>
-          <p:nvPr/>
-        </p:nvCxnSpPr>
-        <p:spPr>
-          <a:xfrm flipV="1">
-            <a:off x="4745722" y="2664016"/>
-            <a:ext cx="1184043" cy="525162"/>
-          </a:xfrm>
-          <a:prstGeom prst="straightConnector1">
-            <a:avLst/>
-          </a:prstGeom>
-          <a:noFill/>
-          <a:ln w="12700" cap="flat" cmpd="sng">
-            <a:solidFill>
-              <a:schemeClr val="bg1">
-                <a:lumMod val="85000"/>
-              </a:schemeClr>
-            </a:solidFill>
-            <a:prstDash val="solid"/>
-            <a:miter lim="400000"/>
-            <a:headEnd type="none"/>
-            <a:tailEnd type="none"/>
-          </a:ln>
-          <a:effectLst/>
-        </p:spPr>
-        <p:style>
-          <a:lnRef idx="0">
-            <a:scrgbClr r="0" g="0" b="0"/>
-          </a:lnRef>
-          <a:fillRef idx="0">
-            <a:scrgbClr r="0" g="0" b="0"/>
-          </a:fillRef>
-          <a:effectRef idx="0">
-            <a:scrgbClr r="0" g="0" b="0"/>
-          </a:effectRef>
-          <a:fontRef idx="none"/>
-        </p:style>
-      </p:cxnSp>
-      <p:cxnSp>
-        <p:nvCxnSpPr>
-          <p:cNvPr id="229" name="Straight Arrow Connector 62"/>
-          <p:cNvCxnSpPr/>
-          <p:nvPr/>
-        </p:nvCxnSpPr>
-        <p:spPr>
-          <a:xfrm flipV="1">
-            <a:off x="1376340" y="3928682"/>
-            <a:ext cx="660501" cy="1"/>
-          </a:xfrm>
-          <a:prstGeom prst="straightConnector1">
-            <a:avLst/>
-          </a:prstGeom>
-          <a:noFill/>
-          <a:ln w="12700" cap="flat" cmpd="sng">
-            <a:solidFill>
-              <a:schemeClr val="bg1">
-                <a:lumMod val="85000"/>
-              </a:schemeClr>
-            </a:solidFill>
-            <a:prstDash val="solid"/>
-            <a:miter lim="400000"/>
-            <a:headEnd type="none"/>
-            <a:tailEnd type="none"/>
-          </a:ln>
-          <a:effectLst/>
-        </p:spPr>
-        <p:style>
-          <a:lnRef idx="0">
-            <a:scrgbClr r="0" g="0" b="0"/>
-          </a:lnRef>
-          <a:fillRef idx="0">
-            <a:scrgbClr r="0" g="0" b="0"/>
-          </a:fillRef>
-          <a:effectRef idx="0">
-            <a:scrgbClr r="0" g="0" b="0"/>
-          </a:effectRef>
-          <a:fontRef idx="none"/>
-        </p:style>
-      </p:cxnSp>
       <p:sp>
         <p:nvSpPr>
           <p:cNvPr id="57" name="Shape 64"/>
@@ -3133,8 +2963,8 @@
         </p:nvSpPr>
         <p:spPr>
           <a:xfrm>
-            <a:off x="194764" y="1600241"/>
-            <a:ext cx="821038" cy="246221"/>
+            <a:off x="82313" y="788870"/>
+            <a:ext cx="1716821" cy="246221"/>
           </a:xfrm>
           <a:prstGeom prst="rect">
             <a:avLst/>
@@ -3149,7 +2979,7 @@
           </a:extLst>
         </p:spPr>
         <p:txBody>
-          <a:bodyPr wrap="none" lIns="0" tIns="0" rIns="0" bIns="0">
+          <a:bodyPr wrap="square" lIns="0" tIns="0" rIns="0" bIns="0">
             <a:spAutoFit/>
           </a:bodyPr>
           <a:lstStyle>
@@ -3166,7 +2996,7 @@
             </a:lvl1pPr>
           </a:lstStyle>
           <a:p>
-            <a:pPr lvl="0">
+            <a:pPr lvl="0" algn="ctr">
               <a:defRPr sz="1800" b="0">
                 <a:solidFill>
                   <a:srgbClr val="000000"/>
@@ -3201,8 +3031,8 @@
         </p:nvSpPr>
         <p:spPr>
           <a:xfrm flipV="1">
-            <a:off x="7724881" y="1502205"/>
-            <a:ext cx="0" cy="6140887"/>
+            <a:off x="7724881" y="776064"/>
+            <a:ext cx="0" cy="6631821"/>
           </a:xfrm>
           <a:prstGeom prst="line">
             <a:avLst/>
@@ -3236,15 +3066,15 @@
           <p:nvPr/>
         </p:nvPicPr>
         <p:blipFill>
-          <a:blip r:embed="rId5"/>
+          <a:blip r:embed="rId4"/>
           <a:stretch>
             <a:fillRect/>
           </a:stretch>
         </p:blipFill>
         <p:spPr>
           <a:xfrm>
-            <a:off x="8456487" y="3457020"/>
-            <a:ext cx="697633" cy="697633"/>
+            <a:off x="8491764" y="2998426"/>
+            <a:ext cx="752551" cy="752551"/>
           </a:xfrm>
           <a:prstGeom prst="rect">
             <a:avLst/>
@@ -3259,175 +3089,8 @@
         </p:nvSpPr>
         <p:spPr>
           <a:xfrm>
-            <a:off x="8210968" y="4146186"/>
-            <a:ext cx="1218324" cy="264013"/>
-          </a:xfrm>
-          <a:prstGeom prst="rect">
-            <a:avLst/>
-          </a:prstGeom>
-          <a:noFill/>
-          <a:ln w="3175" cap="flat">
-            <a:noFill/>
-            <a:miter lim="400000"/>
-          </a:ln>
-          <a:effectLst/>
-        </p:spPr>
-        <p:style>
-          <a:lnRef idx="0">
-            <a:scrgbClr r="0" g="0" b="0"/>
-          </a:lnRef>
-          <a:fillRef idx="0">
-            <a:scrgbClr r="0" g="0" b="0"/>
-          </a:fillRef>
-          <a:effectRef idx="0">
-            <a:scrgbClr r="0" g="0" b="0"/>
-          </a:effectRef>
-          <a:fontRef idx="none"/>
-        </p:style>
-        <p:txBody>
-          <a:bodyPr rot="0" spcFirstLastPara="1" vertOverflow="overflow" horzOverflow="overflow" vert="horz" wrap="square" lIns="39290" tIns="39290" rIns="39290" bIns="39290" numCol="1" spcCol="38100" rtlCol="0" anchor="ctr">
-            <a:spAutoFit/>
-          </a:bodyPr>
-          <a:lstStyle/>
-          <a:p>
-            <a:pPr marL="0" marR="0" indent="0" defTabSz="584200" rtl="0" fontAlgn="auto" latinLnBrk="1" hangingPunct="0">
-              <a:lnSpc>
-                <a:spcPct val="100000"/>
-              </a:lnSpc>
-              <a:spcBef>
-                <a:spcPts val="0"/>
-              </a:spcBef>
-              <a:spcAft>
-                <a:spcPts val="0"/>
-              </a:spcAft>
-              <a:buClrTx/>
-              <a:buSzTx/>
-              <a:buFontTx/>
-              <a:buNone/>
-              <a:tabLst/>
-            </a:pPr>
-            <a:r>
-              <a:rPr kumimoji="0" lang="en-US" sz="1200" b="0" i="0" u="none" strike="noStrike" cap="none" spc="0" normalizeH="0" baseline="0" dirty="0">
-                <a:ln>
-                  <a:noFill/>
-                </a:ln>
-                <a:solidFill>
-                  <a:srgbClr val="000000"/>
-                </a:solidFill>
-                <a:effectLst/>
-                <a:uFillTx/>
-                <a:latin typeface="Arial"/>
-                <a:ea typeface="+mn-ea"/>
-                <a:cs typeface="Arial"/>
-                <a:sym typeface="Helvetica Light"/>
-              </a:rPr>
-              <a:t>Cloudant</a:t>
-            </a:r>
-          </a:p>
-        </p:txBody>
-      </p:sp>
-      <p:sp>
-        <p:nvSpPr>
-          <p:cNvPr id="61" name="Shape 64"/>
-          <p:cNvSpPr/>
-          <p:nvPr/>
-        </p:nvSpPr>
-        <p:spPr>
-          <a:xfrm>
-            <a:off x="7884542" y="1619012"/>
-            <a:ext cx="1790554" cy="246221"/>
-          </a:xfrm>
-          <a:prstGeom prst="rect">
-            <a:avLst/>
-          </a:prstGeom>
-          <a:ln w="3175">
-            <a:miter lim="400000"/>
-          </a:ln>
-          <a:extLst>
-            <a:ext uri="{C572A759-6A51-4108-AA02-DFA0A04FC94B}">
-              <ma14:wrappingTextBoxFlag xmlns:ma14="http://schemas.microsoft.com/office/mac/drawingml/2011/main" val="1"/>
-            </a:ext>
-          </a:extLst>
-        </p:spPr>
-        <p:txBody>
-          <a:bodyPr wrap="none" lIns="0" tIns="0" rIns="0" bIns="0">
-            <a:spAutoFit/>
-          </a:bodyPr>
-          <a:lstStyle>
-            <a:lvl1pPr algn="l">
-              <a:defRPr sz="1000" b="1">
-                <a:solidFill>
-                  <a:srgbClr val="4277BB"/>
-                </a:solidFill>
-                <a:latin typeface="Helvetica"/>
-                <a:ea typeface="Helvetica"/>
-                <a:cs typeface="Helvetica"/>
-                <a:sym typeface="Helvetica"/>
-              </a:defRPr>
-            </a:lvl1pPr>
-          </a:lstStyle>
-          <a:p>
-            <a:pPr lvl="0">
-              <a:defRPr sz="1800" b="0">
-                <a:solidFill>
-                  <a:srgbClr val="000000"/>
-                </a:solidFill>
-              </a:defRPr>
-            </a:pPr>
-            <a:r>
-              <a:rPr lang="de-DE" sz="1600" b="1" dirty="0" smtClean="0">
-                <a:solidFill>
-                  <a:srgbClr val="000000"/>
-                </a:solidFill>
-                <a:latin typeface="Arial"/>
-                <a:cs typeface="Arial"/>
-              </a:rPr>
-              <a:t>Managed Services</a:t>
-            </a:r>
-            <a:endParaRPr sz="1600" dirty="0">
-              <a:solidFill>
-                <a:srgbClr val="000000"/>
-              </a:solidFill>
-              <a:latin typeface="Arial"/>
-              <a:cs typeface="Arial"/>
-            </a:endParaRPr>
-          </a:p>
-        </p:txBody>
-      </p:sp>
-      <p:pic>
-        <p:nvPicPr>
-          <p:cNvPr id="6" name="Picture 5"/>
-          <p:cNvPicPr>
-            <a:picLocks noChangeAspect="1"/>
-          </p:cNvPicPr>
-          <p:nvPr/>
-        </p:nvPicPr>
-        <p:blipFill>
-          <a:blip r:embed="rId6"/>
-          <a:stretch>
-            <a:fillRect/>
-          </a:stretch>
-        </p:blipFill>
-        <p:spPr>
-          <a:xfrm>
-            <a:off x="3630369" y="2462611"/>
-            <a:ext cx="831816" cy="524254"/>
-          </a:xfrm>
-          <a:prstGeom prst="rect">
-            <a:avLst/>
-          </a:prstGeom>
-        </p:spPr>
-      </p:pic>
-      <p:sp>
-        <p:nvSpPr>
-          <p:cNvPr id="64" name="TextBox 63"/>
-          <p:cNvSpPr txBox="1"/>
-          <p:nvPr/>
-        </p:nvSpPr>
-        <p:spPr>
-          <a:xfrm>
-            <a:off x="3549282" y="3493766"/>
-            <a:ext cx="1506878" cy="448679"/>
+            <a:off x="8093377" y="3722873"/>
+            <a:ext cx="1560805" cy="264013"/>
           </a:xfrm>
           <a:prstGeom prst="rect">
             <a:avLst/>
@@ -3488,8 +3151,191 @@
                 <a:cs typeface="Arial"/>
                 <a:sym typeface="Helvetica Light"/>
               </a:rPr>
+              <a:t>NoSQL / Cloudant</a:t>
+            </a:r>
+            <a:endParaRPr kumimoji="0" lang="en-US" sz="1200" b="0" i="0" u="none" strike="noStrike" cap="none" spc="0" normalizeH="0" baseline="0" dirty="0">
+              <a:ln>
+                <a:noFill/>
+              </a:ln>
+              <a:solidFill>
+                <a:srgbClr val="000000"/>
+              </a:solidFill>
+              <a:effectLst/>
+              <a:uFillTx/>
+              <a:latin typeface="Arial"/>
+              <a:ea typeface="+mn-ea"/>
+              <a:cs typeface="Arial"/>
+              <a:sym typeface="Helvetica Light"/>
+            </a:endParaRPr>
+          </a:p>
+        </p:txBody>
+      </p:sp>
+      <p:sp>
+        <p:nvSpPr>
+          <p:cNvPr id="61" name="Shape 64"/>
+          <p:cNvSpPr/>
+          <p:nvPr/>
+        </p:nvSpPr>
+        <p:spPr>
+          <a:xfrm>
+            <a:off x="7966855" y="772364"/>
+            <a:ext cx="1778331" cy="492443"/>
+          </a:xfrm>
+          <a:prstGeom prst="rect">
+            <a:avLst/>
+          </a:prstGeom>
+          <a:ln w="3175">
+            <a:miter lim="400000"/>
+          </a:ln>
+          <a:extLst>
+            <a:ext uri="{C572A759-6A51-4108-AA02-DFA0A04FC94B}">
+              <ma14:wrappingTextBoxFlag xmlns:ma14="http://schemas.microsoft.com/office/mac/drawingml/2011/main" val="1"/>
+            </a:ext>
+          </a:extLst>
+        </p:spPr>
+        <p:txBody>
+          <a:bodyPr wrap="none" lIns="0" tIns="0" rIns="0" bIns="0">
+            <a:spAutoFit/>
+          </a:bodyPr>
+          <a:lstStyle>
+            <a:lvl1pPr algn="l">
+              <a:defRPr sz="1000" b="1">
+                <a:solidFill>
+                  <a:srgbClr val="4277BB"/>
+                </a:solidFill>
+                <a:latin typeface="Helvetica"/>
+                <a:ea typeface="Helvetica"/>
+                <a:cs typeface="Helvetica"/>
+                <a:sym typeface="Helvetica"/>
+              </a:defRPr>
+            </a:lvl1pPr>
+          </a:lstStyle>
+          <a:p>
+            <a:pPr lvl="0" algn="ctr">
+              <a:defRPr sz="1800" b="0">
+                <a:solidFill>
+                  <a:srgbClr val="000000"/>
+                </a:solidFill>
+              </a:defRPr>
+            </a:pPr>
+            <a:r>
+              <a:rPr lang="de-DE" sz="1600" b="1" dirty="0" smtClean="0">
+                <a:solidFill>
+                  <a:srgbClr val="000000"/>
+                </a:solidFill>
+                <a:latin typeface="Arial"/>
+                <a:cs typeface="Arial"/>
+              </a:rPr>
+              <a:t>Optional Managed</a:t>
+            </a:r>
+          </a:p>
+          <a:p>
+            <a:pPr lvl="0" algn="ctr">
+              <a:defRPr sz="1800" b="0">
+                <a:solidFill>
+                  <a:srgbClr val="000000"/>
+                </a:solidFill>
+              </a:defRPr>
+            </a:pPr>
+            <a:r>
+              <a:rPr lang="de-DE" sz="1600" b="1" dirty="0" smtClean="0">
+                <a:solidFill>
+                  <a:srgbClr val="000000"/>
+                </a:solidFill>
+                <a:latin typeface="Arial"/>
+                <a:cs typeface="Arial"/>
+              </a:rPr>
+              <a:t>Cloud Services</a:t>
+            </a:r>
+            <a:endParaRPr sz="1600" dirty="0">
+              <a:solidFill>
+                <a:srgbClr val="000000"/>
+              </a:solidFill>
+              <a:latin typeface="Arial"/>
+              <a:cs typeface="Arial"/>
+            </a:endParaRPr>
+          </a:p>
+        </p:txBody>
+      </p:sp>
+      <p:sp>
+        <p:nvSpPr>
+          <p:cNvPr id="64" name="TextBox 63"/>
+          <p:cNvSpPr txBox="1"/>
+          <p:nvPr/>
+        </p:nvSpPr>
+        <p:spPr>
+          <a:xfrm>
+            <a:off x="2961332" y="2494251"/>
+            <a:ext cx="1506878" cy="448679"/>
+          </a:xfrm>
+          <a:prstGeom prst="rect">
+            <a:avLst/>
+          </a:prstGeom>
+          <a:noFill/>
+          <a:ln w="3175" cap="flat">
+            <a:noFill/>
+            <a:miter lim="400000"/>
+          </a:ln>
+          <a:effectLst/>
+        </p:spPr>
+        <p:style>
+          <a:lnRef idx="0">
+            <a:scrgbClr r="0" g="0" b="0"/>
+          </a:lnRef>
+          <a:fillRef idx="0">
+            <a:scrgbClr r="0" g="0" b="0"/>
+          </a:fillRef>
+          <a:effectRef idx="0">
+            <a:scrgbClr r="0" g="0" b="0"/>
+          </a:effectRef>
+          <a:fontRef idx="none"/>
+        </p:style>
+        <p:txBody>
+          <a:bodyPr rot="0" spcFirstLastPara="1" vertOverflow="overflow" horzOverflow="overflow" vert="horz" wrap="square" lIns="39290" tIns="39290" rIns="39290" bIns="39290" numCol="1" spcCol="38100" rtlCol="0" anchor="ctr">
+            <a:spAutoFit/>
+          </a:bodyPr>
+          <a:lstStyle/>
+          <a:p>
+            <a:pPr marL="0" marR="0" indent="0" defTabSz="584200" rtl="0" fontAlgn="auto" latinLnBrk="1" hangingPunct="0">
+              <a:lnSpc>
+                <a:spcPct val="100000"/>
+              </a:lnSpc>
+              <a:spcBef>
+                <a:spcPts val="0"/>
+              </a:spcBef>
+              <a:spcAft>
+                <a:spcPts val="0"/>
+              </a:spcAft>
+              <a:buClrTx/>
+              <a:buSzTx/>
+              <a:buFontTx/>
+              <a:buNone/>
+              <a:tabLst/>
+            </a:pPr>
+            <a:r>
+              <a:rPr lang="en-US" sz="1200" dirty="0" smtClean="0">
+                <a:solidFill>
+                  <a:srgbClr val="000000"/>
+                </a:solidFill>
+                <a:latin typeface="Arial"/>
+                <a:cs typeface="Arial"/>
+              </a:rPr>
               <a:t>Web-API</a:t>
             </a:r>
+            <a:endParaRPr kumimoji="0" lang="en-US" sz="1200" b="0" i="0" u="none" strike="noStrike" cap="none" spc="0" normalizeH="0" baseline="0" dirty="0" smtClean="0">
+              <a:ln>
+                <a:noFill/>
+              </a:ln>
+              <a:solidFill>
+                <a:srgbClr val="000000"/>
+              </a:solidFill>
+              <a:effectLst/>
+              <a:uFillTx/>
+              <a:latin typeface="Arial"/>
+              <a:ea typeface="+mn-ea"/>
+              <a:cs typeface="Arial"/>
+              <a:sym typeface="Helvetica Light"/>
+            </a:endParaRPr>
           </a:p>
           <a:p>
             <a:pPr marL="0" marR="0" indent="0" defTabSz="584200" rtl="0" fontAlgn="auto" latinLnBrk="1" hangingPunct="0">
@@ -3537,13 +3383,1992 @@
       </p:sp>
       <p:grpSp>
         <p:nvGrpSpPr>
+          <p:cNvPr id="9" name="Group 8"/>
+          <p:cNvGrpSpPr/>
+          <p:nvPr/>
+        </p:nvGrpSpPr>
+        <p:grpSpPr>
+          <a:xfrm>
+            <a:off x="5603369" y="3350619"/>
+            <a:ext cx="707233" cy="707233"/>
+            <a:chOff x="394759" y="4656919"/>
+            <a:chExt cx="707233" cy="707233"/>
+          </a:xfrm>
+        </p:grpSpPr>
+        <p:sp>
+          <p:nvSpPr>
+            <p:cNvPr id="72" name="Shape 272"/>
+            <p:cNvSpPr/>
+            <p:nvPr/>
+          </p:nvSpPr>
+          <p:spPr>
+            <a:xfrm>
+              <a:off x="394759" y="4656919"/>
+              <a:ext cx="707233" cy="707233"/>
+            </a:xfrm>
+            <a:custGeom>
+              <a:avLst/>
+              <a:gdLst/>
+              <a:ahLst/>
+              <a:cxnLst>
+                <a:cxn ang="0">
+                  <a:pos x="wd2" y="hd2"/>
+                </a:cxn>
+                <a:cxn ang="5400000">
+                  <a:pos x="wd2" y="hd2"/>
+                </a:cxn>
+                <a:cxn ang="10800000">
+                  <a:pos x="wd2" y="hd2"/>
+                </a:cxn>
+                <a:cxn ang="16200000">
+                  <a:pos x="wd2" y="hd2"/>
+                </a:cxn>
+              </a:cxnLst>
+              <a:rect l="0" t="0" r="r" b="b"/>
+              <a:pathLst>
+                <a:path w="19679" h="19679" extrusionOk="0">
+                  <a:moveTo>
+                    <a:pt x="16796" y="2882"/>
+                  </a:moveTo>
+                  <a:cubicBezTo>
+                    <a:pt x="20639" y="6724"/>
+                    <a:pt x="20639" y="12954"/>
+                    <a:pt x="16796" y="16796"/>
+                  </a:cubicBezTo>
+                  <a:cubicBezTo>
+                    <a:pt x="12954" y="20639"/>
+                    <a:pt x="6724" y="20639"/>
+                    <a:pt x="2882" y="16796"/>
+                  </a:cubicBezTo>
+                  <a:cubicBezTo>
+                    <a:pt x="-961" y="12954"/>
+                    <a:pt x="-961" y="6724"/>
+                    <a:pt x="2882" y="2882"/>
+                  </a:cubicBezTo>
+                  <a:cubicBezTo>
+                    <a:pt x="6724" y="-961"/>
+                    <a:pt x="12954" y="-961"/>
+                    <a:pt x="16796" y="2882"/>
+                  </a:cubicBezTo>
+                  <a:close/>
+                </a:path>
+              </a:pathLst>
+            </a:custGeom>
+            <a:solidFill>
+              <a:srgbClr val="8DC53F"/>
+            </a:solidFill>
+            <a:ln w="3175" cap="flat">
+              <a:noFill/>
+              <a:miter lim="400000"/>
+            </a:ln>
+            <a:effectLst/>
+          </p:spPr>
+          <p:txBody>
+            <a:bodyPr wrap="square" lIns="0" tIns="0" rIns="0" bIns="0" numCol="1" anchor="ctr">
+              <a:noAutofit/>
+            </a:bodyPr>
+            <a:lstStyle/>
+            <a:p>
+              <a:pPr lvl="0">
+                <a:defRPr sz="1800">
+                  <a:solidFill>
+                    <a:srgbClr val="FFFFFF"/>
+                  </a:solidFill>
+                </a:defRPr>
+              </a:pPr>
+              <a:endParaRPr/>
+            </a:p>
+          </p:txBody>
+        </p:sp>
+        <p:pic>
+          <p:nvPicPr>
+            <p:cNvPr id="74" name="_-13.png"/>
+            <p:cNvPicPr/>
+            <p:nvPr/>
+          </p:nvPicPr>
+          <p:blipFill>
+            <a:blip r:embed="rId5">
+              <a:extLst/>
+            </a:blip>
+            <a:srcRect l="19624" t="23468" r="19624" b="23468"/>
+            <a:stretch>
+              <a:fillRect/>
+            </a:stretch>
+          </p:blipFill>
+          <p:spPr>
+            <a:xfrm>
+              <a:off x="535947" y="4822892"/>
+              <a:ext cx="429660" cy="375287"/>
+            </a:xfrm>
+            <a:prstGeom prst="rect">
+              <a:avLst/>
+            </a:prstGeom>
+            <a:ln w="3175" cap="flat">
+              <a:noFill/>
+              <a:miter lim="400000"/>
+            </a:ln>
+            <a:effectLst/>
+          </p:spPr>
+        </p:pic>
+      </p:grpSp>
+      <p:pic>
+        <p:nvPicPr>
+          <p:cNvPr id="78" name="Picture 77"/>
+          <p:cNvPicPr>
+            <a:picLocks noChangeAspect="1"/>
+          </p:cNvPicPr>
+          <p:nvPr/>
+        </p:nvPicPr>
+        <p:blipFill>
+          <a:blip r:embed="rId6"/>
+          <a:stretch>
+            <a:fillRect/>
+          </a:stretch>
+        </p:blipFill>
+        <p:spPr>
+          <a:xfrm>
+            <a:off x="3031159" y="1395420"/>
+            <a:ext cx="831816" cy="524254"/>
+          </a:xfrm>
+          <a:prstGeom prst="rect">
+            <a:avLst/>
+          </a:prstGeom>
+        </p:spPr>
+      </p:pic>
+      <p:sp>
+        <p:nvSpPr>
+          <p:cNvPr id="80" name="TextBox 79"/>
+          <p:cNvSpPr txBox="1"/>
+          <p:nvPr/>
+        </p:nvSpPr>
+        <p:spPr>
+          <a:xfrm>
+            <a:off x="5207811" y="2470326"/>
+            <a:ext cx="1506878" cy="264013"/>
+          </a:xfrm>
+          <a:prstGeom prst="rect">
+            <a:avLst/>
+          </a:prstGeom>
+          <a:noFill/>
+          <a:ln w="3175" cap="flat">
+            <a:noFill/>
+            <a:miter lim="400000"/>
+          </a:ln>
+          <a:effectLst/>
+        </p:spPr>
+        <p:style>
+          <a:lnRef idx="0">
+            <a:scrgbClr r="0" g="0" b="0"/>
+          </a:lnRef>
+          <a:fillRef idx="0">
+            <a:scrgbClr r="0" g="0" b="0"/>
+          </a:fillRef>
+          <a:effectRef idx="0">
+            <a:scrgbClr r="0" g="0" b="0"/>
+          </a:effectRef>
+          <a:fontRef idx="none"/>
+        </p:style>
+        <p:txBody>
+          <a:bodyPr rot="0" spcFirstLastPara="1" vertOverflow="overflow" horzOverflow="overflow" vert="horz" wrap="square" lIns="39290" tIns="39290" rIns="39290" bIns="39290" numCol="1" spcCol="38100" rtlCol="0" anchor="ctr">
+            <a:spAutoFit/>
+          </a:bodyPr>
+          <a:lstStyle/>
+          <a:p>
+            <a:pPr marL="0" marR="0" indent="0" defTabSz="584200" rtl="0" fontAlgn="auto" latinLnBrk="1" hangingPunct="0">
+              <a:lnSpc>
+                <a:spcPct val="100000"/>
+              </a:lnSpc>
+              <a:spcBef>
+                <a:spcPts val="0"/>
+              </a:spcBef>
+              <a:spcAft>
+                <a:spcPts val="0"/>
+              </a:spcAft>
+              <a:buClrTx/>
+              <a:buSzTx/>
+              <a:buFontTx/>
+              <a:buNone/>
+              <a:tabLst/>
+            </a:pPr>
+            <a:r>
+              <a:rPr kumimoji="0" lang="en-US" sz="1200" b="0" i="0" u="none" strike="noStrike" cap="none" spc="0" normalizeH="0" baseline="0" dirty="0" smtClean="0">
+                <a:ln>
+                  <a:noFill/>
+                </a:ln>
+                <a:solidFill>
+                  <a:srgbClr val="000000"/>
+                </a:solidFill>
+                <a:effectLst/>
+                <a:uFillTx/>
+                <a:latin typeface="Arial"/>
+                <a:ea typeface="+mn-ea"/>
+                <a:cs typeface="Arial"/>
+                <a:sym typeface="Helvetica Light"/>
+              </a:rPr>
+              <a:t>Articles</a:t>
+            </a:r>
+            <a:endParaRPr kumimoji="0" lang="en-US" sz="1200" b="0" i="0" u="none" strike="noStrike" cap="none" spc="0" normalizeH="0" baseline="0" dirty="0" smtClean="0">
+              <a:ln>
+                <a:noFill/>
+              </a:ln>
+              <a:solidFill>
+                <a:srgbClr val="000000"/>
+              </a:solidFill>
+              <a:effectLst/>
+              <a:uFillTx/>
+              <a:latin typeface="Arial"/>
+              <a:ea typeface="+mn-ea"/>
+              <a:cs typeface="Arial"/>
+              <a:sym typeface="Helvetica Light"/>
+            </a:endParaRPr>
+          </a:p>
+        </p:txBody>
+      </p:sp>
+      <p:cxnSp>
+        <p:nvCxnSpPr>
+          <p:cNvPr id="92" name="Straight Arrow Connector 62"/>
+          <p:cNvCxnSpPr>
+            <a:stCxn id="211" idx="3"/>
+            <a:endCxn id="216" idx="1"/>
+          </p:cNvCxnSpPr>
+          <p:nvPr/>
+        </p:nvCxnSpPr>
+        <p:spPr>
+          <a:xfrm flipV="1">
+            <a:off x="1069115" y="2135550"/>
+            <a:ext cx="2185892" cy="1809684"/>
+          </a:xfrm>
+          <a:prstGeom prst="straightConnector1">
+            <a:avLst/>
+          </a:prstGeom>
+          <a:noFill/>
+          <a:ln w="12700" cap="flat" cmpd="sng">
+            <a:solidFill>
+              <a:schemeClr val="bg1">
+                <a:lumMod val="85000"/>
+              </a:schemeClr>
+            </a:solidFill>
+            <a:prstDash val="solid"/>
+            <a:miter lim="400000"/>
+            <a:headEnd type="none"/>
+            <a:tailEnd type="none"/>
+          </a:ln>
+          <a:effectLst/>
+        </p:spPr>
+        <p:style>
+          <a:lnRef idx="0">
+            <a:scrgbClr r="0" g="0" b="0"/>
+          </a:lnRef>
+          <a:fillRef idx="0">
+            <a:scrgbClr r="0" g="0" b="0"/>
+          </a:fillRef>
+          <a:effectRef idx="0">
+            <a:scrgbClr r="0" g="0" b="0"/>
+          </a:effectRef>
+          <a:fontRef idx="none"/>
+        </p:style>
+      </p:cxnSp>
+      <p:sp>
+        <p:nvSpPr>
+          <p:cNvPr id="98" name="TextBox 97"/>
+          <p:cNvSpPr txBox="1"/>
+          <p:nvPr/>
+        </p:nvSpPr>
+        <p:spPr>
+          <a:xfrm>
+            <a:off x="2969551" y="4009790"/>
+            <a:ext cx="1506878" cy="448679"/>
+          </a:xfrm>
+          <a:prstGeom prst="rect">
+            <a:avLst/>
+          </a:prstGeom>
+          <a:noFill/>
+          <a:ln w="3175" cap="flat">
+            <a:noFill/>
+            <a:miter lim="400000"/>
+          </a:ln>
+          <a:effectLst/>
+        </p:spPr>
+        <p:style>
+          <a:lnRef idx="0">
+            <a:scrgbClr r="0" g="0" b="0"/>
+          </a:lnRef>
+          <a:fillRef idx="0">
+            <a:scrgbClr r="0" g="0" b="0"/>
+          </a:fillRef>
+          <a:effectRef idx="0">
+            <a:scrgbClr r="0" g="0" b="0"/>
+          </a:effectRef>
+          <a:fontRef idx="none"/>
+        </p:style>
+        <p:txBody>
+          <a:bodyPr rot="0" spcFirstLastPara="1" vertOverflow="overflow" horzOverflow="overflow" vert="horz" wrap="square" lIns="39290" tIns="39290" rIns="39290" bIns="39290" numCol="1" spcCol="38100" rtlCol="0" anchor="ctr">
+            <a:spAutoFit/>
+          </a:bodyPr>
+          <a:lstStyle/>
+          <a:p>
+            <a:pPr marL="0" marR="0" indent="0" defTabSz="584200" rtl="0" fontAlgn="auto" latinLnBrk="1" hangingPunct="0">
+              <a:lnSpc>
+                <a:spcPct val="100000"/>
+              </a:lnSpc>
+              <a:spcBef>
+                <a:spcPts val="0"/>
+              </a:spcBef>
+              <a:spcAft>
+                <a:spcPts val="0"/>
+              </a:spcAft>
+              <a:buClrTx/>
+              <a:buSzTx/>
+              <a:buFontTx/>
+              <a:buNone/>
+              <a:tabLst/>
+            </a:pPr>
+            <a:r>
+              <a:rPr lang="en-US" sz="1200" dirty="0" smtClean="0">
+                <a:solidFill>
+                  <a:srgbClr val="000000"/>
+                </a:solidFill>
+                <a:latin typeface="Arial"/>
+                <a:cs typeface="Arial"/>
+              </a:rPr>
+              <a:t>Web-API</a:t>
+            </a:r>
+            <a:endParaRPr kumimoji="0" lang="en-US" sz="1200" b="0" i="0" u="none" strike="noStrike" cap="none" spc="0" normalizeH="0" baseline="0" dirty="0" smtClean="0">
+              <a:ln>
+                <a:noFill/>
+              </a:ln>
+              <a:solidFill>
+                <a:srgbClr val="000000"/>
+              </a:solidFill>
+              <a:effectLst/>
+              <a:uFillTx/>
+              <a:latin typeface="Arial"/>
+              <a:ea typeface="+mn-ea"/>
+              <a:cs typeface="Arial"/>
+              <a:sym typeface="Helvetica Light"/>
+            </a:endParaRPr>
+          </a:p>
+          <a:p>
+            <a:pPr marL="0" marR="0" indent="0" defTabSz="584200" rtl="0" fontAlgn="auto" latinLnBrk="1" hangingPunct="0">
+              <a:lnSpc>
+                <a:spcPct val="100000"/>
+              </a:lnSpc>
+              <a:spcBef>
+                <a:spcPts val="0"/>
+              </a:spcBef>
+              <a:spcAft>
+                <a:spcPts val="0"/>
+              </a:spcAft>
+              <a:buClrTx/>
+              <a:buSzTx/>
+              <a:buFontTx/>
+              <a:buNone/>
+              <a:tabLst/>
+            </a:pPr>
+            <a:r>
+              <a:rPr lang="en-US" sz="1200" dirty="0" smtClean="0">
+                <a:solidFill>
+                  <a:srgbClr val="000000"/>
+                </a:solidFill>
+                <a:latin typeface="Arial"/>
+                <a:cs typeface="Arial"/>
+              </a:rPr>
+              <a:t>v2</a:t>
+            </a:r>
+            <a:endParaRPr kumimoji="0" lang="en-US" sz="1200" b="0" i="0" u="none" strike="noStrike" cap="none" spc="0" normalizeH="0" baseline="0" dirty="0">
+              <a:ln>
+                <a:noFill/>
+              </a:ln>
+              <a:solidFill>
+                <a:srgbClr val="000000"/>
+              </a:solidFill>
+              <a:effectLst/>
+              <a:uFillTx/>
+              <a:latin typeface="Arial"/>
+              <a:ea typeface="+mn-ea"/>
+              <a:cs typeface="Arial"/>
+              <a:sym typeface="Helvetica Light"/>
+            </a:endParaRPr>
+          </a:p>
+        </p:txBody>
+      </p:sp>
+      <p:sp>
+        <p:nvSpPr>
+          <p:cNvPr id="106" name="TextBox 105"/>
+          <p:cNvSpPr txBox="1"/>
+          <p:nvPr/>
+        </p:nvSpPr>
+        <p:spPr>
+          <a:xfrm>
+            <a:off x="5193584" y="4044406"/>
+            <a:ext cx="1506878" cy="264013"/>
+          </a:xfrm>
+          <a:prstGeom prst="rect">
+            <a:avLst/>
+          </a:prstGeom>
+          <a:noFill/>
+          <a:ln w="3175" cap="flat">
+            <a:noFill/>
+            <a:miter lim="400000"/>
+          </a:ln>
+          <a:effectLst/>
+        </p:spPr>
+        <p:style>
+          <a:lnRef idx="0">
+            <a:scrgbClr r="0" g="0" b="0"/>
+          </a:lnRef>
+          <a:fillRef idx="0">
+            <a:scrgbClr r="0" g="0" b="0"/>
+          </a:fillRef>
+          <a:effectRef idx="0">
+            <a:scrgbClr r="0" g="0" b="0"/>
+          </a:effectRef>
+          <a:fontRef idx="none"/>
+        </p:style>
+        <p:txBody>
+          <a:bodyPr rot="0" spcFirstLastPara="1" vertOverflow="overflow" horzOverflow="overflow" vert="horz" wrap="square" lIns="39290" tIns="39290" rIns="39290" bIns="39290" numCol="1" spcCol="38100" rtlCol="0" anchor="ctr">
+            <a:spAutoFit/>
+          </a:bodyPr>
+          <a:lstStyle/>
+          <a:p>
+            <a:pPr marL="0" marR="0" indent="0" defTabSz="584200" rtl="0" fontAlgn="auto" latinLnBrk="1" hangingPunct="0">
+              <a:lnSpc>
+                <a:spcPct val="100000"/>
+              </a:lnSpc>
+              <a:spcBef>
+                <a:spcPts val="0"/>
+              </a:spcBef>
+              <a:spcAft>
+                <a:spcPts val="0"/>
+              </a:spcAft>
+              <a:buClrTx/>
+              <a:buSzTx/>
+              <a:buFontTx/>
+              <a:buNone/>
+              <a:tabLst/>
+            </a:pPr>
+            <a:r>
+              <a:rPr lang="en-US" sz="1200" dirty="0" smtClean="0">
+                <a:solidFill>
+                  <a:srgbClr val="000000"/>
+                </a:solidFill>
+                <a:latin typeface="Arial"/>
+                <a:cs typeface="Arial"/>
+              </a:rPr>
+              <a:t>A</a:t>
+            </a:r>
+            <a:r>
+              <a:rPr kumimoji="0" lang="en-US" sz="1200" b="0" i="0" u="none" strike="noStrike" cap="none" spc="0" normalizeH="0" baseline="0" dirty="0" smtClean="0">
+                <a:ln>
+                  <a:noFill/>
+                </a:ln>
+                <a:solidFill>
+                  <a:srgbClr val="000000"/>
+                </a:solidFill>
+                <a:effectLst/>
+                <a:uFillTx/>
+                <a:latin typeface="Arial"/>
+                <a:ea typeface="+mn-ea"/>
+                <a:cs typeface="Arial"/>
+                <a:sym typeface="Helvetica Light"/>
+              </a:rPr>
+              <a:t>uthors</a:t>
+            </a:r>
+            <a:endParaRPr kumimoji="0" lang="en-US" sz="1200" b="0" i="0" u="none" strike="noStrike" cap="none" spc="0" normalizeH="0" baseline="0" dirty="0" smtClean="0">
+              <a:ln>
+                <a:noFill/>
+              </a:ln>
+              <a:solidFill>
+                <a:srgbClr val="000000"/>
+              </a:solidFill>
+              <a:effectLst/>
+              <a:uFillTx/>
+              <a:latin typeface="Arial"/>
+              <a:ea typeface="+mn-ea"/>
+              <a:cs typeface="Arial"/>
+              <a:sym typeface="Helvetica Light"/>
+            </a:endParaRPr>
+          </a:p>
+        </p:txBody>
+      </p:sp>
+      <p:pic>
+        <p:nvPicPr>
+          <p:cNvPr id="107" name="Picture 106"/>
+          <p:cNvPicPr>
+            <a:picLocks noChangeAspect="1"/>
+          </p:cNvPicPr>
+          <p:nvPr/>
+        </p:nvPicPr>
+        <p:blipFill>
+          <a:blip r:embed="rId7"/>
+          <a:stretch>
+            <a:fillRect/>
+          </a:stretch>
+        </p:blipFill>
+        <p:spPr>
+          <a:xfrm>
+            <a:off x="5232778" y="3057170"/>
+            <a:ext cx="695118" cy="425181"/>
+          </a:xfrm>
+          <a:prstGeom prst="rect">
+            <a:avLst/>
+          </a:prstGeom>
+        </p:spPr>
+      </p:pic>
+      <p:cxnSp>
+        <p:nvCxnSpPr>
+          <p:cNvPr id="108" name="Straight Arrow Connector 62"/>
+          <p:cNvCxnSpPr>
+            <a:stCxn id="211" idx="3"/>
+            <a:endCxn id="142" idx="1"/>
+          </p:cNvCxnSpPr>
+          <p:nvPr/>
+        </p:nvCxnSpPr>
+        <p:spPr>
+          <a:xfrm flipV="1">
+            <a:off x="1069115" y="3628424"/>
+            <a:ext cx="2185424" cy="316810"/>
+          </a:xfrm>
+          <a:prstGeom prst="straightConnector1">
+            <a:avLst/>
+          </a:prstGeom>
+          <a:noFill/>
+          <a:ln w="12700" cap="flat" cmpd="sng">
+            <a:solidFill>
+              <a:schemeClr val="bg1">
+                <a:lumMod val="85000"/>
+              </a:schemeClr>
+            </a:solidFill>
+            <a:prstDash val="solid"/>
+            <a:miter lim="400000"/>
+            <a:headEnd type="none"/>
+            <a:tailEnd type="none"/>
+          </a:ln>
+          <a:effectLst/>
+        </p:spPr>
+        <p:style>
+          <a:lnRef idx="0">
+            <a:scrgbClr r="0" g="0" b="0"/>
+          </a:lnRef>
+          <a:fillRef idx="0">
+            <a:scrgbClr r="0" g="0" b="0"/>
+          </a:fillRef>
+          <a:effectRef idx="0">
+            <a:scrgbClr r="0" g="0" b="0"/>
+          </a:effectRef>
+          <a:fontRef idx="none"/>
+        </p:style>
+      </p:cxnSp>
+      <p:sp>
+        <p:nvSpPr>
+          <p:cNvPr id="117" name="TextBox 116"/>
+          <p:cNvSpPr txBox="1"/>
+          <p:nvPr/>
+        </p:nvSpPr>
+        <p:spPr>
+          <a:xfrm>
+            <a:off x="3001479" y="5693005"/>
+            <a:ext cx="1365428" cy="264013"/>
+          </a:xfrm>
+          <a:prstGeom prst="rect">
+            <a:avLst/>
+          </a:prstGeom>
+          <a:noFill/>
+          <a:ln w="3175" cap="flat">
+            <a:noFill/>
+            <a:miter lim="400000"/>
+          </a:ln>
+          <a:effectLst/>
+        </p:spPr>
+        <p:style>
+          <a:lnRef idx="0">
+            <a:scrgbClr r="0" g="0" b="0"/>
+          </a:lnRef>
+          <a:fillRef idx="0">
+            <a:scrgbClr r="0" g="0" b="0"/>
+          </a:fillRef>
+          <a:effectRef idx="0">
+            <a:scrgbClr r="0" g="0" b="0"/>
+          </a:effectRef>
+          <a:fontRef idx="none"/>
+        </p:style>
+        <p:txBody>
+          <a:bodyPr rot="0" spcFirstLastPara="1" vertOverflow="overflow" horzOverflow="overflow" vert="horz" wrap="square" lIns="39290" tIns="39290" rIns="39290" bIns="39290" numCol="1" spcCol="38100" rtlCol="0" anchor="ctr">
+            <a:spAutoFit/>
+          </a:bodyPr>
+          <a:lstStyle/>
+          <a:p>
+            <a:pPr rtl="0" latinLnBrk="1" hangingPunct="0"/>
+            <a:r>
+              <a:rPr lang="en-US" sz="1200" dirty="0" smtClean="0">
+                <a:solidFill>
+                  <a:srgbClr val="000000"/>
+                </a:solidFill>
+                <a:latin typeface="Arial"/>
+                <a:cs typeface="Arial"/>
+              </a:rPr>
+              <a:t>Web-App</a:t>
+            </a:r>
+            <a:endParaRPr lang="en-US" sz="1200" dirty="0">
+              <a:solidFill>
+                <a:srgbClr val="000000"/>
+              </a:solidFill>
+              <a:latin typeface="Arial"/>
+              <a:cs typeface="Arial"/>
+            </a:endParaRPr>
+          </a:p>
+        </p:txBody>
+      </p:sp>
+      <p:cxnSp>
+        <p:nvCxnSpPr>
+          <p:cNvPr id="118" name="Straight Arrow Connector 62"/>
+          <p:cNvCxnSpPr>
+            <a:stCxn id="211" idx="3"/>
+          </p:cNvCxnSpPr>
+          <p:nvPr/>
+        </p:nvCxnSpPr>
+        <p:spPr>
+          <a:xfrm>
+            <a:off x="1069115" y="3945234"/>
+            <a:ext cx="2094070" cy="1381388"/>
+          </a:xfrm>
+          <a:prstGeom prst="straightConnector1">
+            <a:avLst/>
+          </a:prstGeom>
+          <a:noFill/>
+          <a:ln w="12700" cap="flat" cmpd="sng">
+            <a:solidFill>
+              <a:schemeClr val="bg1">
+                <a:lumMod val="85000"/>
+              </a:schemeClr>
+            </a:solidFill>
+            <a:prstDash val="solid"/>
+            <a:miter lim="400000"/>
+            <a:headEnd type="none"/>
+            <a:tailEnd type="none"/>
+          </a:ln>
+          <a:effectLst/>
+        </p:spPr>
+        <p:style>
+          <a:lnRef idx="0">
+            <a:scrgbClr r="0" g="0" b="0"/>
+          </a:lnRef>
+          <a:fillRef idx="0">
+            <a:scrgbClr r="0" g="0" b="0"/>
+          </a:fillRef>
+          <a:effectRef idx="0">
+            <a:scrgbClr r="0" g="0" b="0"/>
+          </a:effectRef>
+          <a:fontRef idx="none"/>
+        </p:style>
+      </p:cxnSp>
+      <p:cxnSp>
+        <p:nvCxnSpPr>
+          <p:cNvPr id="119" name="Straight Arrow Connector 62"/>
+          <p:cNvCxnSpPr/>
+          <p:nvPr/>
+        </p:nvCxnSpPr>
+        <p:spPr>
+          <a:xfrm flipV="1">
+            <a:off x="4245018" y="2187090"/>
+            <a:ext cx="1199424" cy="1375751"/>
+          </a:xfrm>
+          <a:prstGeom prst="straightConnector1">
+            <a:avLst/>
+          </a:prstGeom>
+          <a:noFill/>
+          <a:ln w="12700" cap="flat" cmpd="sng">
+            <a:solidFill>
+              <a:schemeClr val="bg1">
+                <a:lumMod val="85000"/>
+              </a:schemeClr>
+            </a:solidFill>
+            <a:prstDash val="solid"/>
+            <a:miter lim="400000"/>
+            <a:headEnd type="none"/>
+            <a:tailEnd type="none"/>
+          </a:ln>
+          <a:effectLst/>
+        </p:spPr>
+        <p:style>
+          <a:lnRef idx="0">
+            <a:scrgbClr r="0" g="0" b="0"/>
+          </a:lnRef>
+          <a:fillRef idx="0">
+            <a:scrgbClr r="0" g="0" b="0"/>
+          </a:fillRef>
+          <a:effectRef idx="0">
+            <a:scrgbClr r="0" g="0" b="0"/>
+          </a:effectRef>
+          <a:fontRef idx="none"/>
+        </p:style>
+      </p:cxnSp>
+      <p:pic>
+        <p:nvPicPr>
+          <p:cNvPr id="232" name="Picture 231"/>
+          <p:cNvPicPr>
+            <a:picLocks noChangeAspect="1"/>
+          </p:cNvPicPr>
+          <p:nvPr/>
+        </p:nvPicPr>
+        <p:blipFill>
+          <a:blip r:embed="rId8"/>
+          <a:stretch>
+            <a:fillRect/>
+          </a:stretch>
+        </p:blipFill>
+        <p:spPr>
+          <a:xfrm>
+            <a:off x="3198457" y="4723584"/>
+            <a:ext cx="307414" cy="348208"/>
+          </a:xfrm>
+          <a:prstGeom prst="rect">
+            <a:avLst/>
+          </a:prstGeom>
+        </p:spPr>
+      </p:pic>
+      <p:grpSp>
+        <p:nvGrpSpPr>
+          <p:cNvPr id="22" name="Group 21"/>
+          <p:cNvGrpSpPr/>
+          <p:nvPr/>
+        </p:nvGrpSpPr>
+        <p:grpSpPr>
+          <a:xfrm>
+            <a:off x="3352792" y="4973272"/>
+            <a:ext cx="707235" cy="707233"/>
+            <a:chOff x="555452" y="2050875"/>
+            <a:chExt cx="707235" cy="707233"/>
+          </a:xfrm>
+        </p:grpSpPr>
+        <p:sp>
+          <p:nvSpPr>
+            <p:cNvPr id="110" name="Shape 339"/>
+            <p:cNvSpPr/>
+            <p:nvPr/>
+          </p:nvSpPr>
+          <p:spPr>
+            <a:xfrm>
+              <a:off x="555452" y="2050875"/>
+              <a:ext cx="707235" cy="707233"/>
+            </a:xfrm>
+            <a:custGeom>
+              <a:avLst/>
+              <a:gdLst/>
+              <a:ahLst/>
+              <a:cxnLst>
+                <a:cxn ang="0">
+                  <a:pos x="wd2" y="hd2"/>
+                </a:cxn>
+                <a:cxn ang="5400000">
+                  <a:pos x="wd2" y="hd2"/>
+                </a:cxn>
+                <a:cxn ang="10800000">
+                  <a:pos x="wd2" y="hd2"/>
+                </a:cxn>
+                <a:cxn ang="16200000">
+                  <a:pos x="wd2" y="hd2"/>
+                </a:cxn>
+              </a:cxnLst>
+              <a:rect l="0" t="0" r="r" b="b"/>
+              <a:pathLst>
+                <a:path w="19679" h="19679" extrusionOk="0">
+                  <a:moveTo>
+                    <a:pt x="16796" y="2882"/>
+                  </a:moveTo>
+                  <a:cubicBezTo>
+                    <a:pt x="20639" y="6724"/>
+                    <a:pt x="20639" y="12954"/>
+                    <a:pt x="16796" y="16796"/>
+                  </a:cubicBezTo>
+                  <a:cubicBezTo>
+                    <a:pt x="12954" y="20639"/>
+                    <a:pt x="6724" y="20639"/>
+                    <a:pt x="2882" y="16796"/>
+                  </a:cubicBezTo>
+                  <a:cubicBezTo>
+                    <a:pt x="-961" y="12954"/>
+                    <a:pt x="-961" y="6724"/>
+                    <a:pt x="2882" y="2882"/>
+                  </a:cubicBezTo>
+                  <a:cubicBezTo>
+                    <a:pt x="6724" y="-961"/>
+                    <a:pt x="12954" y="-961"/>
+                    <a:pt x="16796" y="2882"/>
+                  </a:cubicBezTo>
+                  <a:close/>
+                </a:path>
+              </a:pathLst>
+            </a:custGeom>
+            <a:solidFill>
+              <a:srgbClr val="325C80"/>
+            </a:solidFill>
+            <a:ln w="3175" cap="flat">
+              <a:noFill/>
+              <a:miter lim="400000"/>
+            </a:ln>
+            <a:effectLst/>
+          </p:spPr>
+          <p:txBody>
+            <a:bodyPr wrap="square" lIns="0" tIns="0" rIns="0" bIns="0" numCol="1" anchor="ctr">
+              <a:noAutofit/>
+            </a:bodyPr>
+            <a:lstStyle/>
+            <a:p>
+              <a:pPr lvl="0">
+                <a:defRPr sz="1800">
+                  <a:solidFill>
+                    <a:srgbClr val="FFFFFF"/>
+                  </a:solidFill>
+                </a:defRPr>
+              </a:pPr>
+              <a:endParaRPr/>
+            </a:p>
+          </p:txBody>
+        </p:sp>
+        <p:pic>
+          <p:nvPicPr>
+            <p:cNvPr id="111" name="_-41.png"/>
+            <p:cNvPicPr/>
+            <p:nvPr/>
+          </p:nvPicPr>
+          <p:blipFill>
+            <a:blip r:embed="rId9">
+              <a:extLst/>
+            </a:blip>
+            <a:srcRect l="21704" t="15445" r="21704" b="15445"/>
+            <a:stretch>
+              <a:fillRect/>
+            </a:stretch>
+          </p:blipFill>
+          <p:spPr>
+            <a:xfrm>
+              <a:off x="712289" y="2169320"/>
+              <a:ext cx="400239" cy="488767"/>
+            </a:xfrm>
+            <a:prstGeom prst="rect">
+              <a:avLst/>
+            </a:prstGeom>
+            <a:ln w="3175" cap="flat">
+              <a:noFill/>
+              <a:miter lim="400000"/>
+            </a:ln>
+            <a:effectLst/>
+          </p:spPr>
+        </p:pic>
+      </p:grpSp>
+      <p:pic>
+        <p:nvPicPr>
+          <p:cNvPr id="84" name="Picture 83"/>
+          <p:cNvPicPr>
+            <a:picLocks noChangeAspect="1"/>
+          </p:cNvPicPr>
+          <p:nvPr/>
+        </p:nvPicPr>
+        <p:blipFill>
+          <a:blip r:embed="rId6"/>
+          <a:stretch>
+            <a:fillRect/>
+          </a:stretch>
+        </p:blipFill>
+        <p:spPr>
+          <a:xfrm>
+            <a:off x="5244601" y="1391558"/>
+            <a:ext cx="831816" cy="524254"/>
+          </a:xfrm>
+          <a:prstGeom prst="rect">
+            <a:avLst/>
+          </a:prstGeom>
+        </p:spPr>
+      </p:pic>
+      <p:sp>
+        <p:nvSpPr>
+          <p:cNvPr id="73" name="TextBox 72"/>
+          <p:cNvSpPr txBox="1"/>
+          <p:nvPr/>
+        </p:nvSpPr>
+        <p:spPr>
+          <a:xfrm>
+            <a:off x="8246573" y="2301051"/>
+            <a:ext cx="1218324" cy="264013"/>
+          </a:xfrm>
+          <a:prstGeom prst="rect">
+            <a:avLst/>
+          </a:prstGeom>
+          <a:noFill/>
+          <a:ln w="3175" cap="flat">
+            <a:noFill/>
+            <a:miter lim="400000"/>
+          </a:ln>
+          <a:effectLst/>
+        </p:spPr>
+        <p:style>
+          <a:lnRef idx="0">
+            <a:scrgbClr r="0" g="0" b="0"/>
+          </a:lnRef>
+          <a:fillRef idx="0">
+            <a:scrgbClr r="0" g="0" b="0"/>
+          </a:fillRef>
+          <a:effectRef idx="0">
+            <a:scrgbClr r="0" g="0" b="0"/>
+          </a:effectRef>
+          <a:fontRef idx="none"/>
+        </p:style>
+        <p:txBody>
+          <a:bodyPr rot="0" spcFirstLastPara="1" vertOverflow="overflow" horzOverflow="overflow" vert="horz" wrap="square" lIns="39290" tIns="39290" rIns="39290" bIns="39290" numCol="1" spcCol="38100" rtlCol="0" anchor="ctr">
+            <a:spAutoFit/>
+          </a:bodyPr>
+          <a:lstStyle/>
+          <a:p>
+            <a:pPr marL="0" marR="0" indent="0" defTabSz="584200" rtl="0" fontAlgn="auto" latinLnBrk="1" hangingPunct="0">
+              <a:lnSpc>
+                <a:spcPct val="100000"/>
+              </a:lnSpc>
+              <a:spcBef>
+                <a:spcPts val="0"/>
+              </a:spcBef>
+              <a:spcAft>
+                <a:spcPts val="0"/>
+              </a:spcAft>
+              <a:buClrTx/>
+              <a:buSzTx/>
+              <a:buFontTx/>
+              <a:buNone/>
+              <a:tabLst/>
+            </a:pPr>
+            <a:r>
+              <a:rPr kumimoji="0" lang="en-US" sz="1200" b="0" i="0" u="none" strike="noStrike" cap="none" spc="0" normalizeH="0" baseline="0" dirty="0" smtClean="0">
+                <a:ln>
+                  <a:noFill/>
+                </a:ln>
+                <a:solidFill>
+                  <a:srgbClr val="000000"/>
+                </a:solidFill>
+                <a:effectLst/>
+                <a:uFillTx/>
+                <a:latin typeface="Arial"/>
+                <a:ea typeface="+mn-ea"/>
+                <a:cs typeface="Arial"/>
+                <a:sym typeface="Helvetica Light"/>
+              </a:rPr>
+              <a:t>SQL / Db2</a:t>
+            </a:r>
+            <a:endParaRPr kumimoji="0" lang="en-US" sz="1200" b="0" i="0" u="none" strike="noStrike" cap="none" spc="0" normalizeH="0" baseline="0" dirty="0">
+              <a:ln>
+                <a:noFill/>
+              </a:ln>
+              <a:solidFill>
+                <a:srgbClr val="000000"/>
+              </a:solidFill>
+              <a:effectLst/>
+              <a:uFillTx/>
+              <a:latin typeface="Arial"/>
+              <a:ea typeface="+mn-ea"/>
+              <a:cs typeface="Arial"/>
+              <a:sym typeface="Helvetica Light"/>
+            </a:endParaRPr>
+          </a:p>
+        </p:txBody>
+      </p:sp>
+      <p:cxnSp>
+        <p:nvCxnSpPr>
+          <p:cNvPr id="75" name="Straight Arrow Connector 62"/>
+          <p:cNvCxnSpPr/>
+          <p:nvPr/>
+        </p:nvCxnSpPr>
+        <p:spPr>
+          <a:xfrm>
+            <a:off x="4303813" y="6843475"/>
+            <a:ext cx="4162705" cy="11760"/>
+          </a:xfrm>
+          <a:prstGeom prst="straightConnector1">
+            <a:avLst/>
+          </a:prstGeom>
+          <a:noFill/>
+          <a:ln w="12700" cap="flat" cmpd="sng">
+            <a:solidFill>
+              <a:schemeClr val="bg1">
+                <a:lumMod val="85000"/>
+              </a:schemeClr>
+            </a:solidFill>
+            <a:prstDash val="solid"/>
+            <a:miter lim="400000"/>
+            <a:headEnd type="none"/>
+            <a:tailEnd type="none"/>
+          </a:ln>
+          <a:effectLst/>
+        </p:spPr>
+        <p:style>
+          <a:lnRef idx="0">
+            <a:scrgbClr r="0" g="0" b="0"/>
+          </a:lnRef>
+          <a:fillRef idx="0">
+            <a:scrgbClr r="0" g="0" b="0"/>
+          </a:fillRef>
+          <a:effectRef idx="0">
+            <a:scrgbClr r="0" g="0" b="0"/>
+          </a:effectRef>
+          <a:fontRef idx="none"/>
+        </p:style>
+      </p:cxnSp>
+      <p:pic>
+        <p:nvPicPr>
+          <p:cNvPr id="23" name="Picture 22"/>
+          <p:cNvPicPr>
+            <a:picLocks noChangeAspect="1"/>
+          </p:cNvPicPr>
+          <p:nvPr/>
+        </p:nvPicPr>
+        <p:blipFill>
+          <a:blip r:embed="rId10"/>
+          <a:stretch>
+            <a:fillRect/>
+          </a:stretch>
+        </p:blipFill>
+        <p:spPr>
+          <a:xfrm>
+            <a:off x="8605624" y="6514027"/>
+            <a:ext cx="635000" cy="635000"/>
+          </a:xfrm>
+          <a:prstGeom prst="rect">
+            <a:avLst/>
+          </a:prstGeom>
+        </p:spPr>
+      </p:pic>
+      <p:sp>
+        <p:nvSpPr>
+          <p:cNvPr id="87" name="TextBox 86"/>
+          <p:cNvSpPr txBox="1"/>
+          <p:nvPr/>
+        </p:nvSpPr>
+        <p:spPr>
+          <a:xfrm>
+            <a:off x="8334211" y="7132205"/>
+            <a:ext cx="1218324" cy="264013"/>
+          </a:xfrm>
+          <a:prstGeom prst="rect">
+            <a:avLst/>
+          </a:prstGeom>
+          <a:noFill/>
+          <a:ln w="3175" cap="flat">
+            <a:noFill/>
+            <a:miter lim="400000"/>
+          </a:ln>
+          <a:effectLst/>
+        </p:spPr>
+        <p:style>
+          <a:lnRef idx="0">
+            <a:scrgbClr r="0" g="0" b="0"/>
+          </a:lnRef>
+          <a:fillRef idx="0">
+            <a:scrgbClr r="0" g="0" b="0"/>
+          </a:fillRef>
+          <a:effectRef idx="0">
+            <a:scrgbClr r="0" g="0" b="0"/>
+          </a:effectRef>
+          <a:fontRef idx="none"/>
+        </p:style>
+        <p:txBody>
+          <a:bodyPr rot="0" spcFirstLastPara="1" vertOverflow="overflow" horzOverflow="overflow" vert="horz" wrap="square" lIns="39290" tIns="39290" rIns="39290" bIns="39290" numCol="1" spcCol="38100" rtlCol="0" anchor="ctr">
+            <a:spAutoFit/>
+          </a:bodyPr>
+          <a:lstStyle/>
+          <a:p>
+            <a:pPr marL="0" marR="0" indent="0" defTabSz="584200" rtl="0" fontAlgn="auto" latinLnBrk="1" hangingPunct="0">
+              <a:lnSpc>
+                <a:spcPct val="100000"/>
+              </a:lnSpc>
+              <a:spcBef>
+                <a:spcPts val="0"/>
+              </a:spcBef>
+              <a:spcAft>
+                <a:spcPts val="0"/>
+              </a:spcAft>
+              <a:buClrTx/>
+              <a:buSzTx/>
+              <a:buFontTx/>
+              <a:buNone/>
+              <a:tabLst/>
+            </a:pPr>
+            <a:r>
+              <a:rPr kumimoji="0" lang="en-US" sz="1200" b="0" i="0" u="none" strike="noStrike" cap="none" spc="0" normalizeH="0" baseline="0" dirty="0" smtClean="0">
+                <a:ln>
+                  <a:noFill/>
+                </a:ln>
+                <a:solidFill>
+                  <a:srgbClr val="000000"/>
+                </a:solidFill>
+                <a:effectLst/>
+                <a:uFillTx/>
+                <a:latin typeface="Arial"/>
+                <a:ea typeface="+mn-ea"/>
+                <a:cs typeface="Arial"/>
+                <a:sym typeface="Helvetica Light"/>
+              </a:rPr>
+              <a:t>OpenID / App </a:t>
+            </a:r>
+            <a:r>
+              <a:rPr kumimoji="0" lang="en-US" sz="1200" b="0" i="0" u="none" strike="noStrike" cap="none" spc="0" normalizeH="0" baseline="0" dirty="0" smtClean="0">
+                <a:ln>
+                  <a:noFill/>
+                </a:ln>
+                <a:solidFill>
+                  <a:srgbClr val="000000"/>
+                </a:solidFill>
+                <a:effectLst/>
+                <a:uFillTx/>
+                <a:latin typeface="Arial"/>
+                <a:ea typeface="+mn-ea"/>
+                <a:cs typeface="Arial"/>
+                <a:sym typeface="Helvetica Light"/>
+              </a:rPr>
+              <a:t>ID</a:t>
+            </a:r>
+            <a:endParaRPr kumimoji="0" lang="en-US" sz="1200" b="0" i="0" u="none" strike="noStrike" cap="none" spc="0" normalizeH="0" baseline="0" dirty="0">
+              <a:ln>
+                <a:noFill/>
+              </a:ln>
+              <a:solidFill>
+                <a:srgbClr val="000000"/>
+              </a:solidFill>
+              <a:effectLst/>
+              <a:uFillTx/>
+              <a:latin typeface="Arial"/>
+              <a:ea typeface="+mn-ea"/>
+              <a:cs typeface="Arial"/>
+              <a:sym typeface="Helvetica Light"/>
+            </a:endParaRPr>
+          </a:p>
+        </p:txBody>
+      </p:sp>
+      <p:pic>
+        <p:nvPicPr>
+          <p:cNvPr id="89" name="Picture 88"/>
+          <p:cNvPicPr>
+            <a:picLocks noChangeAspect="1"/>
+          </p:cNvPicPr>
+          <p:nvPr/>
+        </p:nvPicPr>
+        <p:blipFill>
+          <a:blip r:embed="rId11"/>
+          <a:stretch>
+            <a:fillRect/>
+          </a:stretch>
+        </p:blipFill>
+        <p:spPr>
+          <a:xfrm>
+            <a:off x="8573971" y="4402502"/>
+            <a:ext cx="611121" cy="689234"/>
+          </a:xfrm>
+          <a:prstGeom prst="rect">
+            <a:avLst/>
+          </a:prstGeom>
+        </p:spPr>
+      </p:pic>
+      <p:sp>
+        <p:nvSpPr>
+          <p:cNvPr id="90" name="TextBox 89"/>
+          <p:cNvSpPr txBox="1"/>
+          <p:nvPr/>
+        </p:nvSpPr>
+        <p:spPr>
+          <a:xfrm>
+            <a:off x="8414561" y="5102420"/>
+            <a:ext cx="911439" cy="264013"/>
+          </a:xfrm>
+          <a:prstGeom prst="rect">
+            <a:avLst/>
+          </a:prstGeom>
+          <a:noFill/>
+          <a:ln w="3175" cap="flat">
+            <a:noFill/>
+            <a:miter lim="400000"/>
+          </a:ln>
+          <a:effectLst/>
+        </p:spPr>
+        <p:style>
+          <a:lnRef idx="0">
+            <a:scrgbClr r="0" g="0" b="0"/>
+          </a:lnRef>
+          <a:fillRef idx="0">
+            <a:scrgbClr r="0" g="0" b="0"/>
+          </a:fillRef>
+          <a:effectRef idx="0">
+            <a:scrgbClr r="0" g="0" b="0"/>
+          </a:effectRef>
+          <a:fontRef idx="none"/>
+        </p:style>
+        <p:txBody>
+          <a:bodyPr rot="0" spcFirstLastPara="1" vertOverflow="overflow" horzOverflow="overflow" vert="horz" wrap="square" lIns="39290" tIns="39290" rIns="39290" bIns="39290" numCol="1" spcCol="38100" rtlCol="0" anchor="ctr">
+            <a:spAutoFit/>
+          </a:bodyPr>
+          <a:lstStyle/>
+          <a:p>
+            <a:pPr marL="0" marR="0" indent="0" defTabSz="584200" rtl="0" fontAlgn="auto" latinLnBrk="1" hangingPunct="0">
+              <a:lnSpc>
+                <a:spcPct val="100000"/>
+              </a:lnSpc>
+              <a:spcBef>
+                <a:spcPts val="0"/>
+              </a:spcBef>
+              <a:spcAft>
+                <a:spcPts val="0"/>
+              </a:spcAft>
+              <a:buClrTx/>
+              <a:buSzTx/>
+              <a:buFontTx/>
+              <a:buNone/>
+              <a:tabLst/>
+            </a:pPr>
+            <a:r>
+              <a:rPr kumimoji="0" lang="en-US" sz="1200" b="0" i="0" u="none" strike="noStrike" cap="none" spc="0" normalizeH="0" baseline="0" dirty="0" smtClean="0">
+                <a:ln>
+                  <a:noFill/>
+                </a:ln>
+                <a:solidFill>
+                  <a:srgbClr val="000000"/>
+                </a:solidFill>
+                <a:effectLst/>
+                <a:uFillTx/>
+                <a:latin typeface="Arial"/>
+                <a:ea typeface="+mn-ea"/>
+                <a:cs typeface="Arial"/>
+                <a:sym typeface="Helvetica Light"/>
+              </a:rPr>
+              <a:t>LogDNA</a:t>
+            </a:r>
+            <a:endParaRPr kumimoji="0" lang="en-US" sz="1200" b="0" i="0" u="none" strike="noStrike" cap="none" spc="0" normalizeH="0" baseline="0" dirty="0">
+              <a:ln>
+                <a:noFill/>
+              </a:ln>
+              <a:solidFill>
+                <a:srgbClr val="000000"/>
+              </a:solidFill>
+              <a:effectLst/>
+              <a:uFillTx/>
+              <a:latin typeface="Arial"/>
+              <a:ea typeface="+mn-ea"/>
+              <a:cs typeface="Arial"/>
+              <a:sym typeface="Helvetica Light"/>
+            </a:endParaRPr>
+          </a:p>
+        </p:txBody>
+      </p:sp>
+      <p:pic>
+        <p:nvPicPr>
+          <p:cNvPr id="91" name="Picture 90"/>
+          <p:cNvPicPr>
+            <a:picLocks noChangeAspect="1"/>
+          </p:cNvPicPr>
+          <p:nvPr/>
+        </p:nvPicPr>
+        <p:blipFill>
+          <a:blip r:embed="rId12"/>
+          <a:stretch>
+            <a:fillRect/>
+          </a:stretch>
+        </p:blipFill>
+        <p:spPr>
+          <a:xfrm>
+            <a:off x="8510154" y="5420037"/>
+            <a:ext cx="732887" cy="732887"/>
+          </a:xfrm>
+          <a:prstGeom prst="rect">
+            <a:avLst/>
+          </a:prstGeom>
+        </p:spPr>
+      </p:pic>
+      <p:sp>
+        <p:nvSpPr>
+          <p:cNvPr id="93" name="TextBox 92"/>
+          <p:cNvSpPr txBox="1"/>
+          <p:nvPr/>
+        </p:nvSpPr>
+        <p:spPr>
+          <a:xfrm>
+            <a:off x="8388015" y="6127251"/>
+            <a:ext cx="995122" cy="264013"/>
+          </a:xfrm>
+          <a:prstGeom prst="rect">
+            <a:avLst/>
+          </a:prstGeom>
+          <a:noFill/>
+          <a:ln w="3175" cap="flat">
+            <a:noFill/>
+            <a:miter lim="400000"/>
+          </a:ln>
+          <a:effectLst/>
+        </p:spPr>
+        <p:style>
+          <a:lnRef idx="0">
+            <a:scrgbClr r="0" g="0" b="0"/>
+          </a:lnRef>
+          <a:fillRef idx="0">
+            <a:scrgbClr r="0" g="0" b="0"/>
+          </a:fillRef>
+          <a:effectRef idx="0">
+            <a:scrgbClr r="0" g="0" b="0"/>
+          </a:effectRef>
+          <a:fontRef idx="none"/>
+        </p:style>
+        <p:txBody>
+          <a:bodyPr rot="0" spcFirstLastPara="1" vertOverflow="overflow" horzOverflow="overflow" vert="horz" wrap="square" lIns="39290" tIns="39290" rIns="39290" bIns="39290" numCol="1" spcCol="38100" rtlCol="0" anchor="ctr">
+            <a:spAutoFit/>
+          </a:bodyPr>
+          <a:lstStyle/>
+          <a:p>
+            <a:pPr marL="0" marR="0" indent="0" defTabSz="584200" rtl="0" fontAlgn="auto" latinLnBrk="1" hangingPunct="0">
+              <a:lnSpc>
+                <a:spcPct val="100000"/>
+              </a:lnSpc>
+              <a:spcBef>
+                <a:spcPts val="0"/>
+              </a:spcBef>
+              <a:spcAft>
+                <a:spcPts val="0"/>
+              </a:spcAft>
+              <a:buClrTx/>
+              <a:buSzTx/>
+              <a:buFontTx/>
+              <a:buNone/>
+              <a:tabLst/>
+            </a:pPr>
+            <a:r>
+              <a:rPr kumimoji="0" lang="en-US" sz="1200" b="0" i="0" u="none" strike="noStrike" cap="none" spc="0" normalizeH="0" baseline="0" dirty="0" smtClean="0">
+                <a:ln>
+                  <a:noFill/>
+                </a:ln>
+                <a:solidFill>
+                  <a:srgbClr val="000000"/>
+                </a:solidFill>
+                <a:effectLst/>
+                <a:uFillTx/>
+                <a:latin typeface="Arial"/>
+                <a:ea typeface="+mn-ea"/>
+                <a:cs typeface="Arial"/>
+                <a:sym typeface="Helvetica Light"/>
+              </a:rPr>
+              <a:t>Sysdig</a:t>
+            </a:r>
+            <a:endParaRPr kumimoji="0" lang="en-US" sz="1200" b="0" i="0" u="none" strike="noStrike" cap="none" spc="0" normalizeH="0" baseline="0" dirty="0">
+              <a:ln>
+                <a:noFill/>
+              </a:ln>
+              <a:solidFill>
+                <a:srgbClr val="000000"/>
+              </a:solidFill>
+              <a:effectLst/>
+              <a:uFillTx/>
+              <a:latin typeface="Arial"/>
+              <a:ea typeface="+mn-ea"/>
+              <a:cs typeface="Arial"/>
+              <a:sym typeface="Helvetica Light"/>
+            </a:endParaRPr>
+          </a:p>
+        </p:txBody>
+      </p:sp>
+      <p:pic>
+        <p:nvPicPr>
+          <p:cNvPr id="2" name="Picture 1"/>
+          <p:cNvPicPr>
+            <a:picLocks noChangeAspect="1"/>
+          </p:cNvPicPr>
+          <p:nvPr/>
+        </p:nvPicPr>
+        <p:blipFill>
+          <a:blip r:embed="rId13"/>
+          <a:stretch>
+            <a:fillRect/>
+          </a:stretch>
+        </p:blipFill>
+        <p:spPr>
+          <a:xfrm>
+            <a:off x="8413560" y="1657956"/>
+            <a:ext cx="839710" cy="704272"/>
+          </a:xfrm>
+          <a:prstGeom prst="rect">
+            <a:avLst/>
+          </a:prstGeom>
+        </p:spPr>
+      </p:pic>
+      <p:grpSp>
+        <p:nvGrpSpPr>
+          <p:cNvPr id="63" name="Group 62"/>
+          <p:cNvGrpSpPr/>
+          <p:nvPr/>
+        </p:nvGrpSpPr>
+        <p:grpSpPr>
+          <a:xfrm>
+            <a:off x="5597870" y="1773737"/>
+            <a:ext cx="707233" cy="707233"/>
+            <a:chOff x="600270" y="3372960"/>
+            <a:chExt cx="707233" cy="707233"/>
+          </a:xfrm>
+        </p:grpSpPr>
+        <p:sp>
+          <p:nvSpPr>
+            <p:cNvPr id="70" name="Shape 298"/>
+            <p:cNvSpPr/>
+            <p:nvPr/>
+          </p:nvSpPr>
+          <p:spPr>
+            <a:xfrm>
+              <a:off x="600270" y="3372960"/>
+              <a:ext cx="707233" cy="707233"/>
+            </a:xfrm>
+            <a:custGeom>
+              <a:avLst/>
+              <a:gdLst/>
+              <a:ahLst/>
+              <a:cxnLst>
+                <a:cxn ang="0">
+                  <a:pos x="wd2" y="hd2"/>
+                </a:cxn>
+                <a:cxn ang="5400000">
+                  <a:pos x="wd2" y="hd2"/>
+                </a:cxn>
+                <a:cxn ang="10800000">
+                  <a:pos x="wd2" y="hd2"/>
+                </a:cxn>
+                <a:cxn ang="16200000">
+                  <a:pos x="wd2" y="hd2"/>
+                </a:cxn>
+              </a:cxnLst>
+              <a:rect l="0" t="0" r="r" b="b"/>
+              <a:pathLst>
+                <a:path w="19679" h="19679" extrusionOk="0">
+                  <a:moveTo>
+                    <a:pt x="16796" y="2882"/>
+                  </a:moveTo>
+                  <a:cubicBezTo>
+                    <a:pt x="20639" y="6724"/>
+                    <a:pt x="20639" y="12954"/>
+                    <a:pt x="16796" y="16796"/>
+                  </a:cubicBezTo>
+                  <a:cubicBezTo>
+                    <a:pt x="12954" y="20639"/>
+                    <a:pt x="6724" y="20639"/>
+                    <a:pt x="2882" y="16796"/>
+                  </a:cubicBezTo>
+                  <a:cubicBezTo>
+                    <a:pt x="-961" y="12954"/>
+                    <a:pt x="-961" y="6724"/>
+                    <a:pt x="2882" y="2882"/>
+                  </a:cubicBezTo>
+                  <a:cubicBezTo>
+                    <a:pt x="6724" y="-961"/>
+                    <a:pt x="12954" y="-961"/>
+                    <a:pt x="16796" y="2882"/>
+                  </a:cubicBezTo>
+                  <a:close/>
+                </a:path>
+              </a:pathLst>
+            </a:custGeom>
+            <a:solidFill>
+              <a:srgbClr val="8BC831"/>
+            </a:solidFill>
+            <a:ln w="3175" cap="flat">
+              <a:noFill/>
+              <a:miter lim="400000"/>
+            </a:ln>
+            <a:effectLst/>
+          </p:spPr>
+          <p:txBody>
+            <a:bodyPr wrap="square" lIns="0" tIns="0" rIns="0" bIns="0" numCol="1" anchor="ctr">
+              <a:noAutofit/>
+            </a:bodyPr>
+            <a:lstStyle/>
+            <a:p>
+              <a:pPr lvl="0">
+                <a:defRPr sz="1800">
+                  <a:solidFill>
+                    <a:srgbClr val="FFFFFF"/>
+                  </a:solidFill>
+                </a:defRPr>
+              </a:pPr>
+              <a:endParaRPr/>
+            </a:p>
+          </p:txBody>
+        </p:sp>
+        <p:pic>
+          <p:nvPicPr>
+            <p:cNvPr id="76" name="Picture 75"/>
+            <p:cNvPicPr>
+              <a:picLocks noChangeAspect="1"/>
+            </p:cNvPicPr>
+            <p:nvPr/>
+          </p:nvPicPr>
+          <p:blipFill>
+            <a:blip r:embed="rId14">
+              <a:extLst>
+                <a:ext uri="{28A0092B-C50C-407E-A947-70E740481C1C}">
+                  <a14:useLocalDpi xmlns:a14="http://schemas.microsoft.com/office/drawing/2010/main" val="0"/>
+                </a:ext>
+              </a:extLst>
+            </a:blip>
+            <a:stretch>
+              <a:fillRect/>
+            </a:stretch>
+          </p:blipFill>
+          <p:spPr>
+            <a:xfrm>
+              <a:off x="805885" y="3465709"/>
+              <a:ext cx="292608" cy="445008"/>
+            </a:xfrm>
+            <a:prstGeom prst="rect">
+              <a:avLst/>
+            </a:prstGeom>
+          </p:spPr>
+        </p:pic>
+      </p:grpSp>
+      <p:grpSp>
+        <p:nvGrpSpPr>
+          <p:cNvPr id="3" name="Group 2"/>
+          <p:cNvGrpSpPr/>
+          <p:nvPr/>
+        </p:nvGrpSpPr>
+        <p:grpSpPr>
+          <a:xfrm>
+            <a:off x="7364897" y="3679112"/>
+            <a:ext cx="707234" cy="707233"/>
+            <a:chOff x="5365858" y="316165"/>
+            <a:chExt cx="707234" cy="707233"/>
+          </a:xfrm>
+        </p:grpSpPr>
+        <p:sp>
+          <p:nvSpPr>
+            <p:cNvPr id="88" name="Shape 385"/>
+            <p:cNvSpPr/>
+            <p:nvPr/>
+          </p:nvSpPr>
+          <p:spPr>
+            <a:xfrm>
+              <a:off x="5365858" y="316165"/>
+              <a:ext cx="707234" cy="707233"/>
+            </a:xfrm>
+            <a:custGeom>
+              <a:avLst/>
+              <a:gdLst/>
+              <a:ahLst/>
+              <a:cxnLst>
+                <a:cxn ang="0">
+                  <a:pos x="wd2" y="hd2"/>
+                </a:cxn>
+                <a:cxn ang="5400000">
+                  <a:pos x="wd2" y="hd2"/>
+                </a:cxn>
+                <a:cxn ang="10800000">
+                  <a:pos x="wd2" y="hd2"/>
+                </a:cxn>
+                <a:cxn ang="16200000">
+                  <a:pos x="wd2" y="hd2"/>
+                </a:cxn>
+              </a:cxnLst>
+              <a:rect l="0" t="0" r="r" b="b"/>
+              <a:pathLst>
+                <a:path w="19679" h="19679" extrusionOk="0">
+                  <a:moveTo>
+                    <a:pt x="16796" y="2882"/>
+                  </a:moveTo>
+                  <a:cubicBezTo>
+                    <a:pt x="20639" y="6724"/>
+                    <a:pt x="20639" y="12954"/>
+                    <a:pt x="16796" y="16796"/>
+                  </a:cubicBezTo>
+                  <a:cubicBezTo>
+                    <a:pt x="12954" y="20639"/>
+                    <a:pt x="6724" y="20639"/>
+                    <a:pt x="2882" y="16796"/>
+                  </a:cubicBezTo>
+                  <a:cubicBezTo>
+                    <a:pt x="-961" y="12954"/>
+                    <a:pt x="-961" y="6724"/>
+                    <a:pt x="2882" y="2882"/>
+                  </a:cubicBezTo>
+                  <a:cubicBezTo>
+                    <a:pt x="6724" y="-961"/>
+                    <a:pt x="12954" y="-961"/>
+                    <a:pt x="16796" y="2882"/>
+                  </a:cubicBezTo>
+                  <a:close/>
+                </a:path>
+              </a:pathLst>
+            </a:custGeom>
+            <a:solidFill>
+              <a:srgbClr val="00B19E"/>
+            </a:solidFill>
+            <a:ln w="3175" cap="flat">
+              <a:noFill/>
+              <a:miter lim="400000"/>
+            </a:ln>
+            <a:effectLst/>
+          </p:spPr>
+          <p:txBody>
+            <a:bodyPr wrap="square" lIns="0" tIns="0" rIns="0" bIns="0" numCol="1" anchor="ctr">
+              <a:noAutofit/>
+            </a:bodyPr>
+            <a:lstStyle/>
+            <a:p>
+              <a:pPr lvl="0">
+                <a:defRPr sz="1800">
+                  <a:solidFill>
+                    <a:srgbClr val="FFFFFF"/>
+                  </a:solidFill>
+                </a:defRPr>
+              </a:pPr>
+              <a:endParaRPr/>
+            </a:p>
+          </p:txBody>
+        </p:sp>
+        <p:pic>
+          <p:nvPicPr>
+            <p:cNvPr id="99" name="_-24.png"/>
+            <p:cNvPicPr/>
+            <p:nvPr/>
+          </p:nvPicPr>
+          <p:blipFill>
+            <a:blip r:embed="rId15">
+              <a:extLst/>
+            </a:blip>
+            <a:srcRect l="25630" t="26919" r="25630" b="26919"/>
+            <a:stretch>
+              <a:fillRect/>
+            </a:stretch>
+          </p:blipFill>
+          <p:spPr>
+            <a:xfrm>
+              <a:off x="5542214" y="511152"/>
+              <a:ext cx="344701" cy="326472"/>
+            </a:xfrm>
+            <a:prstGeom prst="rect">
+              <a:avLst/>
+            </a:prstGeom>
+            <a:ln w="3175" cap="flat">
+              <a:noFill/>
+              <a:miter lim="400000"/>
+            </a:ln>
+            <a:effectLst/>
+          </p:spPr>
+        </p:pic>
+      </p:grpSp>
+      <p:grpSp>
+        <p:nvGrpSpPr>
+          <p:cNvPr id="4" name="Group 3"/>
+          <p:cNvGrpSpPr/>
+          <p:nvPr/>
+        </p:nvGrpSpPr>
+        <p:grpSpPr>
+          <a:xfrm>
+            <a:off x="3406080" y="6496654"/>
+            <a:ext cx="707233" cy="707233"/>
+            <a:chOff x="2124340" y="5767625"/>
+            <a:chExt cx="707233" cy="707233"/>
+          </a:xfrm>
+        </p:grpSpPr>
+        <p:sp>
+          <p:nvSpPr>
+            <p:cNvPr id="112" name="Shape 487">
+              <a:extLst>
+                <a:ext uri="{FF2B5EF4-FFF2-40B4-BE49-F238E27FC236}">
+                  <a16:creationId xmlns:a16="http://schemas.microsoft.com/office/drawing/2014/main" xmlns="" id="{96B95C24-0134-4A44-B4F8-52FC5464AEA2}"/>
+                </a:ext>
+              </a:extLst>
+            </p:cNvPr>
+            <p:cNvSpPr/>
+            <p:nvPr/>
+          </p:nvSpPr>
+          <p:spPr>
+            <a:xfrm>
+              <a:off x="2124340" y="5767625"/>
+              <a:ext cx="707233" cy="707233"/>
+            </a:xfrm>
+            <a:custGeom>
+              <a:avLst/>
+              <a:gdLst/>
+              <a:ahLst/>
+              <a:cxnLst>
+                <a:cxn ang="0">
+                  <a:pos x="wd2" y="hd2"/>
+                </a:cxn>
+                <a:cxn ang="5400000">
+                  <a:pos x="wd2" y="hd2"/>
+                </a:cxn>
+                <a:cxn ang="10800000">
+                  <a:pos x="wd2" y="hd2"/>
+                </a:cxn>
+                <a:cxn ang="16200000">
+                  <a:pos x="wd2" y="hd2"/>
+                </a:cxn>
+              </a:cxnLst>
+              <a:rect l="0" t="0" r="r" b="b"/>
+              <a:pathLst>
+                <a:path w="19679" h="19679" extrusionOk="0">
+                  <a:moveTo>
+                    <a:pt x="16796" y="2882"/>
+                  </a:moveTo>
+                  <a:cubicBezTo>
+                    <a:pt x="20639" y="6724"/>
+                    <a:pt x="20639" y="12954"/>
+                    <a:pt x="16796" y="16796"/>
+                  </a:cubicBezTo>
+                  <a:cubicBezTo>
+                    <a:pt x="12954" y="20639"/>
+                    <a:pt x="6724" y="20639"/>
+                    <a:pt x="2882" y="16796"/>
+                  </a:cubicBezTo>
+                  <a:cubicBezTo>
+                    <a:pt x="-961" y="12954"/>
+                    <a:pt x="-961" y="6724"/>
+                    <a:pt x="2882" y="2882"/>
+                  </a:cubicBezTo>
+                  <a:cubicBezTo>
+                    <a:pt x="6724" y="-961"/>
+                    <a:pt x="12954" y="-961"/>
+                    <a:pt x="16796" y="2882"/>
+                  </a:cubicBezTo>
+                  <a:close/>
+                </a:path>
+              </a:pathLst>
+            </a:custGeom>
+            <a:solidFill>
+              <a:srgbClr val="E8222B"/>
+            </a:solidFill>
+            <a:ln w="3175" cap="flat">
+              <a:noFill/>
+              <a:miter lim="400000"/>
+            </a:ln>
+            <a:effectLst/>
+          </p:spPr>
+          <p:txBody>
+            <a:bodyPr wrap="square" lIns="0" tIns="0" rIns="0" bIns="0" numCol="1" anchor="ctr">
+              <a:noAutofit/>
+            </a:bodyPr>
+            <a:lstStyle/>
+            <a:p>
+              <a:pPr lvl="0">
+                <a:defRPr sz="1800">
+                  <a:solidFill>
+                    <a:srgbClr val="FFFFFF"/>
+                  </a:solidFill>
+                </a:defRPr>
+              </a:pPr>
+              <a:endParaRPr/>
+            </a:p>
+          </p:txBody>
+        </p:sp>
+        <p:pic>
+          <p:nvPicPr>
+            <p:cNvPr id="109" name="Picture 108">
+              <a:extLst>
+                <a:ext uri="{FF2B5EF4-FFF2-40B4-BE49-F238E27FC236}">
+                  <a16:creationId xmlns:a16="http://schemas.microsoft.com/office/drawing/2014/main" xmlns="" id="{24BA86EF-DDA3-6644-83A2-E2C0F977AC56}"/>
+                </a:ext>
+              </a:extLst>
+            </p:cNvPr>
+            <p:cNvPicPr>
+              <a:picLocks noChangeAspect="1"/>
+            </p:cNvPicPr>
+            <p:nvPr/>
+          </p:nvPicPr>
+          <p:blipFill>
+            <a:blip r:embed="rId16"/>
+            <a:stretch>
+              <a:fillRect/>
+            </a:stretch>
+          </p:blipFill>
+          <p:spPr>
+            <a:xfrm>
+              <a:off x="2277842" y="5899703"/>
+              <a:ext cx="381000" cy="469900"/>
+            </a:xfrm>
+            <a:prstGeom prst="rect">
+              <a:avLst/>
+            </a:prstGeom>
+          </p:spPr>
+        </p:pic>
+      </p:grpSp>
+      <p:sp>
+        <p:nvSpPr>
+          <p:cNvPr id="114" name="TextBox 113"/>
+          <p:cNvSpPr txBox="1"/>
+          <p:nvPr/>
+        </p:nvSpPr>
+        <p:spPr>
+          <a:xfrm>
+            <a:off x="7118319" y="4397527"/>
+            <a:ext cx="1218324" cy="264013"/>
+          </a:xfrm>
+          <a:prstGeom prst="rect">
+            <a:avLst/>
+          </a:prstGeom>
+          <a:noFill/>
+          <a:ln w="3175" cap="flat">
+            <a:noFill/>
+            <a:miter lim="400000"/>
+          </a:ln>
+          <a:effectLst/>
+        </p:spPr>
+        <p:style>
+          <a:lnRef idx="0">
+            <a:scrgbClr r="0" g="0" b="0"/>
+          </a:lnRef>
+          <a:fillRef idx="0">
+            <a:scrgbClr r="0" g="0" b="0"/>
+          </a:fillRef>
+          <a:effectRef idx="0">
+            <a:scrgbClr r="0" g="0" b="0"/>
+          </a:effectRef>
+          <a:fontRef idx="none"/>
+        </p:style>
+        <p:txBody>
+          <a:bodyPr rot="0" spcFirstLastPara="1" vertOverflow="overflow" horzOverflow="overflow" vert="horz" wrap="square" lIns="39290" tIns="39290" rIns="39290" bIns="39290" numCol="1" spcCol="38100" rtlCol="0" anchor="ctr">
+            <a:spAutoFit/>
+          </a:bodyPr>
+          <a:lstStyle/>
+          <a:p>
+            <a:pPr rtl="0" latinLnBrk="1" hangingPunct="0"/>
+            <a:r>
+              <a:rPr lang="en-US" sz="1200" dirty="0">
+                <a:solidFill>
+                  <a:srgbClr val="000000"/>
+                </a:solidFill>
+                <a:latin typeface="Arial"/>
+                <a:cs typeface="Arial"/>
+              </a:rPr>
+              <a:t>E</a:t>
+            </a:r>
+            <a:r>
+              <a:rPr lang="en-US" sz="1200" dirty="0" smtClean="0">
+                <a:solidFill>
+                  <a:srgbClr val="000000"/>
+                </a:solidFill>
+                <a:latin typeface="Arial"/>
+                <a:cs typeface="Arial"/>
+              </a:rPr>
+              <a:t>gress</a:t>
+            </a:r>
+            <a:endParaRPr lang="en-US" sz="1200" dirty="0">
+              <a:solidFill>
+                <a:srgbClr val="000000"/>
+              </a:solidFill>
+              <a:latin typeface="Arial"/>
+              <a:cs typeface="Arial"/>
+            </a:endParaRPr>
+          </a:p>
+        </p:txBody>
+      </p:sp>
+      <p:sp>
+        <p:nvSpPr>
+          <p:cNvPr id="115" name="TextBox 114"/>
+          <p:cNvSpPr txBox="1"/>
+          <p:nvPr/>
+        </p:nvSpPr>
+        <p:spPr>
+          <a:xfrm>
+            <a:off x="3059806" y="7209398"/>
+            <a:ext cx="1365428" cy="264013"/>
+          </a:xfrm>
+          <a:prstGeom prst="rect">
+            <a:avLst/>
+          </a:prstGeom>
+          <a:noFill/>
+          <a:ln w="3175" cap="flat">
+            <a:noFill/>
+            <a:miter lim="400000"/>
+          </a:ln>
+          <a:effectLst/>
+        </p:spPr>
+        <p:style>
+          <a:lnRef idx="0">
+            <a:scrgbClr r="0" g="0" b="0"/>
+          </a:lnRef>
+          <a:fillRef idx="0">
+            <a:scrgbClr r="0" g="0" b="0"/>
+          </a:fillRef>
+          <a:effectRef idx="0">
+            <a:scrgbClr r="0" g="0" b="0"/>
+          </a:effectRef>
+          <a:fontRef idx="none"/>
+        </p:style>
+        <p:txBody>
+          <a:bodyPr rot="0" spcFirstLastPara="1" vertOverflow="overflow" horzOverflow="overflow" vert="horz" wrap="square" lIns="39290" tIns="39290" rIns="39290" bIns="39290" numCol="1" spcCol="38100" rtlCol="0" anchor="ctr">
+            <a:spAutoFit/>
+          </a:bodyPr>
+          <a:lstStyle/>
+          <a:p>
+            <a:pPr rtl="0" latinLnBrk="1" hangingPunct="0"/>
+            <a:r>
+              <a:rPr lang="en-US" sz="1200" dirty="0" smtClean="0">
+                <a:solidFill>
+                  <a:srgbClr val="000000"/>
+                </a:solidFill>
+                <a:latin typeface="Arial"/>
+                <a:cs typeface="Arial"/>
+              </a:rPr>
+              <a:t>Authentication</a:t>
+            </a:r>
+            <a:endParaRPr lang="en-US" sz="1200" dirty="0">
+              <a:solidFill>
+                <a:srgbClr val="000000"/>
+              </a:solidFill>
+              <a:latin typeface="Arial"/>
+              <a:cs typeface="Arial"/>
+            </a:endParaRPr>
+          </a:p>
+        </p:txBody>
+      </p:sp>
+      <p:cxnSp>
+        <p:nvCxnSpPr>
+          <p:cNvPr id="120" name="Straight Arrow Connector 62"/>
+          <p:cNvCxnSpPr>
+            <a:stCxn id="211" idx="3"/>
+          </p:cNvCxnSpPr>
+          <p:nvPr/>
+        </p:nvCxnSpPr>
+        <p:spPr>
+          <a:xfrm>
+            <a:off x="1069115" y="3945234"/>
+            <a:ext cx="2129347" cy="2886482"/>
+          </a:xfrm>
+          <a:prstGeom prst="straightConnector1">
+            <a:avLst/>
+          </a:prstGeom>
+          <a:noFill/>
+          <a:ln w="12700" cap="flat" cmpd="sng">
+            <a:solidFill>
+              <a:schemeClr val="bg1">
+                <a:lumMod val="85000"/>
+              </a:schemeClr>
+            </a:solidFill>
+            <a:prstDash val="solid"/>
+            <a:miter lim="400000"/>
+            <a:headEnd type="none"/>
+            <a:tailEnd type="none"/>
+          </a:ln>
+          <a:effectLst/>
+        </p:spPr>
+        <p:style>
+          <a:lnRef idx="0">
+            <a:scrgbClr r="0" g="0" b="0"/>
+          </a:lnRef>
+          <a:fillRef idx="0">
+            <a:scrgbClr r="0" g="0" b="0"/>
+          </a:fillRef>
+          <a:effectRef idx="0">
+            <a:scrgbClr r="0" g="0" b="0"/>
+          </a:effectRef>
+          <a:fontRef idx="none"/>
+        </p:style>
+      </p:cxnSp>
+      <p:grpSp>
+        <p:nvGrpSpPr>
           <p:cNvPr id="65" name="Group 64"/>
           <p:cNvGrpSpPr/>
           <p:nvPr/>
         </p:nvGrpSpPr>
         <p:grpSpPr>
           <a:xfrm>
-            <a:off x="2208255" y="3574193"/>
+            <a:off x="1490956" y="3574193"/>
             <a:ext cx="707233" cy="707234"/>
             <a:chOff x="3587103" y="3636248"/>
             <a:chExt cx="707233" cy="707234"/>
@@ -3641,7 +5466,7 @@
             <p:nvPr/>
           </p:nvPicPr>
           <p:blipFill>
-            <a:blip r:embed="rId7">
+            <a:blip r:embed="rId17">
               <a:extLst/>
             </a:blip>
             <a:srcRect l="17032" t="20462" r="17032" b="20462"/>
@@ -3667,289 +5492,14 @@
       </p:grpSp>
       <p:sp>
         <p:nvSpPr>
-          <p:cNvPr id="68" name="TextBox 67"/>
+          <p:cNvPr id="128" name="TextBox 127"/>
           <p:cNvSpPr txBox="1"/>
           <p:nvPr/>
         </p:nvSpPr>
         <p:spPr>
           <a:xfrm>
-            <a:off x="1944801" y="4303923"/>
-            <a:ext cx="1218324" cy="264013"/>
-          </a:xfrm>
-          <a:prstGeom prst="rect">
-            <a:avLst/>
-          </a:prstGeom>
-          <a:noFill/>
-          <a:ln w="3175" cap="flat">
-            <a:noFill/>
-            <a:miter lim="400000"/>
-          </a:ln>
-          <a:effectLst/>
-        </p:spPr>
-        <p:style>
-          <a:lnRef idx="0">
-            <a:scrgbClr r="0" g="0" b="0"/>
-          </a:lnRef>
-          <a:fillRef idx="0">
-            <a:scrgbClr r="0" g="0" b="0"/>
-          </a:fillRef>
-          <a:effectRef idx="0">
-            <a:scrgbClr r="0" g="0" b="0"/>
-          </a:effectRef>
-          <a:fontRef idx="none"/>
-        </p:style>
-        <p:txBody>
-          <a:bodyPr rot="0" spcFirstLastPara="1" vertOverflow="overflow" horzOverflow="overflow" vert="horz" wrap="square" lIns="39290" tIns="39290" rIns="39290" bIns="39290" numCol="1" spcCol="38100" rtlCol="0" anchor="ctr">
-            <a:spAutoFit/>
-          </a:bodyPr>
-          <a:lstStyle/>
-          <a:p>
-            <a:pPr rtl="0" latinLnBrk="1" hangingPunct="0"/>
-            <a:r>
-              <a:rPr lang="en-US" sz="1200" dirty="0">
-                <a:solidFill>
-                  <a:srgbClr val="000000"/>
-                </a:solidFill>
-                <a:latin typeface="Arial"/>
-                <a:cs typeface="Arial"/>
-              </a:rPr>
-              <a:t>Ingress</a:t>
-            </a:r>
-          </a:p>
-        </p:txBody>
-      </p:sp>
-      <p:grpSp>
-        <p:nvGrpSpPr>
-          <p:cNvPr id="9" name="Group 8"/>
-          <p:cNvGrpSpPr/>
-          <p:nvPr/>
-        </p:nvGrpSpPr>
-        <p:grpSpPr>
-          <a:xfrm>
-            <a:off x="6061971" y="2315887"/>
-            <a:ext cx="707233" cy="707233"/>
-            <a:chOff x="394759" y="4656919"/>
-            <a:chExt cx="707233" cy="707233"/>
-          </a:xfrm>
-        </p:grpSpPr>
-        <p:sp>
-          <p:nvSpPr>
-            <p:cNvPr id="72" name="Shape 272"/>
-            <p:cNvSpPr/>
-            <p:nvPr/>
-          </p:nvSpPr>
-          <p:spPr>
-            <a:xfrm>
-              <a:off x="394759" y="4656919"/>
-              <a:ext cx="707233" cy="707233"/>
-            </a:xfrm>
-            <a:custGeom>
-              <a:avLst/>
-              <a:gdLst/>
-              <a:ahLst/>
-              <a:cxnLst>
-                <a:cxn ang="0">
-                  <a:pos x="wd2" y="hd2"/>
-                </a:cxn>
-                <a:cxn ang="5400000">
-                  <a:pos x="wd2" y="hd2"/>
-                </a:cxn>
-                <a:cxn ang="10800000">
-                  <a:pos x="wd2" y="hd2"/>
-                </a:cxn>
-                <a:cxn ang="16200000">
-                  <a:pos x="wd2" y="hd2"/>
-                </a:cxn>
-              </a:cxnLst>
-              <a:rect l="0" t="0" r="r" b="b"/>
-              <a:pathLst>
-                <a:path w="19679" h="19679" extrusionOk="0">
-                  <a:moveTo>
-                    <a:pt x="16796" y="2882"/>
-                  </a:moveTo>
-                  <a:cubicBezTo>
-                    <a:pt x="20639" y="6724"/>
-                    <a:pt x="20639" y="12954"/>
-                    <a:pt x="16796" y="16796"/>
-                  </a:cubicBezTo>
-                  <a:cubicBezTo>
-                    <a:pt x="12954" y="20639"/>
-                    <a:pt x="6724" y="20639"/>
-                    <a:pt x="2882" y="16796"/>
-                  </a:cubicBezTo>
-                  <a:cubicBezTo>
-                    <a:pt x="-961" y="12954"/>
-                    <a:pt x="-961" y="6724"/>
-                    <a:pt x="2882" y="2882"/>
-                  </a:cubicBezTo>
-                  <a:cubicBezTo>
-                    <a:pt x="6724" y="-961"/>
-                    <a:pt x="12954" y="-961"/>
-                    <a:pt x="16796" y="2882"/>
-                  </a:cubicBezTo>
-                  <a:close/>
-                </a:path>
-              </a:pathLst>
-            </a:custGeom>
-            <a:solidFill>
-              <a:srgbClr val="8DC53F"/>
-            </a:solidFill>
-            <a:ln w="3175" cap="flat">
-              <a:noFill/>
-              <a:miter lim="400000"/>
-            </a:ln>
-            <a:effectLst/>
-          </p:spPr>
-          <p:txBody>
-            <a:bodyPr wrap="square" lIns="0" tIns="0" rIns="0" bIns="0" numCol="1" anchor="ctr">
-              <a:noAutofit/>
-            </a:bodyPr>
-            <a:lstStyle/>
-            <a:p>
-              <a:pPr lvl="0">
-                <a:defRPr sz="1800">
-                  <a:solidFill>
-                    <a:srgbClr val="FFFFFF"/>
-                  </a:solidFill>
-                </a:defRPr>
-              </a:pPr>
-              <a:endParaRPr/>
-            </a:p>
-          </p:txBody>
-        </p:sp>
-        <p:pic>
-          <p:nvPicPr>
-            <p:cNvPr id="74" name="_-13.png"/>
-            <p:cNvPicPr/>
-            <p:nvPr/>
-          </p:nvPicPr>
-          <p:blipFill>
-            <a:blip r:embed="rId8">
-              <a:extLst/>
-            </a:blip>
-            <a:srcRect l="19624" t="23468" r="19624" b="23468"/>
-            <a:stretch>
-              <a:fillRect/>
-            </a:stretch>
-          </p:blipFill>
-          <p:spPr>
-            <a:xfrm>
-              <a:off x="535947" y="4822892"/>
-              <a:ext cx="429660" cy="375287"/>
-            </a:xfrm>
-            <a:prstGeom prst="rect">
-              <a:avLst/>
-            </a:prstGeom>
-            <a:ln w="3175" cap="flat">
-              <a:noFill/>
-              <a:miter lim="400000"/>
-            </a:ln>
-            <a:effectLst/>
-          </p:spPr>
-        </p:pic>
-      </p:grpSp>
-      <p:pic>
-        <p:nvPicPr>
-          <p:cNvPr id="78" name="Picture 77"/>
-          <p:cNvPicPr>
-            <a:picLocks noChangeAspect="1"/>
-          </p:cNvPicPr>
-          <p:nvPr/>
-        </p:nvPicPr>
-        <p:blipFill>
-          <a:blip r:embed="rId6"/>
-          <a:stretch>
-            <a:fillRect/>
-          </a:stretch>
-        </p:blipFill>
-        <p:spPr>
-          <a:xfrm>
-            <a:off x="5735740" y="1912819"/>
-            <a:ext cx="831816" cy="524254"/>
-          </a:xfrm>
-          <a:prstGeom prst="rect">
-            <a:avLst/>
-          </a:prstGeom>
-        </p:spPr>
-      </p:pic>
-      <p:sp>
-        <p:nvSpPr>
-          <p:cNvPr id="79" name="Shape 64"/>
-          <p:cNvSpPr/>
-          <p:nvPr/>
-        </p:nvSpPr>
-        <p:spPr>
-          <a:xfrm>
-            <a:off x="178545" y="283944"/>
-            <a:ext cx="3451866" cy="430887"/>
-          </a:xfrm>
-          <a:prstGeom prst="rect">
-            <a:avLst/>
-          </a:prstGeom>
-          <a:ln w="3175">
-            <a:miter lim="400000"/>
-          </a:ln>
-          <a:extLst>
-            <a:ext uri="{C572A759-6A51-4108-AA02-DFA0A04FC94B}">
-              <ma14:wrappingTextBoxFlag xmlns:ma14="http://schemas.microsoft.com/office/mac/drawingml/2011/main" val="1"/>
-            </a:ext>
-          </a:extLst>
-        </p:spPr>
-        <p:txBody>
-          <a:bodyPr wrap="none" lIns="0" tIns="0" rIns="0" bIns="0">
-            <a:spAutoFit/>
-          </a:bodyPr>
-          <a:lstStyle>
-            <a:lvl1pPr algn="l">
-              <a:defRPr sz="1000" b="1">
-                <a:solidFill>
-                  <a:srgbClr val="4277BB"/>
-                </a:solidFill>
-                <a:latin typeface="Helvetica"/>
-                <a:ea typeface="Helvetica"/>
-                <a:cs typeface="Helvetica"/>
-                <a:sym typeface="Helvetica"/>
-              </a:defRPr>
-            </a:lvl1pPr>
-          </a:lstStyle>
-          <a:p>
-            <a:pPr lvl="0">
-              <a:defRPr sz="1800" b="0">
-                <a:solidFill>
-                  <a:srgbClr val="000000"/>
-                </a:solidFill>
-              </a:defRPr>
-            </a:pPr>
-            <a:r>
-              <a:rPr lang="de-DE" sz="2800" b="1" dirty="0" smtClean="0">
-                <a:solidFill>
-                  <a:srgbClr val="000000"/>
-                </a:solidFill>
-                <a:latin typeface="Arial"/>
-                <a:cs typeface="Arial"/>
-              </a:rPr>
-              <a:t>Cloud Native Starter</a:t>
-            </a:r>
-            <a:endParaRPr sz="2800" dirty="0">
-              <a:solidFill>
-                <a:srgbClr val="000000"/>
-              </a:solidFill>
-              <a:latin typeface="Arial"/>
-              <a:cs typeface="Arial"/>
-            </a:endParaRPr>
-          </a:p>
-        </p:txBody>
-      </p:sp>
-      <p:sp>
-        <p:nvSpPr>
-          <p:cNvPr id="80" name="TextBox 79"/>
-          <p:cNvSpPr txBox="1"/>
-          <p:nvPr/>
-        </p:nvSpPr>
-        <p:spPr>
-          <a:xfrm>
-            <a:off x="5654653" y="3081794"/>
-            <a:ext cx="1506878" cy="264013"/>
+            <a:off x="9464120" y="1818712"/>
+            <a:ext cx="636906" cy="448679"/>
           </a:xfrm>
           <a:prstGeom prst="rect">
             <a:avLst/>
@@ -4001,7 +5551,7 @@
                   <a:noFill/>
                 </a:ln>
                 <a:solidFill>
-                  <a:srgbClr val="000000"/>
+                  <a:srgbClr val="FF0000"/>
                 </a:solidFill>
                 <a:effectLst/>
                 <a:uFillTx/>
@@ -4010,88 +5560,150 @@
                 <a:cs typeface="Arial"/>
                 <a:sym typeface="Helvetica Light"/>
               </a:rPr>
-              <a:t>Articles Service</a:t>
+              <a:t>To </a:t>
             </a:r>
+            <a:r>
+              <a:rPr lang="en-US" sz="1200" dirty="0" smtClean="0">
+                <a:solidFill>
+                  <a:srgbClr val="FF0000"/>
+                </a:solidFill>
+                <a:latin typeface="Arial"/>
+                <a:cs typeface="Arial"/>
+              </a:rPr>
+              <a:t>be</a:t>
+            </a:r>
+          </a:p>
+          <a:p>
+            <a:pPr marL="0" marR="0" indent="0" defTabSz="584200" rtl="0" fontAlgn="auto" latinLnBrk="1" hangingPunct="0">
+              <a:lnSpc>
+                <a:spcPct val="100000"/>
+              </a:lnSpc>
+              <a:spcBef>
+                <a:spcPts val="0"/>
+              </a:spcBef>
+              <a:spcAft>
+                <a:spcPts val="0"/>
+              </a:spcAft>
+              <a:buClrTx/>
+              <a:buSzTx/>
+              <a:buFontTx/>
+              <a:buNone/>
+              <a:tabLst/>
+            </a:pPr>
+            <a:r>
+              <a:rPr lang="en-US" sz="1200" dirty="0" smtClean="0">
+                <a:solidFill>
+                  <a:srgbClr val="FF0000"/>
+                </a:solidFill>
+                <a:latin typeface="Arial"/>
+                <a:cs typeface="Arial"/>
+              </a:rPr>
+              <a:t>done</a:t>
+            </a:r>
+            <a:endParaRPr kumimoji="0" lang="en-US" sz="1200" b="0" i="0" u="none" strike="noStrike" cap="none" spc="0" normalizeH="0" baseline="0" dirty="0" smtClean="0">
+              <a:ln>
+                <a:noFill/>
+              </a:ln>
+              <a:solidFill>
+                <a:srgbClr val="FF0000"/>
+              </a:solidFill>
+              <a:effectLst/>
+              <a:uFillTx/>
+              <a:latin typeface="Arial"/>
+              <a:cs typeface="Arial"/>
+              <a:sym typeface="Helvetica Light"/>
+            </a:endParaRPr>
           </a:p>
         </p:txBody>
       </p:sp>
-      <p:cxnSp>
-        <p:nvCxnSpPr>
-          <p:cNvPr id="92" name="Straight Arrow Connector 62"/>
-          <p:cNvCxnSpPr>
-            <a:endCxn id="216" idx="1"/>
-          </p:cNvCxnSpPr>
+      <p:sp>
+        <p:nvSpPr>
+          <p:cNvPr id="130" name="Rounded Rectangle 129">
+            <a:extLst>
+              <a:ext uri="{FF2B5EF4-FFF2-40B4-BE49-F238E27FC236}">
+                <a16:creationId xmlns:a16="http://schemas.microsoft.com/office/drawing/2014/main" xmlns="" id="{E5AE57F4-21F2-5F42-B8FA-96479FD09882}"/>
+              </a:ext>
+            </a:extLst>
+          </p:cNvPr>
+          <p:cNvSpPr/>
           <p:nvPr/>
-        </p:nvCxnSpPr>
-        <p:spPr>
-          <a:xfrm flipV="1">
-            <a:off x="3017401" y="3180640"/>
-            <a:ext cx="860833" cy="743765"/>
-          </a:xfrm>
-          <a:prstGeom prst="straightConnector1">
-            <a:avLst/>
+        </p:nvSpPr>
+        <p:spPr>
+          <a:xfrm>
+            <a:off x="8195593" y="2927879"/>
+            <a:ext cx="1364517" cy="1117062"/>
+          </a:xfrm>
+          <a:prstGeom prst="roundRect">
+            <a:avLst>
+              <a:gd name="adj" fmla="val 6052"/>
+            </a:avLst>
           </a:prstGeom>
           <a:noFill/>
-          <a:ln w="12700" cap="flat" cmpd="sng">
+          <a:ln w="6350">
             <a:solidFill>
-              <a:schemeClr val="bg1">
-                <a:lumMod val="85000"/>
-              </a:schemeClr>
+              <a:srgbClr val="FF0000"/>
             </a:solidFill>
-            <a:prstDash val="solid"/>
-            <a:miter lim="400000"/>
-            <a:headEnd type="none"/>
-            <a:tailEnd type="none"/>
+            <a:prstDash val="lgDash"/>
           </a:ln>
-          <a:effectLst/>
+          <a:effectLst>
+            <a:outerShdw blurRad="50800" dist="38100" dir="8100000" algn="tr" rotWithShape="0">
+              <a:prstClr val="black">
+                <a:alpha val="40000"/>
+              </a:prstClr>
+            </a:outerShdw>
+          </a:effectLst>
         </p:spPr>
         <p:style>
-          <a:lnRef idx="0">
-            <a:scrgbClr r="0" g="0" b="0"/>
+          <a:lnRef idx="2">
+            <a:schemeClr val="accent1">
+              <a:shade val="50000"/>
+            </a:schemeClr>
           </a:lnRef>
-          <a:fillRef idx="0">
-            <a:scrgbClr r="0" g="0" b="0"/>
+          <a:fillRef idx="1">
+            <a:schemeClr val="accent1"/>
           </a:fillRef>
           <a:effectRef idx="0">
-            <a:scrgbClr r="0" g="0" b="0"/>
+            <a:schemeClr val="accent1"/>
           </a:effectRef>
-          <a:fontRef idx="none"/>
+          <a:fontRef idx="minor">
+            <a:schemeClr val="lt1"/>
+          </a:fontRef>
         </p:style>
-      </p:cxnSp>
-      <p:pic>
-        <p:nvPicPr>
-          <p:cNvPr id="96" name="Picture 95"/>
-          <p:cNvPicPr>
-            <a:picLocks noChangeAspect="1"/>
-          </p:cNvPicPr>
-          <p:nvPr/>
-        </p:nvPicPr>
-        <p:blipFill>
-          <a:blip r:embed="rId4"/>
-          <a:stretch>
-            <a:fillRect/>
-          </a:stretch>
-        </p:blipFill>
-        <p:spPr>
-          <a:xfrm>
-            <a:off x="3874694" y="4187485"/>
-            <a:ext cx="819405" cy="786629"/>
-          </a:xfrm>
-          <a:prstGeom prst="rect">
-            <a:avLst/>
-          </a:prstGeom>
-        </p:spPr>
-      </p:pic>
+        <p:txBody>
+          <a:bodyPr rtlCol="0" anchor="ctr"/>
+          <a:lstStyle/>
+          <a:p>
+            <a:pPr algn="ctr"/>
+            <a:endParaRPr lang="en-US" sz="1200" b="1" dirty="0">
+              <a:ln w="22225">
+                <a:solidFill>
+                  <a:schemeClr val="accent2"/>
+                </a:solidFill>
+                <a:prstDash val="solid"/>
+              </a:ln>
+              <a:solidFill>
+                <a:schemeClr val="accent2">
+                  <a:lumMod val="40000"/>
+                  <a:lumOff val="60000"/>
+                </a:schemeClr>
+              </a:solidFill>
+              <a:latin typeface="IBM Plex Sans" charset="0"/>
+              <a:ea typeface="IBM Plex Sans" charset="0"/>
+              <a:cs typeface="IBM Plex Sans" charset="0"/>
+            </a:endParaRPr>
+          </a:p>
+        </p:txBody>
+      </p:sp>
       <p:sp>
         <p:nvSpPr>
-          <p:cNvPr id="98" name="TextBox 97"/>
+          <p:cNvPr id="131" name="TextBox 130"/>
           <p:cNvSpPr txBox="1"/>
           <p:nvPr/>
         </p:nvSpPr>
         <p:spPr>
           <a:xfrm>
-            <a:off x="3545742" y="4903474"/>
-            <a:ext cx="1506878" cy="448679"/>
+            <a:off x="9481249" y="3135190"/>
+            <a:ext cx="636906" cy="448679"/>
           </a:xfrm>
           <a:prstGeom prst="rect">
             <a:avLst/>
@@ -4143,7 +5755,7 @@
                   <a:noFill/>
                 </a:ln>
                 <a:solidFill>
-                  <a:srgbClr val="000000"/>
+                  <a:srgbClr val="FF0000"/>
                 </a:solidFill>
                 <a:effectLst/>
                 <a:uFillTx/>
@@ -4152,7 +5764,17 @@
                 <a:cs typeface="Arial"/>
                 <a:sym typeface="Helvetica Light"/>
               </a:rPr>
-              <a:t>Web-API</a:t>
+              <a:t>To </a:t>
+            </a:r>
+            <a:r>
+              <a:rPr lang="en-US" sz="1200" dirty="0" smtClean="0">
+                <a:solidFill>
+                  <a:srgbClr val="FF0000"/>
+                </a:solidFill>
+                <a:latin typeface="Arial"/>
+                <a:cs typeface="Arial"/>
+              </a:rPr>
+              <a:t>be</a:t>
             </a:r>
           </a:p>
           <a:p>
@@ -4175,269 +5797,165 @@
             <a:r>
               <a:rPr lang="en-US" sz="1200" dirty="0" smtClean="0">
                 <a:solidFill>
-                  <a:srgbClr val="000000"/>
+                  <a:srgbClr val="FF0000"/>
                 </a:solidFill>
                 <a:latin typeface="Arial"/>
                 <a:cs typeface="Arial"/>
               </a:rPr>
-              <a:t>v2</a:t>
+              <a:t>done</a:t>
             </a:r>
-            <a:endParaRPr kumimoji="0" lang="en-US" sz="1200" b="0" i="0" u="none" strike="noStrike" cap="none" spc="0" normalizeH="0" baseline="0" dirty="0">
+            <a:endParaRPr kumimoji="0" lang="en-US" sz="1200" b="0" i="0" u="none" strike="noStrike" cap="none" spc="0" normalizeH="0" baseline="0" dirty="0" smtClean="0">
               <a:ln>
                 <a:noFill/>
               </a:ln>
               <a:solidFill>
-                <a:srgbClr val="000000"/>
+                <a:srgbClr val="FF0000"/>
               </a:solidFill>
               <a:effectLst/>
               <a:uFillTx/>
               <a:latin typeface="Arial"/>
-              <a:ea typeface="+mn-ea"/>
               <a:cs typeface="Arial"/>
               <a:sym typeface="Helvetica Light"/>
             </a:endParaRPr>
           </a:p>
         </p:txBody>
       </p:sp>
-      <p:grpSp>
-        <p:nvGrpSpPr>
-          <p:cNvPr id="100" name="Group 99"/>
-          <p:cNvGrpSpPr/>
-          <p:nvPr/>
-        </p:nvGrpSpPr>
-        <p:grpSpPr>
-          <a:xfrm>
-            <a:off x="6106539" y="4842446"/>
-            <a:ext cx="707233" cy="707233"/>
-            <a:chOff x="394759" y="4656919"/>
-            <a:chExt cx="707233" cy="707233"/>
-          </a:xfrm>
-        </p:grpSpPr>
-        <p:sp>
-          <p:nvSpPr>
-            <p:cNvPr id="101" name="Shape 272"/>
-            <p:cNvSpPr/>
-            <p:nvPr/>
-          </p:nvSpPr>
-          <p:spPr>
-            <a:xfrm>
-              <a:off x="394759" y="4656919"/>
-              <a:ext cx="707233" cy="707233"/>
-            </a:xfrm>
-            <a:custGeom>
-              <a:avLst/>
-              <a:gdLst/>
-              <a:ahLst/>
-              <a:cxnLst>
-                <a:cxn ang="0">
-                  <a:pos x="wd2" y="hd2"/>
-                </a:cxn>
-                <a:cxn ang="5400000">
-                  <a:pos x="wd2" y="hd2"/>
-                </a:cxn>
-                <a:cxn ang="10800000">
-                  <a:pos x="wd2" y="hd2"/>
-                </a:cxn>
-                <a:cxn ang="16200000">
-                  <a:pos x="wd2" y="hd2"/>
-                </a:cxn>
-              </a:cxnLst>
-              <a:rect l="0" t="0" r="r" b="b"/>
-              <a:pathLst>
-                <a:path w="19679" h="19679" extrusionOk="0">
-                  <a:moveTo>
-                    <a:pt x="16796" y="2882"/>
-                  </a:moveTo>
-                  <a:cubicBezTo>
-                    <a:pt x="20639" y="6724"/>
-                    <a:pt x="20639" y="12954"/>
-                    <a:pt x="16796" y="16796"/>
-                  </a:cubicBezTo>
-                  <a:cubicBezTo>
-                    <a:pt x="12954" y="20639"/>
-                    <a:pt x="6724" y="20639"/>
-                    <a:pt x="2882" y="16796"/>
-                  </a:cubicBezTo>
-                  <a:cubicBezTo>
-                    <a:pt x="-961" y="12954"/>
-                    <a:pt x="-961" y="6724"/>
-                    <a:pt x="2882" y="2882"/>
-                  </a:cubicBezTo>
-                  <a:cubicBezTo>
-                    <a:pt x="6724" y="-961"/>
-                    <a:pt x="12954" y="-961"/>
-                    <a:pt x="16796" y="2882"/>
-                  </a:cubicBezTo>
-                  <a:close/>
-                </a:path>
-              </a:pathLst>
-            </a:custGeom>
-            <a:solidFill>
-              <a:srgbClr val="8DC53F"/>
-            </a:solidFill>
-            <a:ln w="3175" cap="flat">
-              <a:noFill/>
-              <a:miter lim="400000"/>
-            </a:ln>
-            <a:effectLst/>
-          </p:spPr>
-          <p:txBody>
-            <a:bodyPr wrap="square" lIns="0" tIns="0" rIns="0" bIns="0" numCol="1" anchor="ctr">
-              <a:noAutofit/>
-            </a:bodyPr>
-            <a:lstStyle/>
-            <a:p>
-              <a:pPr lvl="0">
-                <a:defRPr sz="1800">
-                  <a:solidFill>
-                    <a:srgbClr val="FFFFFF"/>
-                  </a:solidFill>
-                </a:defRPr>
-              </a:pPr>
-              <a:endParaRPr/>
-            </a:p>
-          </p:txBody>
-        </p:sp>
-        <p:pic>
-          <p:nvPicPr>
-            <p:cNvPr id="102" name="_-13.png"/>
-            <p:cNvPicPr/>
-            <p:nvPr/>
-          </p:nvPicPr>
-          <p:blipFill>
-            <a:blip r:embed="rId8">
-              <a:extLst/>
-            </a:blip>
-            <a:srcRect l="19624" t="23468" r="19624" b="23468"/>
-            <a:stretch>
-              <a:fillRect/>
-            </a:stretch>
-          </p:blipFill>
-          <p:spPr>
-            <a:xfrm>
-              <a:off x="535947" y="4822892"/>
-              <a:ext cx="429660" cy="375287"/>
-            </a:xfrm>
-            <a:prstGeom prst="rect">
-              <a:avLst/>
-            </a:prstGeom>
-            <a:ln w="3175" cap="flat">
-              <a:noFill/>
-              <a:miter lim="400000"/>
-            </a:ln>
-            <a:effectLst/>
-          </p:spPr>
-        </p:pic>
-      </p:grpSp>
-      <p:sp>
-        <p:nvSpPr>
-          <p:cNvPr id="106" name="TextBox 105"/>
-          <p:cNvSpPr txBox="1"/>
-          <p:nvPr/>
-        </p:nvSpPr>
-        <p:spPr>
-          <a:xfrm>
-            <a:off x="5699221" y="5608353"/>
-            <a:ext cx="1506878" cy="264013"/>
-          </a:xfrm>
-          <a:prstGeom prst="rect">
-            <a:avLst/>
-          </a:prstGeom>
-          <a:noFill/>
-          <a:ln w="3175" cap="flat">
-            <a:noFill/>
-            <a:miter lim="400000"/>
-          </a:ln>
-          <a:effectLst/>
-        </p:spPr>
-        <p:style>
-          <a:lnRef idx="0">
-            <a:scrgbClr r="0" g="0" b="0"/>
-          </a:lnRef>
-          <a:fillRef idx="0">
-            <a:scrgbClr r="0" g="0" b="0"/>
-          </a:fillRef>
-          <a:effectRef idx="0">
-            <a:scrgbClr r="0" g="0" b="0"/>
-          </a:effectRef>
-          <a:fontRef idx="none"/>
-        </p:style>
-        <p:txBody>
-          <a:bodyPr rot="0" spcFirstLastPara="1" vertOverflow="overflow" horzOverflow="overflow" vert="horz" wrap="square" lIns="39290" tIns="39290" rIns="39290" bIns="39290" numCol="1" spcCol="38100" rtlCol="0" anchor="ctr">
-            <a:spAutoFit/>
-          </a:bodyPr>
-          <a:lstStyle/>
-          <a:p>
-            <a:pPr marL="0" marR="0" indent="0" defTabSz="584200" rtl="0" fontAlgn="auto" latinLnBrk="1" hangingPunct="0">
-              <a:lnSpc>
-                <a:spcPct val="100000"/>
-              </a:lnSpc>
-              <a:spcBef>
-                <a:spcPts val="0"/>
-              </a:spcBef>
-              <a:spcAft>
-                <a:spcPts val="0"/>
-              </a:spcAft>
-              <a:buClrTx/>
-              <a:buSzTx/>
-              <a:buFontTx/>
-              <a:buNone/>
-              <a:tabLst/>
-            </a:pPr>
-            <a:r>
-              <a:rPr kumimoji="0" lang="en-US" sz="1200" b="0" i="0" u="none" strike="noStrike" cap="none" spc="0" normalizeH="0" baseline="0" dirty="0" smtClean="0">
-                <a:ln>
-                  <a:noFill/>
-                </a:ln>
-                <a:solidFill>
-                  <a:srgbClr val="000000"/>
-                </a:solidFill>
-                <a:effectLst/>
-                <a:uFillTx/>
-                <a:latin typeface="Arial"/>
-                <a:ea typeface="+mn-ea"/>
-                <a:cs typeface="Arial"/>
-                <a:sym typeface="Helvetica Light"/>
-              </a:rPr>
-              <a:t>Authors Service</a:t>
-            </a:r>
-          </a:p>
-        </p:txBody>
-      </p:sp>
       <p:pic>
         <p:nvPicPr>
-          <p:cNvPr id="107" name="Picture 106"/>
+          <p:cNvPr id="142" name="Picture 141"/>
           <p:cNvPicPr>
             <a:picLocks noChangeAspect="1"/>
           </p:cNvPicPr>
           <p:nvPr/>
         </p:nvPicPr>
         <p:blipFill>
-          <a:blip r:embed="rId9"/>
+          <a:blip r:embed="rId3"/>
           <a:stretch>
             <a:fillRect/>
           </a:stretch>
         </p:blipFill>
         <p:spPr>
           <a:xfrm>
-            <a:off x="5677595" y="4522498"/>
-            <a:ext cx="779457" cy="476768"/>
+            <a:off x="3254539" y="3198373"/>
+            <a:ext cx="895939" cy="860102"/>
           </a:xfrm>
           <a:prstGeom prst="rect">
             <a:avLst/>
           </a:prstGeom>
         </p:spPr>
       </p:pic>
+      <p:pic>
+        <p:nvPicPr>
+          <p:cNvPr id="146" name="Picture 145"/>
+          <p:cNvPicPr>
+            <a:picLocks noChangeAspect="1"/>
+          </p:cNvPicPr>
+          <p:nvPr/>
+        </p:nvPicPr>
+        <p:blipFill>
+          <a:blip r:embed="rId7"/>
+          <a:stretch>
+            <a:fillRect/>
+          </a:stretch>
+        </p:blipFill>
+        <p:spPr>
+          <a:xfrm>
+            <a:off x="3033368" y="6184484"/>
+            <a:ext cx="695118" cy="425181"/>
+          </a:xfrm>
+          <a:prstGeom prst="rect">
+            <a:avLst/>
+          </a:prstGeom>
+        </p:spPr>
+      </p:pic>
+      <p:sp>
+        <p:nvSpPr>
+          <p:cNvPr id="149" name="Rounded Rectangle 148">
+            <a:extLst>
+              <a:ext uri="{FF2B5EF4-FFF2-40B4-BE49-F238E27FC236}">
+                <a16:creationId xmlns:a16="http://schemas.microsoft.com/office/drawing/2014/main" xmlns="" id="{E5AE57F4-21F2-5F42-B8FA-96479FD09882}"/>
+              </a:ext>
+            </a:extLst>
+          </p:cNvPr>
+          <p:cNvSpPr/>
+          <p:nvPr/>
+        </p:nvSpPr>
+        <p:spPr>
+          <a:xfrm>
+            <a:off x="8183366" y="1551668"/>
+            <a:ext cx="1364517" cy="1117062"/>
+          </a:xfrm>
+          <a:prstGeom prst="roundRect">
+            <a:avLst>
+              <a:gd name="adj" fmla="val 6052"/>
+            </a:avLst>
+          </a:prstGeom>
+          <a:noFill/>
+          <a:ln w="6350">
+            <a:solidFill>
+              <a:srgbClr val="FF0000"/>
+            </a:solidFill>
+            <a:prstDash val="lgDash"/>
+          </a:ln>
+          <a:effectLst>
+            <a:outerShdw blurRad="50800" dist="38100" dir="8100000" algn="tr" rotWithShape="0">
+              <a:prstClr val="black">
+                <a:alpha val="40000"/>
+              </a:prstClr>
+            </a:outerShdw>
+          </a:effectLst>
+        </p:spPr>
+        <p:style>
+          <a:lnRef idx="2">
+            <a:schemeClr val="accent1">
+              <a:shade val="50000"/>
+            </a:schemeClr>
+          </a:lnRef>
+          <a:fillRef idx="1">
+            <a:schemeClr val="accent1"/>
+          </a:fillRef>
+          <a:effectRef idx="0">
+            <a:schemeClr val="accent1"/>
+          </a:effectRef>
+          <a:fontRef idx="minor">
+            <a:schemeClr val="lt1"/>
+          </a:fontRef>
+        </p:style>
+        <p:txBody>
+          <a:bodyPr rtlCol="0" anchor="ctr"/>
+          <a:lstStyle/>
+          <a:p>
+            <a:pPr algn="ctr"/>
+            <a:endParaRPr lang="en-US" sz="1200" b="1" dirty="0">
+              <a:ln w="22225">
+                <a:solidFill>
+                  <a:schemeClr val="accent2"/>
+                </a:solidFill>
+                <a:prstDash val="solid"/>
+              </a:ln>
+              <a:solidFill>
+                <a:schemeClr val="accent2">
+                  <a:lumMod val="40000"/>
+                  <a:lumOff val="60000"/>
+                </a:schemeClr>
+              </a:solidFill>
+              <a:latin typeface="IBM Plex Sans" charset="0"/>
+              <a:ea typeface="IBM Plex Sans" charset="0"/>
+              <a:cs typeface="IBM Plex Sans" charset="0"/>
+            </a:endParaRPr>
+          </a:p>
+        </p:txBody>
+      </p:sp>
       <p:cxnSp>
         <p:nvCxnSpPr>
-          <p:cNvPr id="108" name="Straight Arrow Connector 62"/>
+          <p:cNvPr id="155" name="Straight Arrow Connector 62"/>
           <p:cNvCxnSpPr/>
           <p:nvPr/>
         </p:nvCxnSpPr>
         <p:spPr>
-          <a:xfrm>
-            <a:off x="3017401" y="3981695"/>
-            <a:ext cx="849837" cy="467861"/>
+          <a:xfrm flipH="1" flipV="1">
+            <a:off x="7725698" y="5749930"/>
+            <a:ext cx="682026" cy="11758"/>
           </a:xfrm>
           <a:prstGeom prst="straightConnector1">
             <a:avLst/>
@@ -4469,76 +5987,16 @@
           <a:fontRef idx="none"/>
         </p:style>
       </p:cxnSp>
-      <p:sp>
-        <p:nvSpPr>
-          <p:cNvPr id="117" name="TextBox 116"/>
-          <p:cNvSpPr txBox="1"/>
-          <p:nvPr/>
-        </p:nvSpPr>
-        <p:spPr>
-          <a:xfrm>
-            <a:off x="3577670" y="7068808"/>
-            <a:ext cx="1365428" cy="264013"/>
-          </a:xfrm>
-          <a:prstGeom prst="rect">
-            <a:avLst/>
-          </a:prstGeom>
-          <a:noFill/>
-          <a:ln w="3175" cap="flat">
-            <a:noFill/>
-            <a:miter lim="400000"/>
-          </a:ln>
-          <a:effectLst/>
-        </p:spPr>
-        <p:style>
-          <a:lnRef idx="0">
-            <a:scrgbClr r="0" g="0" b="0"/>
-          </a:lnRef>
-          <a:fillRef idx="0">
-            <a:scrgbClr r="0" g="0" b="0"/>
-          </a:fillRef>
-          <a:effectRef idx="0">
-            <a:scrgbClr r="0" g="0" b="0"/>
-          </a:effectRef>
-          <a:fontRef idx="none"/>
-        </p:style>
-        <p:txBody>
-          <a:bodyPr rot="0" spcFirstLastPara="1" vertOverflow="overflow" horzOverflow="overflow" vert="horz" wrap="square" lIns="39290" tIns="39290" rIns="39290" bIns="39290" numCol="1" spcCol="38100" rtlCol="0" anchor="ctr">
-            <a:spAutoFit/>
-          </a:bodyPr>
-          <a:lstStyle/>
-          <a:p>
-            <a:pPr rtl="0" latinLnBrk="1" hangingPunct="0"/>
-            <a:r>
-              <a:rPr lang="en-US" sz="1200" dirty="0" smtClean="0">
-                <a:solidFill>
-                  <a:srgbClr val="000000"/>
-                </a:solidFill>
-                <a:latin typeface="Arial"/>
-                <a:cs typeface="Arial"/>
-              </a:rPr>
-              <a:t>Web App Hosting</a:t>
-            </a:r>
-            <a:endParaRPr lang="en-US" sz="1200" dirty="0">
-              <a:solidFill>
-                <a:srgbClr val="000000"/>
-              </a:solidFill>
-              <a:latin typeface="Arial"/>
-              <a:cs typeface="Arial"/>
-            </a:endParaRPr>
-          </a:p>
-        </p:txBody>
-      </p:sp>
       <p:cxnSp>
         <p:nvCxnSpPr>
-          <p:cNvPr id="118" name="Straight Arrow Connector 62"/>
+          <p:cNvPr id="167" name="Straight Arrow Connector 62"/>
           <p:cNvCxnSpPr/>
           <p:nvPr/>
         </p:nvCxnSpPr>
         <p:spPr>
-          <a:xfrm>
-            <a:off x="2960108" y="4105813"/>
-            <a:ext cx="742150" cy="2695384"/>
+          <a:xfrm flipH="1" flipV="1">
+            <a:off x="7725230" y="4797027"/>
+            <a:ext cx="682026" cy="11758"/>
           </a:xfrm>
           <a:prstGeom prst="straightConnector1">
             <a:avLst/>
@@ -4570,1594 +6028,6 @@
           <a:fontRef idx="none"/>
         </p:style>
       </p:cxnSp>
-      <p:cxnSp>
-        <p:nvCxnSpPr>
-          <p:cNvPr id="119" name="Straight Arrow Connector 62"/>
-          <p:cNvCxnSpPr>
-            <a:stCxn id="96" idx="3"/>
-          </p:cNvCxnSpPr>
-          <p:nvPr/>
-        </p:nvCxnSpPr>
-        <p:spPr>
-          <a:xfrm>
-            <a:off x="4694099" y="4580800"/>
-            <a:ext cx="1369348" cy="689930"/>
-          </a:xfrm>
-          <a:prstGeom prst="straightConnector1">
-            <a:avLst/>
-          </a:prstGeom>
-          <a:noFill/>
-          <a:ln w="12700" cap="flat" cmpd="sng">
-            <a:solidFill>
-              <a:schemeClr val="bg1">
-                <a:lumMod val="85000"/>
-              </a:schemeClr>
-            </a:solidFill>
-            <a:prstDash val="solid"/>
-            <a:miter lim="400000"/>
-            <a:headEnd type="none"/>
-            <a:tailEnd type="none"/>
-          </a:ln>
-          <a:effectLst/>
-        </p:spPr>
-        <p:style>
-          <a:lnRef idx="0">
-            <a:scrgbClr r="0" g="0" b="0"/>
-          </a:lnRef>
-          <a:fillRef idx="0">
-            <a:scrgbClr r="0" g="0" b="0"/>
-          </a:fillRef>
-          <a:effectRef idx="0">
-            <a:scrgbClr r="0" g="0" b="0"/>
-          </a:effectRef>
-          <a:fontRef idx="none"/>
-        </p:style>
-      </p:cxnSp>
-      <p:pic>
-        <p:nvPicPr>
-          <p:cNvPr id="232" name="Picture 231"/>
-          <p:cNvPicPr>
-            <a:picLocks noChangeAspect="1"/>
-          </p:cNvPicPr>
-          <p:nvPr/>
-        </p:nvPicPr>
-        <p:blipFill>
-          <a:blip r:embed="rId10"/>
-          <a:stretch>
-            <a:fillRect/>
-          </a:stretch>
-        </p:blipFill>
-        <p:spPr>
-          <a:xfrm>
-            <a:off x="3786407" y="6122908"/>
-            <a:ext cx="307414" cy="348208"/>
-          </a:xfrm>
-          <a:prstGeom prst="rect">
-            <a:avLst/>
-          </a:prstGeom>
-        </p:spPr>
-      </p:pic>
-      <p:grpSp>
-        <p:nvGrpSpPr>
-          <p:cNvPr id="22" name="Group 21"/>
-          <p:cNvGrpSpPr/>
-          <p:nvPr/>
-        </p:nvGrpSpPr>
-        <p:grpSpPr>
-          <a:xfrm>
-            <a:off x="3928982" y="6360832"/>
-            <a:ext cx="707235" cy="707233"/>
-            <a:chOff x="555452" y="2050875"/>
-            <a:chExt cx="707235" cy="707233"/>
-          </a:xfrm>
-        </p:grpSpPr>
-        <p:sp>
-          <p:nvSpPr>
-            <p:cNvPr id="110" name="Shape 339"/>
-            <p:cNvSpPr/>
-            <p:nvPr/>
-          </p:nvSpPr>
-          <p:spPr>
-            <a:xfrm>
-              <a:off x="555452" y="2050875"/>
-              <a:ext cx="707235" cy="707233"/>
-            </a:xfrm>
-            <a:custGeom>
-              <a:avLst/>
-              <a:gdLst/>
-              <a:ahLst/>
-              <a:cxnLst>
-                <a:cxn ang="0">
-                  <a:pos x="wd2" y="hd2"/>
-                </a:cxn>
-                <a:cxn ang="5400000">
-                  <a:pos x="wd2" y="hd2"/>
-                </a:cxn>
-                <a:cxn ang="10800000">
-                  <a:pos x="wd2" y="hd2"/>
-                </a:cxn>
-                <a:cxn ang="16200000">
-                  <a:pos x="wd2" y="hd2"/>
-                </a:cxn>
-              </a:cxnLst>
-              <a:rect l="0" t="0" r="r" b="b"/>
-              <a:pathLst>
-                <a:path w="19679" h="19679" extrusionOk="0">
-                  <a:moveTo>
-                    <a:pt x="16796" y="2882"/>
-                  </a:moveTo>
-                  <a:cubicBezTo>
-                    <a:pt x="20639" y="6724"/>
-                    <a:pt x="20639" y="12954"/>
-                    <a:pt x="16796" y="16796"/>
-                  </a:cubicBezTo>
-                  <a:cubicBezTo>
-                    <a:pt x="12954" y="20639"/>
-                    <a:pt x="6724" y="20639"/>
-                    <a:pt x="2882" y="16796"/>
-                  </a:cubicBezTo>
-                  <a:cubicBezTo>
-                    <a:pt x="-961" y="12954"/>
-                    <a:pt x="-961" y="6724"/>
-                    <a:pt x="2882" y="2882"/>
-                  </a:cubicBezTo>
-                  <a:cubicBezTo>
-                    <a:pt x="6724" y="-961"/>
-                    <a:pt x="12954" y="-961"/>
-                    <a:pt x="16796" y="2882"/>
-                  </a:cubicBezTo>
-                  <a:close/>
-                </a:path>
-              </a:pathLst>
-            </a:custGeom>
-            <a:solidFill>
-              <a:srgbClr val="325C80"/>
-            </a:solidFill>
-            <a:ln w="3175" cap="flat">
-              <a:noFill/>
-              <a:miter lim="400000"/>
-            </a:ln>
-            <a:effectLst/>
-          </p:spPr>
-          <p:txBody>
-            <a:bodyPr wrap="square" lIns="0" tIns="0" rIns="0" bIns="0" numCol="1" anchor="ctr">
-              <a:noAutofit/>
-            </a:bodyPr>
-            <a:lstStyle/>
-            <a:p>
-              <a:pPr lvl="0">
-                <a:defRPr sz="1800">
-                  <a:solidFill>
-                    <a:srgbClr val="FFFFFF"/>
-                  </a:solidFill>
-                </a:defRPr>
-              </a:pPr>
-              <a:endParaRPr/>
-            </a:p>
-          </p:txBody>
-        </p:sp>
-        <p:pic>
-          <p:nvPicPr>
-            <p:cNvPr id="111" name="_-41.png"/>
-            <p:cNvPicPr/>
-            <p:nvPr/>
-          </p:nvPicPr>
-          <p:blipFill>
-            <a:blip r:embed="rId11">
-              <a:extLst/>
-            </a:blip>
-            <a:srcRect l="21704" t="15445" r="21704" b="15445"/>
-            <a:stretch>
-              <a:fillRect/>
-            </a:stretch>
-          </p:blipFill>
-          <p:spPr>
-            <a:xfrm>
-              <a:off x="712289" y="2169320"/>
-              <a:ext cx="400239" cy="488767"/>
-            </a:xfrm>
-            <a:prstGeom prst="rect">
-              <a:avLst/>
-            </a:prstGeom>
-            <a:ln w="3175" cap="flat">
-              <a:noFill/>
-              <a:miter lim="400000"/>
-            </a:ln>
-            <a:effectLst/>
-          </p:spPr>
-        </p:pic>
-      </p:grpSp>
-      <p:pic>
-        <p:nvPicPr>
-          <p:cNvPr id="84" name="Picture 83"/>
-          <p:cNvPicPr>
-            <a:picLocks noChangeAspect="1"/>
-          </p:cNvPicPr>
-          <p:nvPr/>
-        </p:nvPicPr>
-        <p:blipFill>
-          <a:blip r:embed="rId6"/>
-          <a:stretch>
-            <a:fillRect/>
-          </a:stretch>
-        </p:blipFill>
-        <p:spPr>
-          <a:xfrm>
-            <a:off x="3598330" y="3872651"/>
-            <a:ext cx="831816" cy="524254"/>
-          </a:xfrm>
-          <a:prstGeom prst="rect">
-            <a:avLst/>
-          </a:prstGeom>
-        </p:spPr>
-      </p:pic>
-      <p:cxnSp>
-        <p:nvCxnSpPr>
-          <p:cNvPr id="62" name="Straight Arrow Connector 62"/>
-          <p:cNvCxnSpPr/>
-          <p:nvPr/>
-        </p:nvCxnSpPr>
-        <p:spPr>
-          <a:xfrm flipV="1">
-            <a:off x="4716696" y="2740403"/>
-            <a:ext cx="1184423" cy="1746983"/>
-          </a:xfrm>
-          <a:prstGeom prst="straightConnector1">
-            <a:avLst/>
-          </a:prstGeom>
-          <a:noFill/>
-          <a:ln w="12700" cap="flat" cmpd="sng">
-            <a:solidFill>
-              <a:schemeClr val="bg1">
-                <a:lumMod val="85000"/>
-              </a:schemeClr>
-            </a:solidFill>
-            <a:prstDash val="solid"/>
-            <a:miter lim="400000"/>
-            <a:headEnd type="none"/>
-            <a:tailEnd type="none"/>
-          </a:ln>
-          <a:effectLst/>
-        </p:spPr>
-        <p:style>
-          <a:lnRef idx="0">
-            <a:scrgbClr r="0" g="0" b="0"/>
-          </a:lnRef>
-          <a:fillRef idx="0">
-            <a:scrgbClr r="0" g="0" b="0"/>
-          </a:fillRef>
-          <a:effectRef idx="0">
-            <a:scrgbClr r="0" g="0" b="0"/>
-          </a:effectRef>
-          <a:fontRef idx="none"/>
-        </p:style>
-      </p:cxnSp>
-      <p:cxnSp>
-        <p:nvCxnSpPr>
-          <p:cNvPr id="69" name="Straight Arrow Connector 62"/>
-          <p:cNvCxnSpPr/>
-          <p:nvPr/>
-        </p:nvCxnSpPr>
-        <p:spPr>
-          <a:xfrm>
-            <a:off x="4721985" y="3291017"/>
-            <a:ext cx="1293719" cy="1960616"/>
-          </a:xfrm>
-          <a:prstGeom prst="straightConnector1">
-            <a:avLst/>
-          </a:prstGeom>
-          <a:noFill/>
-          <a:ln w="12700" cap="flat" cmpd="sng">
-            <a:solidFill>
-              <a:schemeClr val="bg1">
-                <a:lumMod val="85000"/>
-              </a:schemeClr>
-            </a:solidFill>
-            <a:prstDash val="solid"/>
-            <a:miter lim="400000"/>
-            <a:headEnd type="none"/>
-            <a:tailEnd type="none"/>
-          </a:ln>
-          <a:effectLst/>
-        </p:spPr>
-        <p:style>
-          <a:lnRef idx="0">
-            <a:scrgbClr r="0" g="0" b="0"/>
-          </a:lnRef>
-          <a:fillRef idx="0">
-            <a:scrgbClr r="0" g="0" b="0"/>
-          </a:fillRef>
-          <a:effectRef idx="0">
-            <a:scrgbClr r="0" g="0" b="0"/>
-          </a:effectRef>
-          <a:fontRef idx="none"/>
-        </p:style>
-      </p:cxnSp>
-      <p:cxnSp>
-        <p:nvCxnSpPr>
-          <p:cNvPr id="71" name="Straight Arrow Connector 62"/>
-          <p:cNvCxnSpPr/>
-          <p:nvPr/>
-        </p:nvCxnSpPr>
-        <p:spPr>
-          <a:xfrm flipV="1">
-            <a:off x="7028812" y="3848006"/>
-            <a:ext cx="1326332" cy="1340694"/>
-          </a:xfrm>
-          <a:prstGeom prst="straightConnector1">
-            <a:avLst/>
-          </a:prstGeom>
-          <a:noFill/>
-          <a:ln w="12700" cap="flat" cmpd="sng">
-            <a:solidFill>
-              <a:schemeClr val="bg1">
-                <a:lumMod val="85000"/>
-              </a:schemeClr>
-            </a:solidFill>
-            <a:prstDash val="solid"/>
-            <a:miter lim="400000"/>
-            <a:headEnd type="none"/>
-            <a:tailEnd type="none"/>
-          </a:ln>
-          <a:effectLst/>
-        </p:spPr>
-        <p:style>
-          <a:lnRef idx="0">
-            <a:scrgbClr r="0" g="0" b="0"/>
-          </a:lnRef>
-          <a:fillRef idx="0">
-            <a:scrgbClr r="0" g="0" b="0"/>
-          </a:fillRef>
-          <a:effectRef idx="0">
-            <a:scrgbClr r="0" g="0" b="0"/>
-          </a:effectRef>
-          <a:fontRef idx="none"/>
-        </p:style>
-      </p:cxnSp>
-      <p:sp>
-        <p:nvSpPr>
-          <p:cNvPr id="73" name="TextBox 72"/>
-          <p:cNvSpPr txBox="1"/>
-          <p:nvPr/>
-        </p:nvSpPr>
-        <p:spPr>
-          <a:xfrm>
-            <a:off x="8258332" y="2971303"/>
-            <a:ext cx="1218324" cy="264013"/>
-          </a:xfrm>
-          <a:prstGeom prst="rect">
-            <a:avLst/>
-          </a:prstGeom>
-          <a:noFill/>
-          <a:ln w="3175" cap="flat">
-            <a:noFill/>
-            <a:miter lim="400000"/>
-          </a:ln>
-          <a:effectLst/>
-        </p:spPr>
-        <p:style>
-          <a:lnRef idx="0">
-            <a:scrgbClr r="0" g="0" b="0"/>
-          </a:lnRef>
-          <a:fillRef idx="0">
-            <a:scrgbClr r="0" g="0" b="0"/>
-          </a:fillRef>
-          <a:effectRef idx="0">
-            <a:scrgbClr r="0" g="0" b="0"/>
-          </a:effectRef>
-          <a:fontRef idx="none"/>
-        </p:style>
-        <p:txBody>
-          <a:bodyPr rot="0" spcFirstLastPara="1" vertOverflow="overflow" horzOverflow="overflow" vert="horz" wrap="square" lIns="39290" tIns="39290" rIns="39290" bIns="39290" numCol="1" spcCol="38100" rtlCol="0" anchor="ctr">
-            <a:spAutoFit/>
-          </a:bodyPr>
-          <a:lstStyle/>
-          <a:p>
-            <a:pPr marL="0" marR="0" indent="0" defTabSz="584200" rtl="0" fontAlgn="auto" latinLnBrk="1" hangingPunct="0">
-              <a:lnSpc>
-                <a:spcPct val="100000"/>
-              </a:lnSpc>
-              <a:spcBef>
-                <a:spcPts val="0"/>
-              </a:spcBef>
-              <a:spcAft>
-                <a:spcPts val="0"/>
-              </a:spcAft>
-              <a:buClrTx/>
-              <a:buSzTx/>
-              <a:buFontTx/>
-              <a:buNone/>
-              <a:tabLst/>
-            </a:pPr>
-            <a:r>
-              <a:rPr kumimoji="0" lang="en-US" sz="1200" b="0" i="0" u="none" strike="noStrike" cap="none" spc="0" normalizeH="0" baseline="0" dirty="0" smtClean="0">
-                <a:ln>
-                  <a:noFill/>
-                </a:ln>
-                <a:solidFill>
-                  <a:srgbClr val="000000"/>
-                </a:solidFill>
-                <a:effectLst/>
-                <a:uFillTx/>
-                <a:latin typeface="Arial"/>
-                <a:ea typeface="+mn-ea"/>
-                <a:cs typeface="Arial"/>
-                <a:sym typeface="Helvetica Light"/>
-              </a:rPr>
-              <a:t>Db2</a:t>
-            </a:r>
-            <a:endParaRPr kumimoji="0" lang="en-US" sz="1200" b="0" i="0" u="none" strike="noStrike" cap="none" spc="0" normalizeH="0" baseline="0" dirty="0">
-              <a:ln>
-                <a:noFill/>
-              </a:ln>
-              <a:solidFill>
-                <a:srgbClr val="000000"/>
-              </a:solidFill>
-              <a:effectLst/>
-              <a:uFillTx/>
-              <a:latin typeface="Arial"/>
-              <a:ea typeface="+mn-ea"/>
-              <a:cs typeface="Arial"/>
-              <a:sym typeface="Helvetica Light"/>
-            </a:endParaRPr>
-          </a:p>
-        </p:txBody>
-      </p:sp>
-      <p:cxnSp>
-        <p:nvCxnSpPr>
-          <p:cNvPr id="75" name="Straight Arrow Connector 62"/>
-          <p:cNvCxnSpPr/>
-          <p:nvPr/>
-        </p:nvCxnSpPr>
-        <p:spPr>
-          <a:xfrm flipV="1">
-            <a:off x="6866483" y="2644908"/>
-            <a:ext cx="1469564" cy="3915"/>
-          </a:xfrm>
-          <a:prstGeom prst="straightConnector1">
-            <a:avLst/>
-          </a:prstGeom>
-          <a:noFill/>
-          <a:ln w="12700" cap="flat" cmpd="sng">
-            <a:solidFill>
-              <a:schemeClr val="bg1">
-                <a:lumMod val="85000"/>
-              </a:schemeClr>
-            </a:solidFill>
-            <a:prstDash val="solid"/>
-            <a:miter lim="400000"/>
-            <a:headEnd type="none"/>
-            <a:tailEnd type="none"/>
-          </a:ln>
-          <a:effectLst/>
-        </p:spPr>
-        <p:style>
-          <a:lnRef idx="0">
-            <a:scrgbClr r="0" g="0" b="0"/>
-          </a:lnRef>
-          <a:fillRef idx="0">
-            <a:scrgbClr r="0" g="0" b="0"/>
-          </a:fillRef>
-          <a:effectRef idx="0">
-            <a:scrgbClr r="0" g="0" b="0"/>
-          </a:effectRef>
-          <a:fontRef idx="none"/>
-        </p:style>
-      </p:cxnSp>
-      <p:pic>
-        <p:nvPicPr>
-          <p:cNvPr id="23" name="Picture 22"/>
-          <p:cNvPicPr>
-            <a:picLocks noChangeAspect="1"/>
-          </p:cNvPicPr>
-          <p:nvPr/>
-        </p:nvPicPr>
-        <p:blipFill>
-          <a:blip r:embed="rId12"/>
-          <a:stretch>
-            <a:fillRect/>
-          </a:stretch>
-        </p:blipFill>
-        <p:spPr>
-          <a:xfrm>
-            <a:off x="8158781" y="6490511"/>
-            <a:ext cx="635000" cy="635000"/>
-          </a:xfrm>
-          <a:prstGeom prst="rect">
-            <a:avLst/>
-          </a:prstGeom>
-        </p:spPr>
-      </p:pic>
-      <p:sp>
-        <p:nvSpPr>
-          <p:cNvPr id="87" name="TextBox 86"/>
-          <p:cNvSpPr txBox="1"/>
-          <p:nvPr/>
-        </p:nvSpPr>
-        <p:spPr>
-          <a:xfrm>
-            <a:off x="7875609" y="7191001"/>
-            <a:ext cx="1218324" cy="264013"/>
-          </a:xfrm>
-          <a:prstGeom prst="rect">
-            <a:avLst/>
-          </a:prstGeom>
-          <a:noFill/>
-          <a:ln w="3175" cap="flat">
-            <a:noFill/>
-            <a:miter lim="400000"/>
-          </a:ln>
-          <a:effectLst/>
-        </p:spPr>
-        <p:style>
-          <a:lnRef idx="0">
-            <a:scrgbClr r="0" g="0" b="0"/>
-          </a:lnRef>
-          <a:fillRef idx="0">
-            <a:scrgbClr r="0" g="0" b="0"/>
-          </a:fillRef>
-          <a:effectRef idx="0">
-            <a:scrgbClr r="0" g="0" b="0"/>
-          </a:effectRef>
-          <a:fontRef idx="none"/>
-        </p:style>
-        <p:txBody>
-          <a:bodyPr rot="0" spcFirstLastPara="1" vertOverflow="overflow" horzOverflow="overflow" vert="horz" wrap="square" lIns="39290" tIns="39290" rIns="39290" bIns="39290" numCol="1" spcCol="38100" rtlCol="0" anchor="ctr">
-            <a:spAutoFit/>
-          </a:bodyPr>
-          <a:lstStyle/>
-          <a:p>
-            <a:pPr marL="0" marR="0" indent="0" defTabSz="584200" rtl="0" fontAlgn="auto" latinLnBrk="1" hangingPunct="0">
-              <a:lnSpc>
-                <a:spcPct val="100000"/>
-              </a:lnSpc>
-              <a:spcBef>
-                <a:spcPts val="0"/>
-              </a:spcBef>
-              <a:spcAft>
-                <a:spcPts val="0"/>
-              </a:spcAft>
-              <a:buClrTx/>
-              <a:buSzTx/>
-              <a:buFontTx/>
-              <a:buNone/>
-              <a:tabLst/>
-            </a:pPr>
-            <a:r>
-              <a:rPr kumimoji="0" lang="en-US" sz="1200" b="0" i="0" u="none" strike="noStrike" cap="none" spc="0" normalizeH="0" baseline="0" dirty="0" smtClean="0">
-                <a:ln>
-                  <a:noFill/>
-                </a:ln>
-                <a:solidFill>
-                  <a:srgbClr val="000000"/>
-                </a:solidFill>
-                <a:effectLst/>
-                <a:uFillTx/>
-                <a:latin typeface="Arial"/>
-                <a:ea typeface="+mn-ea"/>
-                <a:cs typeface="Arial"/>
-                <a:sym typeface="Helvetica Light"/>
-              </a:rPr>
-              <a:t>App ID</a:t>
-            </a:r>
-            <a:endParaRPr kumimoji="0" lang="en-US" sz="1200" b="0" i="0" u="none" strike="noStrike" cap="none" spc="0" normalizeH="0" baseline="0" dirty="0">
-              <a:ln>
-                <a:noFill/>
-              </a:ln>
-              <a:solidFill>
-                <a:srgbClr val="000000"/>
-              </a:solidFill>
-              <a:effectLst/>
-              <a:uFillTx/>
-              <a:latin typeface="Arial"/>
-              <a:ea typeface="+mn-ea"/>
-              <a:cs typeface="Arial"/>
-              <a:sym typeface="Helvetica Light"/>
-            </a:endParaRPr>
-          </a:p>
-        </p:txBody>
-      </p:sp>
-      <p:pic>
-        <p:nvPicPr>
-          <p:cNvPr id="24" name="Picture 23"/>
-          <p:cNvPicPr>
-            <a:picLocks noChangeAspect="1"/>
-          </p:cNvPicPr>
-          <p:nvPr/>
-        </p:nvPicPr>
-        <p:blipFill>
-          <a:blip r:embed="rId13"/>
-          <a:stretch>
-            <a:fillRect/>
-          </a:stretch>
-        </p:blipFill>
-        <p:spPr>
-          <a:xfrm>
-            <a:off x="9082061" y="6468451"/>
-            <a:ext cx="705394" cy="705394"/>
-          </a:xfrm>
-          <a:prstGeom prst="rect">
-            <a:avLst/>
-          </a:prstGeom>
-        </p:spPr>
-      </p:pic>
-      <p:pic>
-        <p:nvPicPr>
-          <p:cNvPr id="89" name="Picture 88"/>
-          <p:cNvPicPr>
-            <a:picLocks noChangeAspect="1"/>
-          </p:cNvPicPr>
-          <p:nvPr/>
-        </p:nvPicPr>
-        <p:blipFill>
-          <a:blip r:embed="rId14"/>
-          <a:stretch>
-            <a:fillRect/>
-          </a:stretch>
-        </p:blipFill>
-        <p:spPr>
-          <a:xfrm>
-            <a:off x="8068332" y="5037466"/>
-            <a:ext cx="611121" cy="689234"/>
-          </a:xfrm>
-          <a:prstGeom prst="rect">
-            <a:avLst/>
-          </a:prstGeom>
-        </p:spPr>
-      </p:pic>
-      <p:sp>
-        <p:nvSpPr>
-          <p:cNvPr id="90" name="TextBox 89"/>
-          <p:cNvSpPr txBox="1"/>
-          <p:nvPr/>
-        </p:nvSpPr>
-        <p:spPr>
-          <a:xfrm>
-            <a:off x="7944199" y="5854974"/>
-            <a:ext cx="911439" cy="264013"/>
-          </a:xfrm>
-          <a:prstGeom prst="rect">
-            <a:avLst/>
-          </a:prstGeom>
-          <a:noFill/>
-          <a:ln w="3175" cap="flat">
-            <a:noFill/>
-            <a:miter lim="400000"/>
-          </a:ln>
-          <a:effectLst/>
-        </p:spPr>
-        <p:style>
-          <a:lnRef idx="0">
-            <a:scrgbClr r="0" g="0" b="0"/>
-          </a:lnRef>
-          <a:fillRef idx="0">
-            <a:scrgbClr r="0" g="0" b="0"/>
-          </a:fillRef>
-          <a:effectRef idx="0">
-            <a:scrgbClr r="0" g="0" b="0"/>
-          </a:effectRef>
-          <a:fontRef idx="none"/>
-        </p:style>
-        <p:txBody>
-          <a:bodyPr rot="0" spcFirstLastPara="1" vertOverflow="overflow" horzOverflow="overflow" vert="horz" wrap="square" lIns="39290" tIns="39290" rIns="39290" bIns="39290" numCol="1" spcCol="38100" rtlCol="0" anchor="ctr">
-            <a:spAutoFit/>
-          </a:bodyPr>
-          <a:lstStyle/>
-          <a:p>
-            <a:pPr marL="0" marR="0" indent="0" defTabSz="584200" rtl="0" fontAlgn="auto" latinLnBrk="1" hangingPunct="0">
-              <a:lnSpc>
-                <a:spcPct val="100000"/>
-              </a:lnSpc>
-              <a:spcBef>
-                <a:spcPts val="0"/>
-              </a:spcBef>
-              <a:spcAft>
-                <a:spcPts val="0"/>
-              </a:spcAft>
-              <a:buClrTx/>
-              <a:buSzTx/>
-              <a:buFontTx/>
-              <a:buNone/>
-              <a:tabLst/>
-            </a:pPr>
-            <a:r>
-              <a:rPr kumimoji="0" lang="en-US" sz="1200" b="0" i="0" u="none" strike="noStrike" cap="none" spc="0" normalizeH="0" baseline="0" dirty="0" smtClean="0">
-                <a:ln>
-                  <a:noFill/>
-                </a:ln>
-                <a:solidFill>
-                  <a:srgbClr val="000000"/>
-                </a:solidFill>
-                <a:effectLst/>
-                <a:uFillTx/>
-                <a:latin typeface="Arial"/>
-                <a:ea typeface="+mn-ea"/>
-                <a:cs typeface="Arial"/>
-                <a:sym typeface="Helvetica Light"/>
-              </a:rPr>
-              <a:t>LogDNA</a:t>
-            </a:r>
-            <a:endParaRPr kumimoji="0" lang="en-US" sz="1200" b="0" i="0" u="none" strike="noStrike" cap="none" spc="0" normalizeH="0" baseline="0" dirty="0">
-              <a:ln>
-                <a:noFill/>
-              </a:ln>
-              <a:solidFill>
-                <a:srgbClr val="000000"/>
-              </a:solidFill>
-              <a:effectLst/>
-              <a:uFillTx/>
-              <a:latin typeface="Arial"/>
-              <a:ea typeface="+mn-ea"/>
-              <a:cs typeface="Arial"/>
-              <a:sym typeface="Helvetica Light"/>
-            </a:endParaRPr>
-          </a:p>
-        </p:txBody>
-      </p:sp>
-      <p:pic>
-        <p:nvPicPr>
-          <p:cNvPr id="91" name="Picture 90"/>
-          <p:cNvPicPr>
-            <a:picLocks noChangeAspect="1"/>
-          </p:cNvPicPr>
-          <p:nvPr/>
-        </p:nvPicPr>
-        <p:blipFill>
-          <a:blip r:embed="rId15"/>
-          <a:stretch>
-            <a:fillRect/>
-          </a:stretch>
-        </p:blipFill>
-        <p:spPr>
-          <a:xfrm>
-            <a:off x="9039312" y="5032005"/>
-            <a:ext cx="732887" cy="732887"/>
-          </a:xfrm>
-          <a:prstGeom prst="rect">
-            <a:avLst/>
-          </a:prstGeom>
-        </p:spPr>
-      </p:pic>
-      <p:sp>
-        <p:nvSpPr>
-          <p:cNvPr id="93" name="TextBox 92"/>
-          <p:cNvSpPr txBox="1"/>
-          <p:nvPr/>
-        </p:nvSpPr>
-        <p:spPr>
-          <a:xfrm>
-            <a:off x="8964209" y="5845050"/>
-            <a:ext cx="995122" cy="264013"/>
-          </a:xfrm>
-          <a:prstGeom prst="rect">
-            <a:avLst/>
-          </a:prstGeom>
-          <a:noFill/>
-          <a:ln w="3175" cap="flat">
-            <a:noFill/>
-            <a:miter lim="400000"/>
-          </a:ln>
-          <a:effectLst/>
-        </p:spPr>
-        <p:style>
-          <a:lnRef idx="0">
-            <a:scrgbClr r="0" g="0" b="0"/>
-          </a:lnRef>
-          <a:fillRef idx="0">
-            <a:scrgbClr r="0" g="0" b="0"/>
-          </a:fillRef>
-          <a:effectRef idx="0">
-            <a:scrgbClr r="0" g="0" b="0"/>
-          </a:effectRef>
-          <a:fontRef idx="none"/>
-        </p:style>
-        <p:txBody>
-          <a:bodyPr rot="0" spcFirstLastPara="1" vertOverflow="overflow" horzOverflow="overflow" vert="horz" wrap="square" lIns="39290" tIns="39290" rIns="39290" bIns="39290" numCol="1" spcCol="38100" rtlCol="0" anchor="ctr">
-            <a:spAutoFit/>
-          </a:bodyPr>
-          <a:lstStyle/>
-          <a:p>
-            <a:pPr marL="0" marR="0" indent="0" defTabSz="584200" rtl="0" fontAlgn="auto" latinLnBrk="1" hangingPunct="0">
-              <a:lnSpc>
-                <a:spcPct val="100000"/>
-              </a:lnSpc>
-              <a:spcBef>
-                <a:spcPts val="0"/>
-              </a:spcBef>
-              <a:spcAft>
-                <a:spcPts val="0"/>
-              </a:spcAft>
-              <a:buClrTx/>
-              <a:buSzTx/>
-              <a:buFontTx/>
-              <a:buNone/>
-              <a:tabLst/>
-            </a:pPr>
-            <a:r>
-              <a:rPr kumimoji="0" lang="en-US" sz="1200" b="0" i="0" u="none" strike="noStrike" cap="none" spc="0" normalizeH="0" baseline="0" dirty="0" smtClean="0">
-                <a:ln>
-                  <a:noFill/>
-                </a:ln>
-                <a:solidFill>
-                  <a:srgbClr val="000000"/>
-                </a:solidFill>
-                <a:effectLst/>
-                <a:uFillTx/>
-                <a:latin typeface="Arial"/>
-                <a:ea typeface="+mn-ea"/>
-                <a:cs typeface="Arial"/>
-                <a:sym typeface="Helvetica Light"/>
-              </a:rPr>
-              <a:t>Sysdig</a:t>
-            </a:r>
-            <a:endParaRPr kumimoji="0" lang="en-US" sz="1200" b="0" i="0" u="none" strike="noStrike" cap="none" spc="0" normalizeH="0" baseline="0" dirty="0">
-              <a:ln>
-                <a:noFill/>
-              </a:ln>
-              <a:solidFill>
-                <a:srgbClr val="000000"/>
-              </a:solidFill>
-              <a:effectLst/>
-              <a:uFillTx/>
-              <a:latin typeface="Arial"/>
-              <a:ea typeface="+mn-ea"/>
-              <a:cs typeface="Arial"/>
-              <a:sym typeface="Helvetica Light"/>
-            </a:endParaRPr>
-          </a:p>
-        </p:txBody>
-      </p:sp>
-      <p:sp>
-        <p:nvSpPr>
-          <p:cNvPr id="94" name="TextBox 93"/>
-          <p:cNvSpPr txBox="1"/>
-          <p:nvPr/>
-        </p:nvSpPr>
-        <p:spPr>
-          <a:xfrm>
-            <a:off x="9052201" y="7209725"/>
-            <a:ext cx="862543" cy="264013"/>
-          </a:xfrm>
-          <a:prstGeom prst="rect">
-            <a:avLst/>
-          </a:prstGeom>
-          <a:noFill/>
-          <a:ln w="3175" cap="flat">
-            <a:noFill/>
-            <a:miter lim="400000"/>
-          </a:ln>
-          <a:effectLst/>
-        </p:spPr>
-        <p:style>
-          <a:lnRef idx="0">
-            <a:scrgbClr r="0" g="0" b="0"/>
-          </a:lnRef>
-          <a:fillRef idx="0">
-            <a:scrgbClr r="0" g="0" b="0"/>
-          </a:fillRef>
-          <a:effectRef idx="0">
-            <a:scrgbClr r="0" g="0" b="0"/>
-          </a:effectRef>
-          <a:fontRef idx="none"/>
-        </p:style>
-        <p:txBody>
-          <a:bodyPr rot="0" spcFirstLastPara="1" vertOverflow="overflow" horzOverflow="overflow" vert="horz" wrap="square" lIns="39290" tIns="39290" rIns="39290" bIns="39290" numCol="1" spcCol="38100" rtlCol="0" anchor="ctr">
-            <a:spAutoFit/>
-          </a:bodyPr>
-          <a:lstStyle/>
-          <a:p>
-            <a:pPr marL="0" marR="0" indent="0" defTabSz="584200" rtl="0" fontAlgn="auto" latinLnBrk="1" hangingPunct="0">
-              <a:lnSpc>
-                <a:spcPct val="100000"/>
-              </a:lnSpc>
-              <a:spcBef>
-                <a:spcPts val="0"/>
-              </a:spcBef>
-              <a:spcAft>
-                <a:spcPts val="0"/>
-              </a:spcAft>
-              <a:buClrTx/>
-              <a:buSzTx/>
-              <a:buFontTx/>
-              <a:buNone/>
-              <a:tabLst/>
-            </a:pPr>
-            <a:r>
-              <a:rPr kumimoji="0" lang="en-US" sz="1200" b="0" i="0" u="none" strike="noStrike" cap="none" spc="0" normalizeH="0" baseline="0" dirty="0" smtClean="0">
-                <a:ln>
-                  <a:noFill/>
-                </a:ln>
-                <a:solidFill>
-                  <a:srgbClr val="000000"/>
-                </a:solidFill>
-                <a:effectLst/>
-                <a:uFillTx/>
-                <a:latin typeface="Arial"/>
-                <a:ea typeface="+mn-ea"/>
-                <a:cs typeface="Arial"/>
-                <a:sym typeface="Helvetica Light"/>
-              </a:rPr>
-              <a:t>Registry</a:t>
-            </a:r>
-            <a:endParaRPr kumimoji="0" lang="en-US" sz="1200" b="0" i="0" u="none" strike="noStrike" cap="none" spc="0" normalizeH="0" baseline="0" dirty="0">
-              <a:ln>
-                <a:noFill/>
-              </a:ln>
-              <a:solidFill>
-                <a:srgbClr val="000000"/>
-              </a:solidFill>
-              <a:effectLst/>
-              <a:uFillTx/>
-              <a:latin typeface="Arial"/>
-              <a:ea typeface="+mn-ea"/>
-              <a:cs typeface="Arial"/>
-              <a:sym typeface="Helvetica Light"/>
-            </a:endParaRPr>
-          </a:p>
-        </p:txBody>
-      </p:sp>
-      <p:pic>
-        <p:nvPicPr>
-          <p:cNvPr id="2" name="Picture 1"/>
-          <p:cNvPicPr>
-            <a:picLocks noChangeAspect="1"/>
-          </p:cNvPicPr>
-          <p:nvPr/>
-        </p:nvPicPr>
-        <p:blipFill>
-          <a:blip r:embed="rId16"/>
-          <a:stretch>
-            <a:fillRect/>
-          </a:stretch>
-        </p:blipFill>
-        <p:spPr>
-          <a:xfrm>
-            <a:off x="8388836" y="2232741"/>
-            <a:ext cx="911471" cy="764459"/>
-          </a:xfrm>
-          <a:prstGeom prst="rect">
-            <a:avLst/>
-          </a:prstGeom>
-        </p:spPr>
-      </p:pic>
-    </p:spTree>
-    <p:extLst>
-      <p:ext uri="{BB962C8B-B14F-4D97-AF65-F5344CB8AC3E}">
-        <p14:creationId xmlns:p14="http://schemas.microsoft.com/office/powerpoint/2010/main" val="1318753979"/>
-      </p:ext>
-    </p:extLst>
-  </p:cSld>
-  <p:clrMapOvr>
-    <a:masterClrMapping/>
-  </p:clrMapOvr>
-  <p:transition xmlns:p14="http://schemas.microsoft.com/office/powerpoint/2010/main" spd="med"/>
-</p:sld>
-</file>
-
-<file path=ppt/slides/slide2.xml><?xml version="1.0" encoding="utf-8"?>
-<p:sld xmlns:a="http://schemas.openxmlformats.org/drawingml/2006/main" xmlns:r="http://schemas.openxmlformats.org/officeDocument/2006/relationships" xmlns:p="http://schemas.openxmlformats.org/presentationml/2006/main">
-  <p:cSld>
-    <p:spTree>
-      <p:nvGrpSpPr>
-        <p:cNvPr id="1" name=""/>
-        <p:cNvGrpSpPr/>
-        <p:nvPr/>
-      </p:nvGrpSpPr>
-      <p:grpSpPr>
-        <a:xfrm>
-          <a:off x="0" y="0"/>
-          <a:ext cx="0" cy="0"/>
-          <a:chOff x="0" y="0"/>
-          <a:chExt cx="0" cy="0"/>
-        </a:xfrm>
-      </p:grpSpPr>
-      <p:sp>
-        <p:nvSpPr>
-          <p:cNvPr id="148" name="Shape 62"/>
-          <p:cNvSpPr/>
-          <p:nvPr/>
-        </p:nvSpPr>
-        <p:spPr>
-          <a:xfrm flipV="1">
-            <a:off x="1848138" y="1515657"/>
-            <a:ext cx="0" cy="6140887"/>
-          </a:xfrm>
-          <a:prstGeom prst="line">
-            <a:avLst/>
-          </a:prstGeom>
-          <a:ln w="25400">
-            <a:solidFill>
-              <a:schemeClr val="bg1">
-                <a:lumMod val="85000"/>
-              </a:schemeClr>
-            </a:solidFill>
-            <a:miter lim="400000"/>
-          </a:ln>
-        </p:spPr>
-        <p:txBody>
-          <a:bodyPr lIns="0" tIns="0" rIns="0" bIns="0" anchor="ctr"/>
-          <a:lstStyle/>
-          <a:p>
-            <a:pPr lvl="0">
-              <a:defRPr sz="1800"/>
-            </a:pPr>
-            <a:endParaRPr/>
-          </a:p>
-        </p:txBody>
-      </p:sp>
-      <p:pic>
-        <p:nvPicPr>
-          <p:cNvPr id="166" name="Picture 165"/>
-          <p:cNvPicPr>
-            <a:picLocks noChangeAspect="1"/>
-          </p:cNvPicPr>
-          <p:nvPr/>
-        </p:nvPicPr>
-        <p:blipFill>
-          <a:blip r:embed="rId2"/>
-          <a:stretch>
-            <a:fillRect/>
-          </a:stretch>
-        </p:blipFill>
-        <p:spPr>
-          <a:xfrm>
-            <a:off x="8818459" y="141370"/>
-            <a:ext cx="1098574" cy="996165"/>
-          </a:xfrm>
-          <a:prstGeom prst="rect">
-            <a:avLst/>
-          </a:prstGeom>
-        </p:spPr>
-      </p:pic>
-      <p:sp>
-        <p:nvSpPr>
-          <p:cNvPr id="210" name="Shape 64"/>
-          <p:cNvSpPr/>
-          <p:nvPr/>
-        </p:nvSpPr>
-        <p:spPr>
-          <a:xfrm>
-            <a:off x="1979114" y="1581191"/>
-            <a:ext cx="2074887" cy="246221"/>
-          </a:xfrm>
-          <a:prstGeom prst="rect">
-            <a:avLst/>
-          </a:prstGeom>
-          <a:ln w="3175">
-            <a:miter lim="400000"/>
-          </a:ln>
-          <a:extLst>
-            <a:ext uri="{C572A759-6A51-4108-AA02-DFA0A04FC94B}">
-              <ma14:wrappingTextBoxFlag xmlns:ma14="http://schemas.microsoft.com/office/mac/drawingml/2011/main" val="1"/>
-            </a:ext>
-          </a:extLst>
-        </p:spPr>
-        <p:txBody>
-          <a:bodyPr wrap="none" lIns="0" tIns="0" rIns="0" bIns="0">
-            <a:spAutoFit/>
-          </a:bodyPr>
-          <a:lstStyle>
-            <a:lvl1pPr algn="l">
-              <a:defRPr sz="1000" b="1">
-                <a:solidFill>
-                  <a:srgbClr val="4277BB"/>
-                </a:solidFill>
-                <a:latin typeface="Helvetica"/>
-                <a:ea typeface="Helvetica"/>
-                <a:cs typeface="Helvetica"/>
-                <a:sym typeface="Helvetica"/>
-              </a:defRPr>
-            </a:lvl1pPr>
-          </a:lstStyle>
-          <a:p>
-            <a:pPr lvl="0">
-              <a:defRPr sz="1800" b="0">
-                <a:solidFill>
-                  <a:srgbClr val="000000"/>
-                </a:solidFill>
-              </a:defRPr>
-            </a:pPr>
-            <a:r>
-              <a:rPr lang="de-DE" sz="1600" b="1" dirty="0" smtClean="0">
-                <a:solidFill>
-                  <a:srgbClr val="000000"/>
-                </a:solidFill>
-                <a:latin typeface="Arial"/>
-                <a:cs typeface="Arial"/>
-              </a:rPr>
-              <a:t>Kubernetes with Istio</a:t>
-            </a:r>
-            <a:endParaRPr sz="1600" dirty="0">
-              <a:solidFill>
-                <a:srgbClr val="000000"/>
-              </a:solidFill>
-              <a:latin typeface="Arial"/>
-              <a:cs typeface="Arial"/>
-            </a:endParaRPr>
-          </a:p>
-        </p:txBody>
-      </p:sp>
-      <p:pic>
-        <p:nvPicPr>
-          <p:cNvPr id="211" name="Picture 210"/>
-          <p:cNvPicPr>
-            <a:picLocks noChangeAspect="1"/>
-          </p:cNvPicPr>
-          <p:nvPr/>
-        </p:nvPicPr>
-        <p:blipFill>
-          <a:blip r:embed="rId3"/>
-          <a:stretch>
-            <a:fillRect/>
-          </a:stretch>
-        </p:blipFill>
-        <p:spPr>
-          <a:xfrm>
-            <a:off x="560056" y="3547212"/>
-            <a:ext cx="803034" cy="701972"/>
-          </a:xfrm>
-          <a:prstGeom prst="rect">
-            <a:avLst/>
-          </a:prstGeom>
-        </p:spPr>
-      </p:pic>
-      <p:sp>
-        <p:nvSpPr>
-          <p:cNvPr id="212" name="TextBox 211"/>
-          <p:cNvSpPr txBox="1"/>
-          <p:nvPr/>
-        </p:nvSpPr>
-        <p:spPr>
-          <a:xfrm>
-            <a:off x="375641" y="4256933"/>
-            <a:ext cx="1181319" cy="264013"/>
-          </a:xfrm>
-          <a:prstGeom prst="rect">
-            <a:avLst/>
-          </a:prstGeom>
-          <a:noFill/>
-          <a:ln w="3175" cap="flat">
-            <a:noFill/>
-            <a:miter lim="400000"/>
-          </a:ln>
-          <a:effectLst/>
-        </p:spPr>
-        <p:style>
-          <a:lnRef idx="0">
-            <a:scrgbClr r="0" g="0" b="0"/>
-          </a:lnRef>
-          <a:fillRef idx="0">
-            <a:scrgbClr r="0" g="0" b="0"/>
-          </a:fillRef>
-          <a:effectRef idx="0">
-            <a:scrgbClr r="0" g="0" b="0"/>
-          </a:effectRef>
-          <a:fontRef idx="none"/>
-        </p:style>
-        <p:txBody>
-          <a:bodyPr rot="0" spcFirstLastPara="1" vertOverflow="overflow" horzOverflow="overflow" vert="horz" wrap="square" lIns="39290" tIns="39290" rIns="39290" bIns="39290" numCol="1" spcCol="38100" rtlCol="0" anchor="ctr">
-            <a:spAutoFit/>
-          </a:bodyPr>
-          <a:lstStyle/>
-          <a:p>
-            <a:pPr marL="0" marR="0" indent="0" defTabSz="584200" rtl="0" fontAlgn="auto" latinLnBrk="1" hangingPunct="0">
-              <a:lnSpc>
-                <a:spcPct val="100000"/>
-              </a:lnSpc>
-              <a:spcBef>
-                <a:spcPts val="0"/>
-              </a:spcBef>
-              <a:spcAft>
-                <a:spcPts val="0"/>
-              </a:spcAft>
-              <a:buClrTx/>
-              <a:buSzTx/>
-              <a:buFontTx/>
-              <a:buNone/>
-              <a:tabLst/>
-            </a:pPr>
-            <a:r>
-              <a:rPr lang="en-US" sz="1200" dirty="0" smtClean="0">
-                <a:solidFill>
-                  <a:srgbClr val="000000"/>
-                </a:solidFill>
-                <a:latin typeface="Arial"/>
-                <a:cs typeface="Arial"/>
-              </a:rPr>
-              <a:t>Web App</a:t>
-            </a:r>
-            <a:endParaRPr kumimoji="0" lang="en-US" sz="1200" b="0" i="0" u="none" strike="noStrike" cap="none" spc="0" normalizeH="0" baseline="0" dirty="0">
-              <a:ln>
-                <a:noFill/>
-              </a:ln>
-              <a:solidFill>
-                <a:srgbClr val="000000"/>
-              </a:solidFill>
-              <a:effectLst/>
-              <a:uFillTx/>
-              <a:latin typeface="Arial"/>
-              <a:ea typeface="+mn-ea"/>
-              <a:cs typeface="Arial"/>
-              <a:sym typeface="Helvetica Light"/>
-            </a:endParaRPr>
-          </a:p>
-        </p:txBody>
-      </p:sp>
-      <p:pic>
-        <p:nvPicPr>
-          <p:cNvPr id="216" name="Picture 215"/>
-          <p:cNvPicPr>
-            <a:picLocks noChangeAspect="1"/>
-          </p:cNvPicPr>
-          <p:nvPr/>
-        </p:nvPicPr>
-        <p:blipFill>
-          <a:blip r:embed="rId4"/>
-          <a:stretch>
-            <a:fillRect/>
-          </a:stretch>
-        </p:blipFill>
-        <p:spPr>
-          <a:xfrm>
-            <a:off x="3878234" y="2787325"/>
-            <a:ext cx="819405" cy="786629"/>
-          </a:xfrm>
-          <a:prstGeom prst="rect">
-            <a:avLst/>
-          </a:prstGeom>
-        </p:spPr>
-      </p:pic>
-      <p:cxnSp>
-        <p:nvCxnSpPr>
-          <p:cNvPr id="223" name="Straight Arrow Connector 62"/>
-          <p:cNvCxnSpPr/>
-          <p:nvPr/>
-        </p:nvCxnSpPr>
-        <p:spPr>
-          <a:xfrm flipV="1">
-            <a:off x="4745722" y="2664016"/>
-            <a:ext cx="1184043" cy="525162"/>
-          </a:xfrm>
-          <a:prstGeom prst="straightConnector1">
-            <a:avLst/>
-          </a:prstGeom>
-          <a:noFill/>
-          <a:ln w="12700" cap="flat" cmpd="sng">
-            <a:solidFill>
-              <a:schemeClr val="bg1">
-                <a:lumMod val="85000"/>
-              </a:schemeClr>
-            </a:solidFill>
-            <a:prstDash val="solid"/>
-            <a:miter lim="400000"/>
-            <a:headEnd type="none"/>
-            <a:tailEnd type="none"/>
-          </a:ln>
-          <a:effectLst/>
-        </p:spPr>
-        <p:style>
-          <a:lnRef idx="0">
-            <a:scrgbClr r="0" g="0" b="0"/>
-          </a:lnRef>
-          <a:fillRef idx="0">
-            <a:scrgbClr r="0" g="0" b="0"/>
-          </a:fillRef>
-          <a:effectRef idx="0">
-            <a:scrgbClr r="0" g="0" b="0"/>
-          </a:effectRef>
-          <a:fontRef idx="none"/>
-        </p:style>
-      </p:cxnSp>
-      <p:cxnSp>
-        <p:nvCxnSpPr>
-          <p:cNvPr id="229" name="Straight Arrow Connector 62"/>
-          <p:cNvCxnSpPr/>
-          <p:nvPr/>
-        </p:nvCxnSpPr>
-        <p:spPr>
-          <a:xfrm flipV="1">
-            <a:off x="1376340" y="3928682"/>
-            <a:ext cx="660501" cy="1"/>
-          </a:xfrm>
-          <a:prstGeom prst="straightConnector1">
-            <a:avLst/>
-          </a:prstGeom>
-          <a:noFill/>
-          <a:ln w="12700" cap="flat" cmpd="sng">
-            <a:solidFill>
-              <a:schemeClr val="bg1">
-                <a:lumMod val="85000"/>
-              </a:schemeClr>
-            </a:solidFill>
-            <a:prstDash val="solid"/>
-            <a:miter lim="400000"/>
-            <a:headEnd type="none"/>
-            <a:tailEnd type="none"/>
-          </a:ln>
-          <a:effectLst/>
-        </p:spPr>
-        <p:style>
-          <a:lnRef idx="0">
-            <a:scrgbClr r="0" g="0" b="0"/>
-          </a:lnRef>
-          <a:fillRef idx="0">
-            <a:scrgbClr r="0" g="0" b="0"/>
-          </a:fillRef>
-          <a:effectRef idx="0">
-            <a:scrgbClr r="0" g="0" b="0"/>
-          </a:effectRef>
-          <a:fontRef idx="none"/>
-        </p:style>
-      </p:cxnSp>
-      <p:sp>
-        <p:nvSpPr>
-          <p:cNvPr id="57" name="Shape 64"/>
-          <p:cNvSpPr/>
-          <p:nvPr/>
-        </p:nvSpPr>
-        <p:spPr>
-          <a:xfrm>
-            <a:off x="194764" y="1600241"/>
-            <a:ext cx="821038" cy="246221"/>
-          </a:xfrm>
-          <a:prstGeom prst="rect">
-            <a:avLst/>
-          </a:prstGeom>
-          <a:ln w="3175">
-            <a:miter lim="400000"/>
-          </a:ln>
-          <a:extLst>
-            <a:ext uri="{C572A759-6A51-4108-AA02-DFA0A04FC94B}">
-              <ma14:wrappingTextBoxFlag xmlns:ma14="http://schemas.microsoft.com/office/mac/drawingml/2011/main" val="1"/>
-            </a:ext>
-          </a:extLst>
-        </p:spPr>
-        <p:txBody>
-          <a:bodyPr wrap="none" lIns="0" tIns="0" rIns="0" bIns="0">
-            <a:spAutoFit/>
-          </a:bodyPr>
-          <a:lstStyle>
-            <a:lvl1pPr algn="l">
-              <a:defRPr sz="1000" b="1">
-                <a:solidFill>
-                  <a:srgbClr val="4277BB"/>
-                </a:solidFill>
-                <a:latin typeface="Helvetica"/>
-                <a:ea typeface="Helvetica"/>
-                <a:cs typeface="Helvetica"/>
-                <a:sym typeface="Helvetica"/>
-              </a:defRPr>
-            </a:lvl1pPr>
-          </a:lstStyle>
-          <a:p>
-            <a:pPr lvl="0">
-              <a:defRPr sz="1800" b="0">
-                <a:solidFill>
-                  <a:srgbClr val="000000"/>
-                </a:solidFill>
-              </a:defRPr>
-            </a:pPr>
-            <a:r>
-              <a:rPr lang="de-DE" sz="1600" b="1" dirty="0" smtClean="0">
-                <a:solidFill>
-                  <a:srgbClr val="000000"/>
-                </a:solidFill>
-                <a:latin typeface="Arial"/>
-                <a:cs typeface="Arial"/>
-              </a:rPr>
-              <a:t>Browser</a:t>
-            </a:r>
-            <a:endParaRPr sz="1600" dirty="0">
-              <a:solidFill>
-                <a:srgbClr val="000000"/>
-              </a:solidFill>
-              <a:latin typeface="Arial"/>
-              <a:cs typeface="Arial"/>
-            </a:endParaRPr>
-          </a:p>
-        </p:txBody>
-      </p:sp>
-      <p:sp>
-        <p:nvSpPr>
-          <p:cNvPr id="58" name="Shape 62"/>
-          <p:cNvSpPr/>
-          <p:nvPr/>
-        </p:nvSpPr>
-        <p:spPr>
-          <a:xfrm flipV="1">
-            <a:off x="7724881" y="1502205"/>
-            <a:ext cx="0" cy="6140887"/>
-          </a:xfrm>
-          <a:prstGeom prst="line">
-            <a:avLst/>
-          </a:prstGeom>
-          <a:ln w="25400">
-            <a:solidFill>
-              <a:schemeClr val="bg1">
-                <a:lumMod val="85000"/>
-              </a:schemeClr>
-            </a:solidFill>
-            <a:miter lim="400000"/>
-          </a:ln>
-        </p:spPr>
-        <p:txBody>
-          <a:bodyPr lIns="0" tIns="0" rIns="0" bIns="0" anchor="ctr"/>
-          <a:lstStyle/>
-          <a:p>
-            <a:pPr lvl="0">
-              <a:defRPr sz="1800"/>
-            </a:pPr>
-            <a:endParaRPr/>
-          </a:p>
-        </p:txBody>
-      </p:sp>
-      <p:pic>
-        <p:nvPicPr>
-          <p:cNvPr id="59" name="Picture 58"/>
-          <p:cNvPicPr>
-            <a:picLocks noChangeAspect="1"/>
-          </p:cNvPicPr>
-          <p:nvPr/>
-        </p:nvPicPr>
-        <p:blipFill>
-          <a:blip r:embed="rId5"/>
-          <a:stretch>
-            <a:fillRect/>
-          </a:stretch>
-        </p:blipFill>
-        <p:spPr>
-          <a:xfrm>
-            <a:off x="8456487" y="3457020"/>
-            <a:ext cx="697633" cy="697633"/>
-          </a:xfrm>
-          <a:prstGeom prst="rect">
-            <a:avLst/>
-          </a:prstGeom>
-        </p:spPr>
-      </p:pic>
-      <p:sp>
-        <p:nvSpPr>
-          <p:cNvPr id="60" name="TextBox 59"/>
-          <p:cNvSpPr txBox="1"/>
-          <p:nvPr/>
-        </p:nvSpPr>
-        <p:spPr>
-          <a:xfrm>
-            <a:off x="8210968" y="4146186"/>
-            <a:ext cx="1218324" cy="264013"/>
-          </a:xfrm>
-          <a:prstGeom prst="rect">
-            <a:avLst/>
-          </a:prstGeom>
-          <a:noFill/>
-          <a:ln w="3175" cap="flat">
-            <a:noFill/>
-            <a:miter lim="400000"/>
-          </a:ln>
-          <a:effectLst/>
-        </p:spPr>
-        <p:style>
-          <a:lnRef idx="0">
-            <a:scrgbClr r="0" g="0" b="0"/>
-          </a:lnRef>
-          <a:fillRef idx="0">
-            <a:scrgbClr r="0" g="0" b="0"/>
-          </a:fillRef>
-          <a:effectRef idx="0">
-            <a:scrgbClr r="0" g="0" b="0"/>
-          </a:effectRef>
-          <a:fontRef idx="none"/>
-        </p:style>
-        <p:txBody>
-          <a:bodyPr rot="0" spcFirstLastPara="1" vertOverflow="overflow" horzOverflow="overflow" vert="horz" wrap="square" lIns="39290" tIns="39290" rIns="39290" bIns="39290" numCol="1" spcCol="38100" rtlCol="0" anchor="ctr">
-            <a:spAutoFit/>
-          </a:bodyPr>
-          <a:lstStyle/>
-          <a:p>
-            <a:pPr marL="0" marR="0" indent="0" defTabSz="584200" rtl="0" fontAlgn="auto" latinLnBrk="1" hangingPunct="0">
-              <a:lnSpc>
-                <a:spcPct val="100000"/>
-              </a:lnSpc>
-              <a:spcBef>
-                <a:spcPts val="0"/>
-              </a:spcBef>
-              <a:spcAft>
-                <a:spcPts val="0"/>
-              </a:spcAft>
-              <a:buClrTx/>
-              <a:buSzTx/>
-              <a:buFontTx/>
-              <a:buNone/>
-              <a:tabLst/>
-            </a:pPr>
-            <a:r>
-              <a:rPr kumimoji="0" lang="en-US" sz="1200" b="0" i="0" u="none" strike="noStrike" cap="none" spc="0" normalizeH="0" baseline="0" dirty="0">
-                <a:ln>
-                  <a:noFill/>
-                </a:ln>
-                <a:solidFill>
-                  <a:srgbClr val="000000"/>
-                </a:solidFill>
-                <a:effectLst/>
-                <a:uFillTx/>
-                <a:latin typeface="Arial"/>
-                <a:ea typeface="+mn-ea"/>
-                <a:cs typeface="Arial"/>
-                <a:sym typeface="Helvetica Light"/>
-              </a:rPr>
-              <a:t>Cloudant</a:t>
-            </a:r>
-          </a:p>
-        </p:txBody>
-      </p:sp>
-      <p:sp>
-        <p:nvSpPr>
-          <p:cNvPr id="61" name="Shape 64"/>
-          <p:cNvSpPr/>
-          <p:nvPr/>
-        </p:nvSpPr>
-        <p:spPr>
-          <a:xfrm>
-            <a:off x="7884542" y="1619012"/>
-            <a:ext cx="1790554" cy="246221"/>
-          </a:xfrm>
-          <a:prstGeom prst="rect">
-            <a:avLst/>
-          </a:prstGeom>
-          <a:ln w="3175">
-            <a:miter lim="400000"/>
-          </a:ln>
-          <a:extLst>
-            <a:ext uri="{C572A759-6A51-4108-AA02-DFA0A04FC94B}">
-              <ma14:wrappingTextBoxFlag xmlns:ma14="http://schemas.microsoft.com/office/mac/drawingml/2011/main" val="1"/>
-            </a:ext>
-          </a:extLst>
-        </p:spPr>
-        <p:txBody>
-          <a:bodyPr wrap="none" lIns="0" tIns="0" rIns="0" bIns="0">
-            <a:spAutoFit/>
-          </a:bodyPr>
-          <a:lstStyle>
-            <a:lvl1pPr algn="l">
-              <a:defRPr sz="1000" b="1">
-                <a:solidFill>
-                  <a:srgbClr val="4277BB"/>
-                </a:solidFill>
-                <a:latin typeface="Helvetica"/>
-                <a:ea typeface="Helvetica"/>
-                <a:cs typeface="Helvetica"/>
-                <a:sym typeface="Helvetica"/>
-              </a:defRPr>
-            </a:lvl1pPr>
-          </a:lstStyle>
-          <a:p>
-            <a:pPr lvl="0">
-              <a:defRPr sz="1800" b="0">
-                <a:solidFill>
-                  <a:srgbClr val="000000"/>
-                </a:solidFill>
-              </a:defRPr>
-            </a:pPr>
-            <a:r>
-              <a:rPr lang="de-DE" sz="1600" b="1" dirty="0" smtClean="0">
-                <a:solidFill>
-                  <a:srgbClr val="000000"/>
-                </a:solidFill>
-                <a:latin typeface="Arial"/>
-                <a:cs typeface="Arial"/>
-              </a:rPr>
-              <a:t>Managed Services</a:t>
-            </a:r>
-            <a:endParaRPr sz="1600" dirty="0">
-              <a:solidFill>
-                <a:srgbClr val="000000"/>
-              </a:solidFill>
-              <a:latin typeface="Arial"/>
-              <a:cs typeface="Arial"/>
-            </a:endParaRPr>
-          </a:p>
-        </p:txBody>
-      </p:sp>
       <p:pic>
         <p:nvPicPr>
           <p:cNvPr id="6" name="Picture 5"/>
@@ -6174,7 +6044,7 @@
         </p:blipFill>
         <p:spPr>
           <a:xfrm>
-            <a:off x="3630369" y="2462611"/>
+            <a:off x="3065937" y="2897636"/>
             <a:ext cx="831816" cy="524254"/>
           </a:xfrm>
           <a:prstGeom prst="rect">
@@ -6182,253 +6052,6 @@
           </a:prstGeom>
         </p:spPr>
       </p:pic>
-      <p:sp>
-        <p:nvSpPr>
-          <p:cNvPr id="64" name="TextBox 63"/>
-          <p:cNvSpPr txBox="1"/>
-          <p:nvPr/>
-        </p:nvSpPr>
-        <p:spPr>
-          <a:xfrm>
-            <a:off x="3549282" y="3493766"/>
-            <a:ext cx="1506878" cy="448679"/>
-          </a:xfrm>
-          <a:prstGeom prst="rect">
-            <a:avLst/>
-          </a:prstGeom>
-          <a:noFill/>
-          <a:ln w="3175" cap="flat">
-            <a:noFill/>
-            <a:miter lim="400000"/>
-          </a:ln>
-          <a:effectLst/>
-        </p:spPr>
-        <p:style>
-          <a:lnRef idx="0">
-            <a:scrgbClr r="0" g="0" b="0"/>
-          </a:lnRef>
-          <a:fillRef idx="0">
-            <a:scrgbClr r="0" g="0" b="0"/>
-          </a:fillRef>
-          <a:effectRef idx="0">
-            <a:scrgbClr r="0" g="0" b="0"/>
-          </a:effectRef>
-          <a:fontRef idx="none"/>
-        </p:style>
-        <p:txBody>
-          <a:bodyPr rot="0" spcFirstLastPara="1" vertOverflow="overflow" horzOverflow="overflow" vert="horz" wrap="square" lIns="39290" tIns="39290" rIns="39290" bIns="39290" numCol="1" spcCol="38100" rtlCol="0" anchor="ctr">
-            <a:spAutoFit/>
-          </a:bodyPr>
-          <a:lstStyle/>
-          <a:p>
-            <a:pPr marL="0" marR="0" indent="0" defTabSz="584200" rtl="0" fontAlgn="auto" latinLnBrk="1" hangingPunct="0">
-              <a:lnSpc>
-                <a:spcPct val="100000"/>
-              </a:lnSpc>
-              <a:spcBef>
-                <a:spcPts val="0"/>
-              </a:spcBef>
-              <a:spcAft>
-                <a:spcPts val="0"/>
-              </a:spcAft>
-              <a:buClrTx/>
-              <a:buSzTx/>
-              <a:buFontTx/>
-              <a:buNone/>
-              <a:tabLst/>
-            </a:pPr>
-            <a:r>
-              <a:rPr kumimoji="0" lang="en-US" sz="1200" b="0" i="0" u="none" strike="noStrike" cap="none" spc="0" normalizeH="0" baseline="0" dirty="0" smtClean="0">
-                <a:ln>
-                  <a:noFill/>
-                </a:ln>
-                <a:solidFill>
-                  <a:srgbClr val="000000"/>
-                </a:solidFill>
-                <a:effectLst/>
-                <a:uFillTx/>
-                <a:latin typeface="Arial"/>
-                <a:ea typeface="+mn-ea"/>
-                <a:cs typeface="Arial"/>
-                <a:sym typeface="Helvetica Light"/>
-              </a:rPr>
-              <a:t>Web-API</a:t>
-            </a:r>
-          </a:p>
-          <a:p>
-            <a:pPr marL="0" marR="0" indent="0" defTabSz="584200" rtl="0" fontAlgn="auto" latinLnBrk="1" hangingPunct="0">
-              <a:lnSpc>
-                <a:spcPct val="100000"/>
-              </a:lnSpc>
-              <a:spcBef>
-                <a:spcPts val="0"/>
-              </a:spcBef>
-              <a:spcAft>
-                <a:spcPts val="0"/>
-              </a:spcAft>
-              <a:buClrTx/>
-              <a:buSzTx/>
-              <a:buFontTx/>
-              <a:buNone/>
-              <a:tabLst/>
-            </a:pPr>
-            <a:r>
-              <a:rPr lang="en-US" sz="1200" dirty="0" smtClean="0">
-                <a:solidFill>
-                  <a:srgbClr val="000000"/>
-                </a:solidFill>
-                <a:latin typeface="Arial"/>
-                <a:cs typeface="Arial"/>
-              </a:rPr>
-              <a:t>v1</a:t>
-            </a:r>
-            <a:endParaRPr kumimoji="0" lang="en-US" sz="1200" b="0" i="0" u="none" strike="noStrike" cap="none" spc="0" normalizeH="0" baseline="0" dirty="0">
-              <a:ln>
-                <a:noFill/>
-              </a:ln>
-              <a:solidFill>
-                <a:srgbClr val="000000"/>
-              </a:solidFill>
-              <a:effectLst/>
-              <a:uFillTx/>
-              <a:latin typeface="Arial"/>
-              <a:ea typeface="+mn-ea"/>
-              <a:cs typeface="Arial"/>
-              <a:sym typeface="Helvetica Light"/>
-            </a:endParaRPr>
-          </a:p>
-        </p:txBody>
-      </p:sp>
-      <p:grpSp>
-        <p:nvGrpSpPr>
-          <p:cNvPr id="65" name="Group 64"/>
-          <p:cNvGrpSpPr/>
-          <p:nvPr/>
-        </p:nvGrpSpPr>
-        <p:grpSpPr>
-          <a:xfrm>
-            <a:off x="2208255" y="3574193"/>
-            <a:ext cx="707233" cy="707234"/>
-            <a:chOff x="3587103" y="3636248"/>
-            <a:chExt cx="707233" cy="707234"/>
-          </a:xfrm>
-        </p:grpSpPr>
-        <p:sp>
-          <p:nvSpPr>
-            <p:cNvPr id="66" name="Shape 529"/>
-            <p:cNvSpPr/>
-            <p:nvPr/>
-          </p:nvSpPr>
-          <p:spPr>
-            <a:xfrm>
-              <a:off x="3587103" y="3636248"/>
-              <a:ext cx="707233" cy="707234"/>
-            </a:xfrm>
-            <a:custGeom>
-              <a:avLst/>
-              <a:gdLst/>
-              <a:ahLst/>
-              <a:cxnLst>
-                <a:cxn ang="0">
-                  <a:pos x="wd2" y="hd2"/>
-                </a:cxn>
-                <a:cxn ang="5400000">
-                  <a:pos x="wd2" y="hd2"/>
-                </a:cxn>
-                <a:cxn ang="10800000">
-                  <a:pos x="wd2" y="hd2"/>
-                </a:cxn>
-                <a:cxn ang="16200000">
-                  <a:pos x="wd2" y="hd2"/>
-                </a:cxn>
-              </a:cxnLst>
-              <a:rect l="0" t="0" r="r" b="b"/>
-              <a:pathLst>
-                <a:path w="19679" h="19679" extrusionOk="0">
-                  <a:moveTo>
-                    <a:pt x="16796" y="2882"/>
-                  </a:moveTo>
-                  <a:cubicBezTo>
-                    <a:pt x="20639" y="6724"/>
-                    <a:pt x="20639" y="12954"/>
-                    <a:pt x="16796" y="16796"/>
-                  </a:cubicBezTo>
-                  <a:cubicBezTo>
-                    <a:pt x="12954" y="20639"/>
-                    <a:pt x="6724" y="20639"/>
-                    <a:pt x="2882" y="16796"/>
-                  </a:cubicBezTo>
-                  <a:cubicBezTo>
-                    <a:pt x="-961" y="12954"/>
-                    <a:pt x="-961" y="6724"/>
-                    <a:pt x="2882" y="2882"/>
-                  </a:cubicBezTo>
-                  <a:cubicBezTo>
-                    <a:pt x="6724" y="-961"/>
-                    <a:pt x="12954" y="-961"/>
-                    <a:pt x="16796" y="2882"/>
-                  </a:cubicBezTo>
-                  <a:close/>
-                </a:path>
-              </a:pathLst>
-            </a:custGeom>
-            <a:solidFill>
-              <a:srgbClr val="196970"/>
-            </a:solidFill>
-            <a:ln w="3175" cap="flat">
-              <a:noFill/>
-              <a:miter lim="400000"/>
-            </a:ln>
-            <a:effectLst/>
-          </p:spPr>
-          <p:txBody>
-            <a:bodyPr wrap="square" lIns="0" tIns="0" rIns="0" bIns="0" numCol="1" anchor="ctr">
-              <a:noAutofit/>
-            </a:bodyPr>
-            <a:lstStyle/>
-            <a:p>
-              <a:pPr lvl="0">
-                <a:defRPr sz="1800">
-                  <a:solidFill>
-                    <a:srgbClr val="FFFFFF"/>
-                  </a:solidFill>
-                </a:defRPr>
-              </a:pPr>
-              <a:endParaRPr/>
-            </a:p>
-          </p:txBody>
-        </p:sp>
-        <p:pic>
-          <p:nvPicPr>
-            <p:cNvPr id="67" name="_-47.png"/>
-            <p:cNvPicPr/>
-            <p:nvPr/>
-          </p:nvPicPr>
-          <p:blipFill>
-            <a:blip r:embed="rId7">
-              <a:extLst/>
-            </a:blip>
-            <a:srcRect l="17032" t="20462" r="17032" b="20462"/>
-            <a:stretch>
-              <a:fillRect/>
-            </a:stretch>
-          </p:blipFill>
-          <p:spPr>
-            <a:xfrm>
-              <a:off x="3723113" y="3770499"/>
-              <a:ext cx="466313" cy="417807"/>
-            </a:xfrm>
-            <a:prstGeom prst="rect">
-              <a:avLst/>
-            </a:prstGeom>
-            <a:ln w="3175" cap="flat">
-              <a:noFill/>
-              <a:miter lim="400000"/>
-            </a:ln>
-            <a:effectLst/>
-          </p:spPr>
-        </p:pic>
-      </p:grpSp>
       <p:sp>
         <p:nvSpPr>
           <p:cNvPr id="68" name="TextBox 67"/>
@@ -6437,7 +6060,7 @@
         </p:nvSpPr>
         <p:spPr>
           <a:xfrm>
-            <a:off x="1944801" y="4303923"/>
+            <a:off x="1227502" y="4292164"/>
             <a:ext cx="1218324" cy="264013"/>
           </a:xfrm>
           <a:prstGeom prst="rect">
@@ -6482,315 +6105,16 @@
           </a:p>
         </p:txBody>
       </p:sp>
-      <p:grpSp>
-        <p:nvGrpSpPr>
-          <p:cNvPr id="9" name="Group 8"/>
-          <p:cNvGrpSpPr/>
-          <p:nvPr/>
-        </p:nvGrpSpPr>
-        <p:grpSpPr>
-          <a:xfrm>
-            <a:off x="6061971" y="2315887"/>
-            <a:ext cx="707233" cy="707233"/>
-            <a:chOff x="394759" y="4656919"/>
-            <a:chExt cx="707233" cy="707233"/>
-          </a:xfrm>
-        </p:grpSpPr>
-        <p:sp>
-          <p:nvSpPr>
-            <p:cNvPr id="72" name="Shape 272"/>
-            <p:cNvSpPr/>
-            <p:nvPr/>
-          </p:nvSpPr>
-          <p:spPr>
-            <a:xfrm>
-              <a:off x="394759" y="4656919"/>
-              <a:ext cx="707233" cy="707233"/>
-            </a:xfrm>
-            <a:custGeom>
-              <a:avLst/>
-              <a:gdLst/>
-              <a:ahLst/>
-              <a:cxnLst>
-                <a:cxn ang="0">
-                  <a:pos x="wd2" y="hd2"/>
-                </a:cxn>
-                <a:cxn ang="5400000">
-                  <a:pos x="wd2" y="hd2"/>
-                </a:cxn>
-                <a:cxn ang="10800000">
-                  <a:pos x="wd2" y="hd2"/>
-                </a:cxn>
-                <a:cxn ang="16200000">
-                  <a:pos x="wd2" y="hd2"/>
-                </a:cxn>
-              </a:cxnLst>
-              <a:rect l="0" t="0" r="r" b="b"/>
-              <a:pathLst>
-                <a:path w="19679" h="19679" extrusionOk="0">
-                  <a:moveTo>
-                    <a:pt x="16796" y="2882"/>
-                  </a:moveTo>
-                  <a:cubicBezTo>
-                    <a:pt x="20639" y="6724"/>
-                    <a:pt x="20639" y="12954"/>
-                    <a:pt x="16796" y="16796"/>
-                  </a:cubicBezTo>
-                  <a:cubicBezTo>
-                    <a:pt x="12954" y="20639"/>
-                    <a:pt x="6724" y="20639"/>
-                    <a:pt x="2882" y="16796"/>
-                  </a:cubicBezTo>
-                  <a:cubicBezTo>
-                    <a:pt x="-961" y="12954"/>
-                    <a:pt x="-961" y="6724"/>
-                    <a:pt x="2882" y="2882"/>
-                  </a:cubicBezTo>
-                  <a:cubicBezTo>
-                    <a:pt x="6724" y="-961"/>
-                    <a:pt x="12954" y="-961"/>
-                    <a:pt x="16796" y="2882"/>
-                  </a:cubicBezTo>
-                  <a:close/>
-                </a:path>
-              </a:pathLst>
-            </a:custGeom>
-            <a:solidFill>
-              <a:srgbClr val="8DC53F"/>
-            </a:solidFill>
-            <a:ln w="3175" cap="flat">
-              <a:noFill/>
-              <a:miter lim="400000"/>
-            </a:ln>
-            <a:effectLst/>
-          </p:spPr>
-          <p:txBody>
-            <a:bodyPr wrap="square" lIns="0" tIns="0" rIns="0" bIns="0" numCol="1" anchor="ctr">
-              <a:noAutofit/>
-            </a:bodyPr>
-            <a:lstStyle/>
-            <a:p>
-              <a:pPr lvl="0">
-                <a:defRPr sz="1800">
-                  <a:solidFill>
-                    <a:srgbClr val="FFFFFF"/>
-                  </a:solidFill>
-                </a:defRPr>
-              </a:pPr>
-              <a:endParaRPr/>
-            </a:p>
-          </p:txBody>
-        </p:sp>
-        <p:pic>
-          <p:nvPicPr>
-            <p:cNvPr id="74" name="_-13.png"/>
-            <p:cNvPicPr/>
-            <p:nvPr/>
-          </p:nvPicPr>
-          <p:blipFill>
-            <a:blip r:embed="rId8">
-              <a:extLst/>
-            </a:blip>
-            <a:srcRect l="19624" t="23468" r="19624" b="23468"/>
-            <a:stretch>
-              <a:fillRect/>
-            </a:stretch>
-          </p:blipFill>
-          <p:spPr>
-            <a:xfrm>
-              <a:off x="535947" y="4822892"/>
-              <a:ext cx="429660" cy="375287"/>
-            </a:xfrm>
-            <a:prstGeom prst="rect">
-              <a:avLst/>
-            </a:prstGeom>
-            <a:ln w="3175" cap="flat">
-              <a:noFill/>
-              <a:miter lim="400000"/>
-            </a:ln>
-            <a:effectLst/>
-          </p:spPr>
-        </p:pic>
-      </p:grpSp>
-      <p:pic>
-        <p:nvPicPr>
-          <p:cNvPr id="78" name="Picture 77"/>
-          <p:cNvPicPr>
-            <a:picLocks noChangeAspect="1"/>
-          </p:cNvPicPr>
-          <p:nvPr/>
-        </p:nvPicPr>
-        <p:blipFill>
-          <a:blip r:embed="rId6"/>
-          <a:stretch>
-            <a:fillRect/>
-          </a:stretch>
-        </p:blipFill>
-        <p:spPr>
-          <a:xfrm>
-            <a:off x="5735740" y="1912819"/>
-            <a:ext cx="831816" cy="524254"/>
-          </a:xfrm>
-          <a:prstGeom prst="rect">
-            <a:avLst/>
-          </a:prstGeom>
-        </p:spPr>
-      </p:pic>
-      <p:sp>
-        <p:nvSpPr>
-          <p:cNvPr id="79" name="Shape 64"/>
-          <p:cNvSpPr/>
-          <p:nvPr/>
-        </p:nvSpPr>
-        <p:spPr>
-          <a:xfrm>
-            <a:off x="178545" y="283944"/>
-            <a:ext cx="3451866" cy="430887"/>
-          </a:xfrm>
-          <a:prstGeom prst="rect">
-            <a:avLst/>
-          </a:prstGeom>
-          <a:ln w="3175">
-            <a:miter lim="400000"/>
-          </a:ln>
-          <a:extLst>
-            <a:ext uri="{C572A759-6A51-4108-AA02-DFA0A04FC94B}">
-              <ma14:wrappingTextBoxFlag xmlns:ma14="http://schemas.microsoft.com/office/mac/drawingml/2011/main" val="1"/>
-            </a:ext>
-          </a:extLst>
-        </p:spPr>
-        <p:txBody>
-          <a:bodyPr wrap="none" lIns="0" tIns="0" rIns="0" bIns="0">
-            <a:spAutoFit/>
-          </a:bodyPr>
-          <a:lstStyle>
-            <a:lvl1pPr algn="l">
-              <a:defRPr sz="1000" b="1">
-                <a:solidFill>
-                  <a:srgbClr val="4277BB"/>
-                </a:solidFill>
-                <a:latin typeface="Helvetica"/>
-                <a:ea typeface="Helvetica"/>
-                <a:cs typeface="Helvetica"/>
-                <a:sym typeface="Helvetica"/>
-              </a:defRPr>
-            </a:lvl1pPr>
-          </a:lstStyle>
-          <a:p>
-            <a:pPr lvl="0">
-              <a:defRPr sz="1800" b="0">
-                <a:solidFill>
-                  <a:srgbClr val="000000"/>
-                </a:solidFill>
-              </a:defRPr>
-            </a:pPr>
-            <a:r>
-              <a:rPr lang="de-DE" sz="2800" b="1" dirty="0" smtClean="0">
-                <a:solidFill>
-                  <a:srgbClr val="000000"/>
-                </a:solidFill>
-                <a:latin typeface="Arial"/>
-                <a:cs typeface="Arial"/>
-              </a:rPr>
-              <a:t>Cloud Native Starter</a:t>
-            </a:r>
-            <a:endParaRPr sz="2800" dirty="0">
-              <a:solidFill>
-                <a:srgbClr val="000000"/>
-              </a:solidFill>
-              <a:latin typeface="Arial"/>
-              <a:cs typeface="Arial"/>
-            </a:endParaRPr>
-          </a:p>
-        </p:txBody>
-      </p:sp>
-      <p:sp>
-        <p:nvSpPr>
-          <p:cNvPr id="80" name="TextBox 79"/>
-          <p:cNvSpPr txBox="1"/>
-          <p:nvPr/>
-        </p:nvSpPr>
-        <p:spPr>
-          <a:xfrm>
-            <a:off x="5654653" y="3081794"/>
-            <a:ext cx="1506878" cy="264013"/>
-          </a:xfrm>
-          <a:prstGeom prst="rect">
-            <a:avLst/>
-          </a:prstGeom>
-          <a:noFill/>
-          <a:ln w="3175" cap="flat">
-            <a:noFill/>
-            <a:miter lim="400000"/>
-          </a:ln>
-          <a:effectLst/>
-        </p:spPr>
-        <p:style>
-          <a:lnRef idx="0">
-            <a:scrgbClr r="0" g="0" b="0"/>
-          </a:lnRef>
-          <a:fillRef idx="0">
-            <a:scrgbClr r="0" g="0" b="0"/>
-          </a:fillRef>
-          <a:effectRef idx="0">
-            <a:scrgbClr r="0" g="0" b="0"/>
-          </a:effectRef>
-          <a:fontRef idx="none"/>
-        </p:style>
-        <p:txBody>
-          <a:bodyPr rot="0" spcFirstLastPara="1" vertOverflow="overflow" horzOverflow="overflow" vert="horz" wrap="square" lIns="39290" tIns="39290" rIns="39290" bIns="39290" numCol="1" spcCol="38100" rtlCol="0" anchor="ctr">
-            <a:spAutoFit/>
-          </a:bodyPr>
-          <a:lstStyle/>
-          <a:p>
-            <a:pPr marL="0" marR="0" indent="0" defTabSz="584200" rtl="0" fontAlgn="auto" latinLnBrk="1" hangingPunct="0">
-              <a:lnSpc>
-                <a:spcPct val="100000"/>
-              </a:lnSpc>
-              <a:spcBef>
-                <a:spcPts val="0"/>
-              </a:spcBef>
-              <a:spcAft>
-                <a:spcPts val="0"/>
-              </a:spcAft>
-              <a:buClrTx/>
-              <a:buSzTx/>
-              <a:buFontTx/>
-              <a:buNone/>
-              <a:tabLst/>
-            </a:pPr>
-            <a:r>
-              <a:rPr kumimoji="0" lang="en-US" sz="1200" b="0" i="0" u="none" strike="noStrike" cap="none" spc="0" normalizeH="0" baseline="0" dirty="0" smtClean="0">
-                <a:ln>
-                  <a:noFill/>
-                </a:ln>
-                <a:solidFill>
-                  <a:srgbClr val="000000"/>
-                </a:solidFill>
-                <a:effectLst/>
-                <a:uFillTx/>
-                <a:latin typeface="Arial"/>
-                <a:ea typeface="+mn-ea"/>
-                <a:cs typeface="Arial"/>
-                <a:sym typeface="Helvetica Light"/>
-              </a:rPr>
-              <a:t>Articles Service</a:t>
-            </a:r>
-          </a:p>
-        </p:txBody>
-      </p:sp>
       <p:cxnSp>
         <p:nvCxnSpPr>
-          <p:cNvPr id="92" name="Straight Arrow Connector 62"/>
-          <p:cNvCxnSpPr>
-            <a:endCxn id="216" idx="1"/>
-          </p:cNvCxnSpPr>
+          <p:cNvPr id="176" name="Straight Arrow Connector 62"/>
+          <p:cNvCxnSpPr/>
           <p:nvPr/>
         </p:nvCxnSpPr>
         <p:spPr>
-          <a:xfrm flipV="1">
-            <a:off x="3017401" y="3180640"/>
-            <a:ext cx="860833" cy="743765"/>
+          <a:xfrm flipH="1">
+            <a:off x="4303813" y="2116539"/>
+            <a:ext cx="1128870" cy="1"/>
           </a:xfrm>
           <a:prstGeom prst="straightConnector1">
             <a:avLst/>
@@ -6822,386 +6146,16 @@
           <a:fontRef idx="none"/>
         </p:style>
       </p:cxnSp>
-      <p:pic>
-        <p:nvPicPr>
-          <p:cNvPr id="96" name="Picture 95"/>
-          <p:cNvPicPr>
-            <a:picLocks noChangeAspect="1"/>
-          </p:cNvPicPr>
-          <p:nvPr/>
-        </p:nvPicPr>
-        <p:blipFill>
-          <a:blip r:embed="rId4"/>
-          <a:stretch>
-            <a:fillRect/>
-          </a:stretch>
-        </p:blipFill>
-        <p:spPr>
-          <a:xfrm>
-            <a:off x="3874694" y="4187485"/>
-            <a:ext cx="819405" cy="786629"/>
-          </a:xfrm>
-          <a:prstGeom prst="rect">
-            <a:avLst/>
-          </a:prstGeom>
-        </p:spPr>
-      </p:pic>
-      <p:sp>
-        <p:nvSpPr>
-          <p:cNvPr id="98" name="TextBox 97"/>
-          <p:cNvSpPr txBox="1"/>
-          <p:nvPr/>
-        </p:nvSpPr>
-        <p:spPr>
-          <a:xfrm>
-            <a:off x="3545742" y="4903474"/>
-            <a:ext cx="1506878" cy="448679"/>
-          </a:xfrm>
-          <a:prstGeom prst="rect">
-            <a:avLst/>
-          </a:prstGeom>
-          <a:noFill/>
-          <a:ln w="3175" cap="flat">
-            <a:noFill/>
-            <a:miter lim="400000"/>
-          </a:ln>
-          <a:effectLst/>
-        </p:spPr>
-        <p:style>
-          <a:lnRef idx="0">
-            <a:scrgbClr r="0" g="0" b="0"/>
-          </a:lnRef>
-          <a:fillRef idx="0">
-            <a:scrgbClr r="0" g="0" b="0"/>
-          </a:fillRef>
-          <a:effectRef idx="0">
-            <a:scrgbClr r="0" g="0" b="0"/>
-          </a:effectRef>
-          <a:fontRef idx="none"/>
-        </p:style>
-        <p:txBody>
-          <a:bodyPr rot="0" spcFirstLastPara="1" vertOverflow="overflow" horzOverflow="overflow" vert="horz" wrap="square" lIns="39290" tIns="39290" rIns="39290" bIns="39290" numCol="1" spcCol="38100" rtlCol="0" anchor="ctr">
-            <a:spAutoFit/>
-          </a:bodyPr>
-          <a:lstStyle/>
-          <a:p>
-            <a:pPr marL="0" marR="0" indent="0" defTabSz="584200" rtl="0" fontAlgn="auto" latinLnBrk="1" hangingPunct="0">
-              <a:lnSpc>
-                <a:spcPct val="100000"/>
-              </a:lnSpc>
-              <a:spcBef>
-                <a:spcPts val="0"/>
-              </a:spcBef>
-              <a:spcAft>
-                <a:spcPts val="0"/>
-              </a:spcAft>
-              <a:buClrTx/>
-              <a:buSzTx/>
-              <a:buFontTx/>
-              <a:buNone/>
-              <a:tabLst/>
-            </a:pPr>
-            <a:r>
-              <a:rPr kumimoji="0" lang="en-US" sz="1200" b="0" i="0" u="none" strike="noStrike" cap="none" spc="0" normalizeH="0" baseline="0" dirty="0" smtClean="0">
-                <a:ln>
-                  <a:noFill/>
-                </a:ln>
-                <a:solidFill>
-                  <a:srgbClr val="000000"/>
-                </a:solidFill>
-                <a:effectLst/>
-                <a:uFillTx/>
-                <a:latin typeface="Arial"/>
-                <a:ea typeface="+mn-ea"/>
-                <a:cs typeface="Arial"/>
-                <a:sym typeface="Helvetica Light"/>
-              </a:rPr>
-              <a:t>Web-API</a:t>
-            </a:r>
-          </a:p>
-          <a:p>
-            <a:pPr marL="0" marR="0" indent="0" defTabSz="584200" rtl="0" fontAlgn="auto" latinLnBrk="1" hangingPunct="0">
-              <a:lnSpc>
-                <a:spcPct val="100000"/>
-              </a:lnSpc>
-              <a:spcBef>
-                <a:spcPts val="0"/>
-              </a:spcBef>
-              <a:spcAft>
-                <a:spcPts val="0"/>
-              </a:spcAft>
-              <a:buClrTx/>
-              <a:buSzTx/>
-              <a:buFontTx/>
-              <a:buNone/>
-              <a:tabLst/>
-            </a:pPr>
-            <a:r>
-              <a:rPr lang="en-US" sz="1200" dirty="0" smtClean="0">
-                <a:solidFill>
-                  <a:srgbClr val="000000"/>
-                </a:solidFill>
-                <a:latin typeface="Arial"/>
-                <a:cs typeface="Arial"/>
-              </a:rPr>
-              <a:t>v2</a:t>
-            </a:r>
-            <a:endParaRPr kumimoji="0" lang="en-US" sz="1200" b="0" i="0" u="none" strike="noStrike" cap="none" spc="0" normalizeH="0" baseline="0" dirty="0">
-              <a:ln>
-                <a:noFill/>
-              </a:ln>
-              <a:solidFill>
-                <a:srgbClr val="000000"/>
-              </a:solidFill>
-              <a:effectLst/>
-              <a:uFillTx/>
-              <a:latin typeface="Arial"/>
-              <a:ea typeface="+mn-ea"/>
-              <a:cs typeface="Arial"/>
-              <a:sym typeface="Helvetica Light"/>
-            </a:endParaRPr>
-          </a:p>
-        </p:txBody>
-      </p:sp>
-      <p:grpSp>
-        <p:nvGrpSpPr>
-          <p:cNvPr id="100" name="Group 99"/>
-          <p:cNvGrpSpPr/>
-          <p:nvPr/>
-        </p:nvGrpSpPr>
-        <p:grpSpPr>
-          <a:xfrm>
-            <a:off x="6106539" y="4842446"/>
-            <a:ext cx="707233" cy="707233"/>
-            <a:chOff x="394759" y="4656919"/>
-            <a:chExt cx="707233" cy="707233"/>
-          </a:xfrm>
-        </p:grpSpPr>
-        <p:sp>
-          <p:nvSpPr>
-            <p:cNvPr id="101" name="Shape 272"/>
-            <p:cNvSpPr/>
-            <p:nvPr/>
-          </p:nvSpPr>
-          <p:spPr>
-            <a:xfrm>
-              <a:off x="394759" y="4656919"/>
-              <a:ext cx="707233" cy="707233"/>
-            </a:xfrm>
-            <a:custGeom>
-              <a:avLst/>
-              <a:gdLst/>
-              <a:ahLst/>
-              <a:cxnLst>
-                <a:cxn ang="0">
-                  <a:pos x="wd2" y="hd2"/>
-                </a:cxn>
-                <a:cxn ang="5400000">
-                  <a:pos x="wd2" y="hd2"/>
-                </a:cxn>
-                <a:cxn ang="10800000">
-                  <a:pos x="wd2" y="hd2"/>
-                </a:cxn>
-                <a:cxn ang="16200000">
-                  <a:pos x="wd2" y="hd2"/>
-                </a:cxn>
-              </a:cxnLst>
-              <a:rect l="0" t="0" r="r" b="b"/>
-              <a:pathLst>
-                <a:path w="19679" h="19679" extrusionOk="0">
-                  <a:moveTo>
-                    <a:pt x="16796" y="2882"/>
-                  </a:moveTo>
-                  <a:cubicBezTo>
-                    <a:pt x="20639" y="6724"/>
-                    <a:pt x="20639" y="12954"/>
-                    <a:pt x="16796" y="16796"/>
-                  </a:cubicBezTo>
-                  <a:cubicBezTo>
-                    <a:pt x="12954" y="20639"/>
-                    <a:pt x="6724" y="20639"/>
-                    <a:pt x="2882" y="16796"/>
-                  </a:cubicBezTo>
-                  <a:cubicBezTo>
-                    <a:pt x="-961" y="12954"/>
-                    <a:pt x="-961" y="6724"/>
-                    <a:pt x="2882" y="2882"/>
-                  </a:cubicBezTo>
-                  <a:cubicBezTo>
-                    <a:pt x="6724" y="-961"/>
-                    <a:pt x="12954" y="-961"/>
-                    <a:pt x="16796" y="2882"/>
-                  </a:cubicBezTo>
-                  <a:close/>
-                </a:path>
-              </a:pathLst>
-            </a:custGeom>
-            <a:solidFill>
-              <a:srgbClr val="8DC53F"/>
-            </a:solidFill>
-            <a:ln w="3175" cap="flat">
-              <a:noFill/>
-              <a:miter lim="400000"/>
-            </a:ln>
-            <a:effectLst/>
-          </p:spPr>
-          <p:txBody>
-            <a:bodyPr wrap="square" lIns="0" tIns="0" rIns="0" bIns="0" numCol="1" anchor="ctr">
-              <a:noAutofit/>
-            </a:bodyPr>
-            <a:lstStyle/>
-            <a:p>
-              <a:pPr lvl="0">
-                <a:defRPr sz="1800">
-                  <a:solidFill>
-                    <a:srgbClr val="FFFFFF"/>
-                  </a:solidFill>
-                </a:defRPr>
-              </a:pPr>
-              <a:endParaRPr/>
-            </a:p>
-          </p:txBody>
-        </p:sp>
-        <p:pic>
-          <p:nvPicPr>
-            <p:cNvPr id="102" name="_-13.png"/>
-            <p:cNvPicPr/>
-            <p:nvPr/>
-          </p:nvPicPr>
-          <p:blipFill>
-            <a:blip r:embed="rId8">
-              <a:extLst/>
-            </a:blip>
-            <a:srcRect l="19624" t="23468" r="19624" b="23468"/>
-            <a:stretch>
-              <a:fillRect/>
-            </a:stretch>
-          </p:blipFill>
-          <p:spPr>
-            <a:xfrm>
-              <a:off x="535947" y="4822892"/>
-              <a:ext cx="429660" cy="375287"/>
-            </a:xfrm>
-            <a:prstGeom prst="rect">
-              <a:avLst/>
-            </a:prstGeom>
-            <a:ln w="3175" cap="flat">
-              <a:noFill/>
-              <a:miter lim="400000"/>
-            </a:ln>
-            <a:effectLst/>
-          </p:spPr>
-        </p:pic>
-      </p:grpSp>
-      <p:sp>
-        <p:nvSpPr>
-          <p:cNvPr id="106" name="TextBox 105"/>
-          <p:cNvSpPr txBox="1"/>
-          <p:nvPr/>
-        </p:nvSpPr>
-        <p:spPr>
-          <a:xfrm>
-            <a:off x="5699221" y="5608353"/>
-            <a:ext cx="1506878" cy="264013"/>
-          </a:xfrm>
-          <a:prstGeom prst="rect">
-            <a:avLst/>
-          </a:prstGeom>
-          <a:noFill/>
-          <a:ln w="3175" cap="flat">
-            <a:noFill/>
-            <a:miter lim="400000"/>
-          </a:ln>
-          <a:effectLst/>
-        </p:spPr>
-        <p:style>
-          <a:lnRef idx="0">
-            <a:scrgbClr r="0" g="0" b="0"/>
-          </a:lnRef>
-          <a:fillRef idx="0">
-            <a:scrgbClr r="0" g="0" b="0"/>
-          </a:fillRef>
-          <a:effectRef idx="0">
-            <a:scrgbClr r="0" g="0" b="0"/>
-          </a:effectRef>
-          <a:fontRef idx="none"/>
-        </p:style>
-        <p:txBody>
-          <a:bodyPr rot="0" spcFirstLastPara="1" vertOverflow="overflow" horzOverflow="overflow" vert="horz" wrap="square" lIns="39290" tIns="39290" rIns="39290" bIns="39290" numCol="1" spcCol="38100" rtlCol="0" anchor="ctr">
-            <a:spAutoFit/>
-          </a:bodyPr>
-          <a:lstStyle/>
-          <a:p>
-            <a:pPr marL="0" marR="0" indent="0" defTabSz="584200" rtl="0" fontAlgn="auto" latinLnBrk="1" hangingPunct="0">
-              <a:lnSpc>
-                <a:spcPct val="100000"/>
-              </a:lnSpc>
-              <a:spcBef>
-                <a:spcPts val="0"/>
-              </a:spcBef>
-              <a:spcAft>
-                <a:spcPts val="0"/>
-              </a:spcAft>
-              <a:buClrTx/>
-              <a:buSzTx/>
-              <a:buFontTx/>
-              <a:buNone/>
-              <a:tabLst/>
-            </a:pPr>
-            <a:r>
-              <a:rPr kumimoji="0" lang="en-US" sz="1200" b="0" i="0" u="none" strike="noStrike" cap="none" spc="0" normalizeH="0" baseline="0" dirty="0" smtClean="0">
-                <a:ln>
-                  <a:noFill/>
-                </a:ln>
-                <a:solidFill>
-                  <a:srgbClr val="000000"/>
-                </a:solidFill>
-                <a:effectLst/>
-                <a:uFillTx/>
-                <a:latin typeface="Arial"/>
-                <a:ea typeface="+mn-ea"/>
-                <a:cs typeface="Arial"/>
-                <a:sym typeface="Helvetica Light"/>
-              </a:rPr>
-              <a:t>Authors Service</a:t>
-            </a:r>
-          </a:p>
-        </p:txBody>
-      </p:sp>
-      <p:pic>
-        <p:nvPicPr>
-          <p:cNvPr id="107" name="Picture 106"/>
-          <p:cNvPicPr>
-            <a:picLocks noChangeAspect="1"/>
-          </p:cNvPicPr>
-          <p:nvPr/>
-        </p:nvPicPr>
-        <p:blipFill>
-          <a:blip r:embed="rId9"/>
-          <a:stretch>
-            <a:fillRect/>
-          </a:stretch>
-        </p:blipFill>
-        <p:spPr>
-          <a:xfrm>
-            <a:off x="5677595" y="4522498"/>
-            <a:ext cx="779457" cy="476768"/>
-          </a:xfrm>
-          <a:prstGeom prst="rect">
-            <a:avLst/>
-          </a:prstGeom>
-        </p:spPr>
-      </p:pic>
       <p:cxnSp>
         <p:nvCxnSpPr>
-          <p:cNvPr id="108" name="Straight Arrow Connector 62"/>
+          <p:cNvPr id="179" name="Straight Arrow Connector 62"/>
           <p:cNvCxnSpPr/>
           <p:nvPr/>
         </p:nvCxnSpPr>
         <p:spPr>
-          <a:xfrm>
-            <a:off x="3017401" y="3981695"/>
-            <a:ext cx="849837" cy="467861"/>
+          <a:xfrm flipH="1">
+            <a:off x="4279827" y="3703482"/>
+            <a:ext cx="1128870" cy="1"/>
           </a:xfrm>
           <a:prstGeom prst="straightConnector1">
             <a:avLst/>
@@ -7233,76 +6187,16 @@
           <a:fontRef idx="none"/>
         </p:style>
       </p:cxnSp>
-      <p:sp>
-        <p:nvSpPr>
-          <p:cNvPr id="117" name="TextBox 116"/>
-          <p:cNvSpPr txBox="1"/>
-          <p:nvPr/>
-        </p:nvSpPr>
-        <p:spPr>
-          <a:xfrm>
-            <a:off x="3577670" y="7068808"/>
-            <a:ext cx="1365428" cy="264013"/>
-          </a:xfrm>
-          <a:prstGeom prst="rect">
-            <a:avLst/>
-          </a:prstGeom>
-          <a:noFill/>
-          <a:ln w="3175" cap="flat">
-            <a:noFill/>
-            <a:miter lim="400000"/>
-          </a:ln>
-          <a:effectLst/>
-        </p:spPr>
-        <p:style>
-          <a:lnRef idx="0">
-            <a:scrgbClr r="0" g="0" b="0"/>
-          </a:lnRef>
-          <a:fillRef idx="0">
-            <a:scrgbClr r="0" g="0" b="0"/>
-          </a:fillRef>
-          <a:effectRef idx="0">
-            <a:scrgbClr r="0" g="0" b="0"/>
-          </a:effectRef>
-          <a:fontRef idx="none"/>
-        </p:style>
-        <p:txBody>
-          <a:bodyPr rot="0" spcFirstLastPara="1" vertOverflow="overflow" horzOverflow="overflow" vert="horz" wrap="square" lIns="39290" tIns="39290" rIns="39290" bIns="39290" numCol="1" spcCol="38100" rtlCol="0" anchor="ctr">
-            <a:spAutoFit/>
-          </a:bodyPr>
-          <a:lstStyle/>
-          <a:p>
-            <a:pPr rtl="0" latinLnBrk="1" hangingPunct="0"/>
-            <a:r>
-              <a:rPr lang="en-US" sz="1200" dirty="0" smtClean="0">
-                <a:solidFill>
-                  <a:srgbClr val="000000"/>
-                </a:solidFill>
-                <a:latin typeface="Arial"/>
-                <a:cs typeface="Arial"/>
-              </a:rPr>
-              <a:t>Web App Hosting</a:t>
-            </a:r>
-            <a:endParaRPr lang="en-US" sz="1200" dirty="0">
-              <a:solidFill>
-                <a:srgbClr val="000000"/>
-              </a:solidFill>
-              <a:latin typeface="Arial"/>
-              <a:cs typeface="Arial"/>
-            </a:endParaRPr>
-          </a:p>
-        </p:txBody>
-      </p:sp>
       <p:cxnSp>
         <p:nvCxnSpPr>
-          <p:cNvPr id="118" name="Straight Arrow Connector 62"/>
+          <p:cNvPr id="180" name="Straight Arrow Connector 62"/>
           <p:cNvCxnSpPr/>
           <p:nvPr/>
         </p:nvCxnSpPr>
         <p:spPr>
-          <a:xfrm>
-            <a:off x="2960108" y="4105813"/>
-            <a:ext cx="742150" cy="2695384"/>
+          <a:xfrm flipH="1" flipV="1">
+            <a:off x="6514047" y="2127837"/>
+            <a:ext cx="1540904" cy="460"/>
           </a:xfrm>
           <a:prstGeom prst="straightConnector1">
             <a:avLst/>
@@ -7336,16 +6230,14 @@
       </p:cxnSp>
       <p:cxnSp>
         <p:nvCxnSpPr>
-          <p:cNvPr id="119" name="Straight Arrow Connector 62"/>
-          <p:cNvCxnSpPr>
-            <a:stCxn id="96" idx="3"/>
-          </p:cNvCxnSpPr>
+          <p:cNvPr id="182" name="Straight Arrow Connector 62"/>
+          <p:cNvCxnSpPr/>
           <p:nvPr/>
         </p:nvCxnSpPr>
         <p:spPr>
-          <a:xfrm>
-            <a:off x="4694099" y="4580800"/>
-            <a:ext cx="1369348" cy="689930"/>
+          <a:xfrm flipH="1">
+            <a:off x="6502756" y="3562840"/>
+            <a:ext cx="1563954" cy="11758"/>
           </a:xfrm>
           <a:prstGeom prst="straightConnector1">
             <a:avLst/>
@@ -7377,194 +6269,16 @@
           <a:fontRef idx="none"/>
         </p:style>
       </p:cxnSp>
-      <p:pic>
-        <p:nvPicPr>
-          <p:cNvPr id="232" name="Picture 231"/>
-          <p:cNvPicPr>
-            <a:picLocks noChangeAspect="1"/>
-          </p:cNvPicPr>
-          <p:nvPr/>
-        </p:nvPicPr>
-        <p:blipFill>
-          <a:blip r:embed="rId10"/>
-          <a:stretch>
-            <a:fillRect/>
-          </a:stretch>
-        </p:blipFill>
-        <p:spPr>
-          <a:xfrm>
-            <a:off x="3786407" y="6122908"/>
-            <a:ext cx="307414" cy="348208"/>
-          </a:xfrm>
-          <a:prstGeom prst="rect">
-            <a:avLst/>
-          </a:prstGeom>
-        </p:spPr>
-      </p:pic>
-      <p:grpSp>
-        <p:nvGrpSpPr>
-          <p:cNvPr id="22" name="Group 21"/>
-          <p:cNvGrpSpPr/>
-          <p:nvPr/>
-        </p:nvGrpSpPr>
-        <p:grpSpPr>
-          <a:xfrm>
-            <a:off x="3928982" y="6360832"/>
-            <a:ext cx="707235" cy="707233"/>
-            <a:chOff x="555452" y="2050875"/>
-            <a:chExt cx="707235" cy="707233"/>
-          </a:xfrm>
-        </p:grpSpPr>
-        <p:sp>
-          <p:nvSpPr>
-            <p:cNvPr id="110" name="Shape 339"/>
-            <p:cNvSpPr/>
-            <p:nvPr/>
-          </p:nvSpPr>
-          <p:spPr>
-            <a:xfrm>
-              <a:off x="555452" y="2050875"/>
-              <a:ext cx="707235" cy="707233"/>
-            </a:xfrm>
-            <a:custGeom>
-              <a:avLst/>
-              <a:gdLst/>
-              <a:ahLst/>
-              <a:cxnLst>
-                <a:cxn ang="0">
-                  <a:pos x="wd2" y="hd2"/>
-                </a:cxn>
-                <a:cxn ang="5400000">
-                  <a:pos x="wd2" y="hd2"/>
-                </a:cxn>
-                <a:cxn ang="10800000">
-                  <a:pos x="wd2" y="hd2"/>
-                </a:cxn>
-                <a:cxn ang="16200000">
-                  <a:pos x="wd2" y="hd2"/>
-                </a:cxn>
-              </a:cxnLst>
-              <a:rect l="0" t="0" r="r" b="b"/>
-              <a:pathLst>
-                <a:path w="19679" h="19679" extrusionOk="0">
-                  <a:moveTo>
-                    <a:pt x="16796" y="2882"/>
-                  </a:moveTo>
-                  <a:cubicBezTo>
-                    <a:pt x="20639" y="6724"/>
-                    <a:pt x="20639" y="12954"/>
-                    <a:pt x="16796" y="16796"/>
-                  </a:cubicBezTo>
-                  <a:cubicBezTo>
-                    <a:pt x="12954" y="20639"/>
-                    <a:pt x="6724" y="20639"/>
-                    <a:pt x="2882" y="16796"/>
-                  </a:cubicBezTo>
-                  <a:cubicBezTo>
-                    <a:pt x="-961" y="12954"/>
-                    <a:pt x="-961" y="6724"/>
-                    <a:pt x="2882" y="2882"/>
-                  </a:cubicBezTo>
-                  <a:cubicBezTo>
-                    <a:pt x="6724" y="-961"/>
-                    <a:pt x="12954" y="-961"/>
-                    <a:pt x="16796" y="2882"/>
-                  </a:cubicBezTo>
-                  <a:close/>
-                </a:path>
-              </a:pathLst>
-            </a:custGeom>
-            <a:solidFill>
-              <a:srgbClr val="325C80"/>
-            </a:solidFill>
-            <a:ln w="3175" cap="flat">
-              <a:noFill/>
-              <a:miter lim="400000"/>
-            </a:ln>
-            <a:effectLst/>
-          </p:spPr>
-          <p:txBody>
-            <a:bodyPr wrap="square" lIns="0" tIns="0" rIns="0" bIns="0" numCol="1" anchor="ctr">
-              <a:noAutofit/>
-            </a:bodyPr>
-            <a:lstStyle/>
-            <a:p>
-              <a:pPr lvl="0">
-                <a:defRPr sz="1800">
-                  <a:solidFill>
-                    <a:srgbClr val="FFFFFF"/>
-                  </a:solidFill>
-                </a:defRPr>
-              </a:pPr>
-              <a:endParaRPr/>
-            </a:p>
-          </p:txBody>
-        </p:sp>
-        <p:pic>
-          <p:nvPicPr>
-            <p:cNvPr id="111" name="_-41.png"/>
-            <p:cNvPicPr/>
-            <p:nvPr/>
-          </p:nvPicPr>
-          <p:blipFill>
-            <a:blip r:embed="rId11">
-              <a:extLst/>
-            </a:blip>
-            <a:srcRect l="21704" t="15445" r="21704" b="15445"/>
-            <a:stretch>
-              <a:fillRect/>
-            </a:stretch>
-          </p:blipFill>
-          <p:spPr>
-            <a:xfrm>
-              <a:off x="712289" y="2169320"/>
-              <a:ext cx="400239" cy="488767"/>
-            </a:xfrm>
-            <a:prstGeom prst="rect">
-              <a:avLst/>
-            </a:prstGeom>
-            <a:ln w="3175" cap="flat">
-              <a:noFill/>
-              <a:miter lim="400000"/>
-            </a:ln>
-            <a:effectLst/>
-          </p:spPr>
-        </p:pic>
-      </p:grpSp>
-      <p:pic>
-        <p:nvPicPr>
-          <p:cNvPr id="84" name="Picture 83"/>
-          <p:cNvPicPr>
-            <a:picLocks noChangeAspect="1"/>
-          </p:cNvPicPr>
-          <p:nvPr/>
-        </p:nvPicPr>
-        <p:blipFill>
-          <a:blip r:embed="rId6"/>
-          <a:stretch>
-            <a:fillRect/>
-          </a:stretch>
-        </p:blipFill>
-        <p:spPr>
-          <a:xfrm>
-            <a:off x="3598330" y="3872651"/>
-            <a:ext cx="831816" cy="524254"/>
-          </a:xfrm>
-          <a:prstGeom prst="rect">
-            <a:avLst/>
-          </a:prstGeom>
-        </p:spPr>
-      </p:pic>
       <p:cxnSp>
         <p:nvCxnSpPr>
-          <p:cNvPr id="62" name="Straight Arrow Connector 62"/>
+          <p:cNvPr id="189" name="Straight Arrow Connector 62"/>
           <p:cNvCxnSpPr/>
           <p:nvPr/>
         </p:nvCxnSpPr>
         <p:spPr>
-          <a:xfrm flipV="1">
-            <a:off x="4716696" y="2740403"/>
-            <a:ext cx="1184423" cy="1746983"/>
+          <a:xfrm>
+            <a:off x="4292054" y="2245883"/>
+            <a:ext cx="1140629" cy="1352233"/>
           </a:xfrm>
           <a:prstGeom prst="straightConnector1">
             <a:avLst/>
@@ -7596,92 +6310,10 @@
           <a:fontRef idx="none"/>
         </p:style>
       </p:cxnSp>
-      <p:cxnSp>
-        <p:nvCxnSpPr>
-          <p:cNvPr id="69" name="Straight Arrow Connector 62"/>
-          <p:cNvCxnSpPr/>
-          <p:nvPr/>
-        </p:nvCxnSpPr>
-        <p:spPr>
-          <a:xfrm>
-            <a:off x="4721985" y="3291017"/>
-            <a:ext cx="1293719" cy="1960616"/>
-          </a:xfrm>
-          <a:prstGeom prst="straightConnector1">
-            <a:avLst/>
-          </a:prstGeom>
-          <a:noFill/>
-          <a:ln w="12700" cap="flat" cmpd="sng">
-            <a:solidFill>
-              <a:schemeClr val="bg1">
-                <a:lumMod val="85000"/>
-              </a:schemeClr>
-            </a:solidFill>
-            <a:prstDash val="solid"/>
-            <a:miter lim="400000"/>
-            <a:headEnd type="none"/>
-            <a:tailEnd type="none"/>
-          </a:ln>
-          <a:effectLst/>
-        </p:spPr>
-        <p:style>
-          <a:lnRef idx="0">
-            <a:scrgbClr r="0" g="0" b="0"/>
-          </a:lnRef>
-          <a:fillRef idx="0">
-            <a:scrgbClr r="0" g="0" b="0"/>
-          </a:fillRef>
-          <a:effectRef idx="0">
-            <a:scrgbClr r="0" g="0" b="0"/>
-          </a:effectRef>
-          <a:fontRef idx="none"/>
-        </p:style>
-      </p:cxnSp>
-      <p:cxnSp>
-        <p:nvCxnSpPr>
-          <p:cNvPr id="71" name="Straight Arrow Connector 62"/>
-          <p:cNvCxnSpPr/>
-          <p:nvPr/>
-        </p:nvCxnSpPr>
-        <p:spPr>
-          <a:xfrm flipV="1">
-            <a:off x="7028812" y="3848006"/>
-            <a:ext cx="1326332" cy="1340694"/>
-          </a:xfrm>
-          <a:prstGeom prst="straightConnector1">
-            <a:avLst/>
-          </a:prstGeom>
-          <a:noFill/>
-          <a:ln w="12700" cap="flat" cmpd="sng">
-            <a:solidFill>
-              <a:schemeClr val="bg1">
-                <a:lumMod val="85000"/>
-              </a:schemeClr>
-            </a:solidFill>
-            <a:prstDash val="solid"/>
-            <a:miter lim="400000"/>
-            <a:headEnd type="none"/>
-            <a:tailEnd type="none"/>
-          </a:ln>
-          <a:effectLst/>
-        </p:spPr>
-        <p:style>
-          <a:lnRef idx="0">
-            <a:scrgbClr r="0" g="0" b="0"/>
-          </a:lnRef>
-          <a:fillRef idx="0">
-            <a:scrgbClr r="0" g="0" b="0"/>
-          </a:fillRef>
-          <a:effectRef idx="0">
-            <a:scrgbClr r="0" g="0" b="0"/>
-          </a:effectRef>
-          <a:fontRef idx="none"/>
-        </p:style>
-      </p:cxnSp>
     </p:spTree>
     <p:extLst>
       <p:ext uri="{BB962C8B-B14F-4D97-AF65-F5344CB8AC3E}">
-        <p14:creationId xmlns:p14="http://schemas.microsoft.com/office/powerpoint/2010/main" val="1272623389"/>
+        <p14:creationId xmlns:p14="http://schemas.microsoft.com/office/powerpoint/2010/main" val="1318753979"/>
       </p:ext>
     </p:extLst>
   </p:cSld>
